--- a/slides/01_installation_introduction.pptx
+++ b/slides/01_installation_introduction.pptx
@@ -2,7 +2,7 @@
 <file path=ppt/presentation.xml><?xml version="1.0" encoding="utf-8"?>
 <p:presentation xmlns:a="http://schemas.openxmlformats.org/drawingml/2006/main" xmlns:r="http://schemas.openxmlformats.org/officeDocument/2006/relationships" xmlns:mc="http://schemas.openxmlformats.org/markup-compatibility/2006" xmlns:mv="urn:schemas-microsoft-com:mac:vml" xmlns:p="http://schemas.openxmlformats.org/presentationml/2006/main" xmlns:c="http://schemas.openxmlformats.org/drawingml/2006/chart" xmlns:dgm="http://schemas.openxmlformats.org/drawingml/2006/diagram" xmlns:o="urn:schemas-microsoft-com:office:office" xmlns:v="urn:schemas-microsoft-com:vml" xmlns:pvml="urn:schemas-microsoft-com:office:powerpoint" xmlns:com="http://schemas.openxmlformats.org/drawingml/2006/compatibility" xmlns:p14="http://schemas.microsoft.com/office/powerpoint/2010/main" xmlns:p15="http://schemas.microsoft.com/office/powerpoint/2012/main" xmlns:ahyp="http://schemas.microsoft.com/office/drawing/2018/hyperlinkcolor" autoCompressPictures="0" strictFirstAndLastChars="0" saveSubsetFonts="1">
   <p:sldMasterIdLst>
-    <p:sldMasterId id="2147483662" r:id="rId4"/>
+    <p:sldMasterId id="2147483648" r:id="rId4"/>
   </p:sldMasterIdLst>
   <p:notesMasterIdLst>
     <p:notesMasterId r:id="rId5"/>
@@ -17,6 +17,7 @@
     <p:sldId id="262" r:id="rId12"/>
     <p:sldId id="263" r:id="rId13"/>
     <p:sldId id="264" r:id="rId14"/>
+    <p:sldId id="265" r:id="rId15"/>
   </p:sldIdLst>
   <p:sldSz cy="5143500" cx="9144000"/>
   <p:notesSz cx="6858000" cy="9144000"/>
@@ -264,6 +265,9 @@
         </p15:guide>
       </p15:sldGuideLst>
     </p:ext>
+    <p:ext uri="http://customooxmlschemas.google.com/">
+      <go:slidesCustomData xmlns:go="http://customooxmlschemas.google.com/" r:id="rId16" roundtripDataSignature="AMtx7mhdmqMJFE7ZxZeoerB7FHFwasCLUg=="/>
+    </p:ext>
   </p:extLst>
 </p:presentation>
 </file>
@@ -356,104 +360,239 @@
             <a:noAutofit/>
           </a:bodyPr>
           <a:lstStyle>
-            <a:lvl1pPr indent="-298450" lvl="0" marL="457200">
-              <a:spcBef>
-                <a:spcPts val="0"/>
-              </a:spcBef>
-              <a:spcAft>
-                <a:spcPts val="0"/>
-              </a:spcAft>
+            <a:lvl1pPr indent="-298450" lvl="0" marL="457200" marR="0" rtl="0" algn="l">
+              <a:lnSpc>
+                <a:spcPct val="100000"/>
+              </a:lnSpc>
+              <a:spcBef>
+                <a:spcPts val="0"/>
+              </a:spcBef>
+              <a:spcAft>
+                <a:spcPts val="0"/>
+              </a:spcAft>
+              <a:buClr>
+                <a:srgbClr val="000000"/>
+              </a:buClr>
               <a:buSzPts val="1100"/>
+              <a:buFont typeface="Arial"/>
               <a:buChar char="●"/>
-              <a:defRPr sz="1100"/>
+              <a:defRPr b="0" i="0" sz="1100" u="none" cap="none" strike="noStrike">
+                <a:solidFill>
+                  <a:srgbClr val="000000"/>
+                </a:solidFill>
+                <a:latin typeface="Arial"/>
+                <a:ea typeface="Arial"/>
+                <a:cs typeface="Arial"/>
+                <a:sym typeface="Arial"/>
+              </a:defRPr>
             </a:lvl1pPr>
-            <a:lvl2pPr indent="-298450" lvl="1" marL="914400">
-              <a:spcBef>
-                <a:spcPts val="0"/>
-              </a:spcBef>
-              <a:spcAft>
-                <a:spcPts val="0"/>
-              </a:spcAft>
+            <a:lvl2pPr indent="-298450" lvl="1" marL="914400" marR="0" rtl="0" algn="l">
+              <a:lnSpc>
+                <a:spcPct val="100000"/>
+              </a:lnSpc>
+              <a:spcBef>
+                <a:spcPts val="0"/>
+              </a:spcBef>
+              <a:spcAft>
+                <a:spcPts val="0"/>
+              </a:spcAft>
+              <a:buClr>
+                <a:srgbClr val="000000"/>
+              </a:buClr>
               <a:buSzPts val="1100"/>
+              <a:buFont typeface="Arial"/>
               <a:buChar char="○"/>
-              <a:defRPr sz="1100"/>
+              <a:defRPr b="0" i="0" sz="1100" u="none" cap="none" strike="noStrike">
+                <a:solidFill>
+                  <a:srgbClr val="000000"/>
+                </a:solidFill>
+                <a:latin typeface="Arial"/>
+                <a:ea typeface="Arial"/>
+                <a:cs typeface="Arial"/>
+                <a:sym typeface="Arial"/>
+              </a:defRPr>
             </a:lvl2pPr>
-            <a:lvl3pPr indent="-298450" lvl="2" marL="1371600">
-              <a:spcBef>
-                <a:spcPts val="0"/>
-              </a:spcBef>
-              <a:spcAft>
-                <a:spcPts val="0"/>
-              </a:spcAft>
+            <a:lvl3pPr indent="-298450" lvl="2" marL="1371600" marR="0" rtl="0" algn="l">
+              <a:lnSpc>
+                <a:spcPct val="100000"/>
+              </a:lnSpc>
+              <a:spcBef>
+                <a:spcPts val="0"/>
+              </a:spcBef>
+              <a:spcAft>
+                <a:spcPts val="0"/>
+              </a:spcAft>
+              <a:buClr>
+                <a:srgbClr val="000000"/>
+              </a:buClr>
               <a:buSzPts val="1100"/>
+              <a:buFont typeface="Arial"/>
               <a:buChar char="■"/>
-              <a:defRPr sz="1100"/>
+              <a:defRPr b="0" i="0" sz="1100" u="none" cap="none" strike="noStrike">
+                <a:solidFill>
+                  <a:srgbClr val="000000"/>
+                </a:solidFill>
+                <a:latin typeface="Arial"/>
+                <a:ea typeface="Arial"/>
+                <a:cs typeface="Arial"/>
+                <a:sym typeface="Arial"/>
+              </a:defRPr>
             </a:lvl3pPr>
-            <a:lvl4pPr indent="-298450" lvl="3" marL="1828800">
-              <a:spcBef>
-                <a:spcPts val="0"/>
-              </a:spcBef>
-              <a:spcAft>
-                <a:spcPts val="0"/>
-              </a:spcAft>
+            <a:lvl4pPr indent="-298450" lvl="3" marL="1828800" marR="0" rtl="0" algn="l">
+              <a:lnSpc>
+                <a:spcPct val="100000"/>
+              </a:lnSpc>
+              <a:spcBef>
+                <a:spcPts val="0"/>
+              </a:spcBef>
+              <a:spcAft>
+                <a:spcPts val="0"/>
+              </a:spcAft>
+              <a:buClr>
+                <a:srgbClr val="000000"/>
+              </a:buClr>
               <a:buSzPts val="1100"/>
+              <a:buFont typeface="Arial"/>
               <a:buChar char="●"/>
-              <a:defRPr sz="1100"/>
+              <a:defRPr b="0" i="0" sz="1100" u="none" cap="none" strike="noStrike">
+                <a:solidFill>
+                  <a:srgbClr val="000000"/>
+                </a:solidFill>
+                <a:latin typeface="Arial"/>
+                <a:ea typeface="Arial"/>
+                <a:cs typeface="Arial"/>
+                <a:sym typeface="Arial"/>
+              </a:defRPr>
             </a:lvl4pPr>
-            <a:lvl5pPr indent="-298450" lvl="4" marL="2286000">
-              <a:spcBef>
-                <a:spcPts val="0"/>
-              </a:spcBef>
-              <a:spcAft>
-                <a:spcPts val="0"/>
-              </a:spcAft>
+            <a:lvl5pPr indent="-298450" lvl="4" marL="2286000" marR="0" rtl="0" algn="l">
+              <a:lnSpc>
+                <a:spcPct val="100000"/>
+              </a:lnSpc>
+              <a:spcBef>
+                <a:spcPts val="0"/>
+              </a:spcBef>
+              <a:spcAft>
+                <a:spcPts val="0"/>
+              </a:spcAft>
+              <a:buClr>
+                <a:srgbClr val="000000"/>
+              </a:buClr>
               <a:buSzPts val="1100"/>
+              <a:buFont typeface="Arial"/>
               <a:buChar char="○"/>
-              <a:defRPr sz="1100"/>
+              <a:defRPr b="0" i="0" sz="1100" u="none" cap="none" strike="noStrike">
+                <a:solidFill>
+                  <a:srgbClr val="000000"/>
+                </a:solidFill>
+                <a:latin typeface="Arial"/>
+                <a:ea typeface="Arial"/>
+                <a:cs typeface="Arial"/>
+                <a:sym typeface="Arial"/>
+              </a:defRPr>
             </a:lvl5pPr>
-            <a:lvl6pPr indent="-298450" lvl="5" marL="2743200">
-              <a:spcBef>
-                <a:spcPts val="0"/>
-              </a:spcBef>
-              <a:spcAft>
-                <a:spcPts val="0"/>
-              </a:spcAft>
+            <a:lvl6pPr indent="-298450" lvl="5" marL="2743200" marR="0" rtl="0" algn="l">
+              <a:lnSpc>
+                <a:spcPct val="100000"/>
+              </a:lnSpc>
+              <a:spcBef>
+                <a:spcPts val="0"/>
+              </a:spcBef>
+              <a:spcAft>
+                <a:spcPts val="0"/>
+              </a:spcAft>
+              <a:buClr>
+                <a:srgbClr val="000000"/>
+              </a:buClr>
               <a:buSzPts val="1100"/>
+              <a:buFont typeface="Arial"/>
               <a:buChar char="■"/>
-              <a:defRPr sz="1100"/>
+              <a:defRPr b="0" i="0" sz="1100" u="none" cap="none" strike="noStrike">
+                <a:solidFill>
+                  <a:srgbClr val="000000"/>
+                </a:solidFill>
+                <a:latin typeface="Arial"/>
+                <a:ea typeface="Arial"/>
+                <a:cs typeface="Arial"/>
+                <a:sym typeface="Arial"/>
+              </a:defRPr>
             </a:lvl6pPr>
-            <a:lvl7pPr indent="-298450" lvl="6" marL="3200400">
-              <a:spcBef>
-                <a:spcPts val="0"/>
-              </a:spcBef>
-              <a:spcAft>
-                <a:spcPts val="0"/>
-              </a:spcAft>
+            <a:lvl7pPr indent="-298450" lvl="6" marL="3200400" marR="0" rtl="0" algn="l">
+              <a:lnSpc>
+                <a:spcPct val="100000"/>
+              </a:lnSpc>
+              <a:spcBef>
+                <a:spcPts val="0"/>
+              </a:spcBef>
+              <a:spcAft>
+                <a:spcPts val="0"/>
+              </a:spcAft>
+              <a:buClr>
+                <a:srgbClr val="000000"/>
+              </a:buClr>
               <a:buSzPts val="1100"/>
+              <a:buFont typeface="Arial"/>
               <a:buChar char="●"/>
-              <a:defRPr sz="1100"/>
+              <a:defRPr b="0" i="0" sz="1100" u="none" cap="none" strike="noStrike">
+                <a:solidFill>
+                  <a:srgbClr val="000000"/>
+                </a:solidFill>
+                <a:latin typeface="Arial"/>
+                <a:ea typeface="Arial"/>
+                <a:cs typeface="Arial"/>
+                <a:sym typeface="Arial"/>
+              </a:defRPr>
             </a:lvl7pPr>
-            <a:lvl8pPr indent="-298450" lvl="7" marL="3657600">
-              <a:spcBef>
-                <a:spcPts val="0"/>
-              </a:spcBef>
-              <a:spcAft>
-                <a:spcPts val="0"/>
-              </a:spcAft>
+            <a:lvl8pPr indent="-298450" lvl="7" marL="3657600" marR="0" rtl="0" algn="l">
+              <a:lnSpc>
+                <a:spcPct val="100000"/>
+              </a:lnSpc>
+              <a:spcBef>
+                <a:spcPts val="0"/>
+              </a:spcBef>
+              <a:spcAft>
+                <a:spcPts val="0"/>
+              </a:spcAft>
+              <a:buClr>
+                <a:srgbClr val="000000"/>
+              </a:buClr>
               <a:buSzPts val="1100"/>
+              <a:buFont typeface="Arial"/>
               <a:buChar char="○"/>
-              <a:defRPr sz="1100"/>
+              <a:defRPr b="0" i="0" sz="1100" u="none" cap="none" strike="noStrike">
+                <a:solidFill>
+                  <a:srgbClr val="000000"/>
+                </a:solidFill>
+                <a:latin typeface="Arial"/>
+                <a:ea typeface="Arial"/>
+                <a:cs typeface="Arial"/>
+                <a:sym typeface="Arial"/>
+              </a:defRPr>
             </a:lvl8pPr>
-            <a:lvl9pPr indent="-298450" lvl="8" marL="4114800">
-              <a:spcBef>
-                <a:spcPts val="0"/>
-              </a:spcBef>
-              <a:spcAft>
-                <a:spcPts val="0"/>
-              </a:spcAft>
+            <a:lvl9pPr indent="-298450" lvl="8" marL="4114800" marR="0" rtl="0" algn="l">
+              <a:lnSpc>
+                <a:spcPct val="100000"/>
+              </a:lnSpc>
+              <a:spcBef>
+                <a:spcPts val="0"/>
+              </a:spcBef>
+              <a:spcAft>
+                <a:spcPts val="0"/>
+              </a:spcAft>
+              <a:buClr>
+                <a:srgbClr val="000000"/>
+              </a:buClr>
               <a:buSzPts val="1100"/>
+              <a:buFont typeface="Arial"/>
               <a:buChar char="■"/>
-              <a:defRPr sz="1100"/>
+              <a:defRPr b="0" i="0" sz="1100" u="none" cap="none" strike="noStrike">
+                <a:solidFill>
+                  <a:srgbClr val="000000"/>
+                </a:solidFill>
+                <a:latin typeface="Arial"/>
+                <a:ea typeface="Arial"/>
+                <a:cs typeface="Arial"/>
+                <a:sym typeface="Arial"/>
+              </a:defRPr>
             </a:lvl9pPr>
           </a:lstStyle>
           <a:p/>
@@ -713,7 +852,7 @@
       </p:grpSpPr>
       <p:sp>
         <p:nvSpPr>
-          <p:cNvPr id="81" name="Google Shape;81;p:notes"/>
+          <p:cNvPr id="81" name="Google Shape;81;p1:notes"/>
           <p:cNvSpPr/>
           <p:nvPr>
             <p:ph idx="2" type="sldImg"/>
@@ -744,11 +883,21 @@
               </a:path>
             </a:pathLst>
           </a:custGeom>
+          <a:noFill/>
+          <a:ln cap="flat" cmpd="sng" w="9525">
+            <a:solidFill>
+              <a:srgbClr val="000000"/>
+            </a:solidFill>
+            <a:prstDash val="solid"/>
+            <a:round/>
+            <a:headEnd len="sm" w="sm" type="none"/>
+            <a:tailEnd len="sm" w="sm" type="none"/>
+          </a:ln>
         </p:spPr>
       </p:sp>
       <p:sp>
         <p:nvSpPr>
-          <p:cNvPr id="82" name="Google Shape;82;p:notes"/>
+          <p:cNvPr id="82" name="Google Shape;82;p1:notes"/>
           <p:cNvSpPr txBox="1"/>
           <p:nvPr>
             <p:ph idx="1" type="body"/>
@@ -762,6 +911,10 @@
           <a:prstGeom prst="rect">
             <a:avLst/>
           </a:prstGeom>
+          <a:noFill/>
+          <a:ln>
+            <a:noFill/>
+          </a:ln>
         </p:spPr>
         <p:txBody>
           <a:bodyPr anchorCtr="0" anchor="t" bIns="91425" lIns="91425" spcFirstLastPara="1" rIns="91425" wrap="square" tIns="91425">
@@ -770,12 +923,133 @@
           <a:lstStyle/>
           <a:p>
             <a:pPr indent="0" lvl="0" marL="0" rtl="0" algn="l">
-              <a:spcBef>
-                <a:spcPts val="0"/>
-              </a:spcBef>
-              <a:spcAft>
-                <a:spcPts val="0"/>
-              </a:spcAft>
+              <a:lnSpc>
+                <a:spcPct val="100000"/>
+              </a:lnSpc>
+              <a:spcBef>
+                <a:spcPts val="0"/>
+              </a:spcBef>
+              <a:spcAft>
+                <a:spcPts val="0"/>
+              </a:spcAft>
+              <a:buSzPts val="1100"/>
+              <a:buNone/>
+            </a:pPr>
+            <a:r>
+              <a:t/>
+            </a:r>
+            <a:endParaRPr/>
+          </a:p>
+        </p:txBody>
+      </p:sp>
+    </p:spTree>
+  </p:cSld>
+  <p:clrMapOvr>
+    <a:masterClrMapping/>
+  </p:clrMapOvr>
+</p:notes>
+</file>
+
+<file path=ppt/notesSlides/notesSlide10.xml><?xml version="1.0" encoding="utf-8"?>
+<p:notes xmlns:a="http://schemas.openxmlformats.org/drawingml/2006/main" xmlns:r="http://schemas.openxmlformats.org/officeDocument/2006/relationships" xmlns:mc="http://schemas.openxmlformats.org/markup-compatibility/2006" xmlns:mv="urn:schemas-microsoft-com:mac:vml" xmlns:p="http://schemas.openxmlformats.org/presentationml/2006/main" xmlns:c="http://schemas.openxmlformats.org/drawingml/2006/chart" xmlns:dgm="http://schemas.openxmlformats.org/drawingml/2006/diagram" xmlns:o="urn:schemas-microsoft-com:office:office" xmlns:v="urn:schemas-microsoft-com:vml" xmlns:pvml="urn:schemas-microsoft-com:office:powerpoint" xmlns:com="http://schemas.openxmlformats.org/drawingml/2006/compatibility" xmlns:p14="http://schemas.microsoft.com/office/powerpoint/2010/main" xmlns:p15="http://schemas.microsoft.com/office/powerpoint/2012/main" xmlns:ahyp="http://schemas.microsoft.com/office/drawing/2018/hyperlinkcolor" showMasterPhAnim="0" showMasterSp="0">
+  <p:cSld>
+    <p:spTree>
+      <p:nvGrpSpPr>
+        <p:cNvPr id="137" name="Shape 137"/>
+        <p:cNvGrpSpPr/>
+        <p:nvPr/>
+      </p:nvGrpSpPr>
+      <p:grpSpPr>
+        <a:xfrm>
+          <a:off x="0" y="0"/>
+          <a:ext cx="0" cy="0"/>
+          <a:chOff x="0" y="0"/>
+          <a:chExt cx="0" cy="0"/>
+        </a:xfrm>
+      </p:grpSpPr>
+      <p:sp>
+        <p:nvSpPr>
+          <p:cNvPr id="138" name="Google Shape;138;p9:notes"/>
+          <p:cNvSpPr/>
+          <p:nvPr>
+            <p:ph idx="2" type="sldImg"/>
+          </p:nvPr>
+        </p:nvSpPr>
+        <p:spPr>
+          <a:xfrm>
+            <a:off x="381300" y="685800"/>
+            <a:ext cx="6096000" cy="3429000"/>
+          </a:xfrm>
+          <a:custGeom>
+            <a:rect b="b" l="l" r="r" t="t"/>
+            <a:pathLst>
+              <a:path extrusionOk="0" h="120000" w="120000">
+                <a:moveTo>
+                  <a:pt x="0" y="0"/>
+                </a:moveTo>
+                <a:lnTo>
+                  <a:pt x="120000" y="0"/>
+                </a:lnTo>
+                <a:lnTo>
+                  <a:pt x="120000" y="120000"/>
+                </a:lnTo>
+                <a:lnTo>
+                  <a:pt x="0" y="120000"/>
+                </a:lnTo>
+                <a:close/>
+              </a:path>
+            </a:pathLst>
+          </a:custGeom>
+          <a:noFill/>
+          <a:ln cap="flat" cmpd="sng" w="9525">
+            <a:solidFill>
+              <a:srgbClr val="000000"/>
+            </a:solidFill>
+            <a:prstDash val="solid"/>
+            <a:round/>
+            <a:headEnd len="sm" w="sm" type="none"/>
+            <a:tailEnd len="sm" w="sm" type="none"/>
+          </a:ln>
+        </p:spPr>
+      </p:sp>
+      <p:sp>
+        <p:nvSpPr>
+          <p:cNvPr id="139" name="Google Shape;139;p9:notes"/>
+          <p:cNvSpPr txBox="1"/>
+          <p:nvPr>
+            <p:ph idx="1" type="body"/>
+          </p:nvPr>
+        </p:nvSpPr>
+        <p:spPr>
+          <a:xfrm>
+            <a:off x="685800" y="4343400"/>
+            <a:ext cx="5486400" cy="4114800"/>
+          </a:xfrm>
+          <a:prstGeom prst="rect">
+            <a:avLst/>
+          </a:prstGeom>
+          <a:noFill/>
+          <a:ln>
+            <a:noFill/>
+          </a:ln>
+        </p:spPr>
+        <p:txBody>
+          <a:bodyPr anchorCtr="0" anchor="t" bIns="91425" lIns="91425" spcFirstLastPara="1" rIns="91425" wrap="square" tIns="91425">
+            <a:noAutofit/>
+          </a:bodyPr>
+          <a:lstStyle/>
+          <a:p>
+            <a:pPr indent="0" lvl="0" marL="0" rtl="0" algn="l">
+              <a:lnSpc>
+                <a:spcPct val="100000"/>
+              </a:lnSpc>
+              <a:spcBef>
+                <a:spcPts val="0"/>
+              </a:spcBef>
+              <a:spcAft>
+                <a:spcPts val="0"/>
+              </a:spcAft>
+              <a:buSzPts val="1100"/>
               <a:buNone/>
             </a:pPr>
             <a:r>
@@ -812,7 +1086,7 @@
       </p:grpSpPr>
       <p:sp>
         <p:nvSpPr>
-          <p:cNvPr id="87" name="Google Shape;87;gf3777c2911_0_77:notes"/>
+          <p:cNvPr id="87" name="Google Shape;87;p2:notes"/>
           <p:cNvSpPr/>
           <p:nvPr>
             <p:ph idx="2" type="sldImg"/>
@@ -843,11 +1117,21 @@
               </a:path>
             </a:pathLst>
           </a:custGeom>
+          <a:noFill/>
+          <a:ln cap="flat" cmpd="sng" w="9525">
+            <a:solidFill>
+              <a:srgbClr val="000000"/>
+            </a:solidFill>
+            <a:prstDash val="solid"/>
+            <a:round/>
+            <a:headEnd len="sm" w="sm" type="none"/>
+            <a:tailEnd len="sm" w="sm" type="none"/>
+          </a:ln>
         </p:spPr>
       </p:sp>
       <p:sp>
         <p:nvSpPr>
-          <p:cNvPr id="88" name="Google Shape;88;gf3777c2911_0_77:notes"/>
+          <p:cNvPr id="88" name="Google Shape;88;p2:notes"/>
           <p:cNvSpPr txBox="1"/>
           <p:nvPr>
             <p:ph idx="1" type="body"/>
@@ -861,6 +1145,10 @@
           <a:prstGeom prst="rect">
             <a:avLst/>
           </a:prstGeom>
+          <a:noFill/>
+          <a:ln>
+            <a:noFill/>
+          </a:ln>
         </p:spPr>
         <p:txBody>
           <a:bodyPr anchorCtr="0" anchor="t" bIns="91425" lIns="91425" spcFirstLastPara="1" rIns="91425" wrap="square" tIns="91425">
@@ -869,12 +1157,16 @@
           <a:lstStyle/>
           <a:p>
             <a:pPr indent="0" lvl="0" marL="0" rtl="0" algn="l">
-              <a:spcBef>
-                <a:spcPts val="0"/>
-              </a:spcBef>
-              <a:spcAft>
-                <a:spcPts val="0"/>
-              </a:spcAft>
+              <a:lnSpc>
+                <a:spcPct val="100000"/>
+              </a:lnSpc>
+              <a:spcBef>
+                <a:spcPts val="0"/>
+              </a:spcBef>
+              <a:spcAft>
+                <a:spcPts val="0"/>
+              </a:spcAft>
+              <a:buSzPts val="1100"/>
               <a:buNone/>
             </a:pPr>
             <a:r>
@@ -911,7 +1203,7 @@
       </p:grpSpPr>
       <p:sp>
         <p:nvSpPr>
-          <p:cNvPr id="93" name="Google Shape;93;gf3777c2911_0_84:notes"/>
+          <p:cNvPr id="93" name="Google Shape;93;p3:notes"/>
           <p:cNvSpPr/>
           <p:nvPr>
             <p:ph idx="2" type="sldImg"/>
@@ -942,11 +1234,21 @@
               </a:path>
             </a:pathLst>
           </a:custGeom>
+          <a:noFill/>
+          <a:ln cap="flat" cmpd="sng" w="9525">
+            <a:solidFill>
+              <a:srgbClr val="000000"/>
+            </a:solidFill>
+            <a:prstDash val="solid"/>
+            <a:round/>
+            <a:headEnd len="sm" w="sm" type="none"/>
+            <a:tailEnd len="sm" w="sm" type="none"/>
+          </a:ln>
         </p:spPr>
       </p:sp>
       <p:sp>
         <p:nvSpPr>
-          <p:cNvPr id="94" name="Google Shape;94;gf3777c2911_0_84:notes"/>
+          <p:cNvPr id="94" name="Google Shape;94;p3:notes"/>
           <p:cNvSpPr txBox="1"/>
           <p:nvPr>
             <p:ph idx="1" type="body"/>
@@ -960,6 +1262,10 @@
           <a:prstGeom prst="rect">
             <a:avLst/>
           </a:prstGeom>
+          <a:noFill/>
+          <a:ln>
+            <a:noFill/>
+          </a:ln>
         </p:spPr>
         <p:txBody>
           <a:bodyPr anchorCtr="0" anchor="t" bIns="91425" lIns="91425" spcFirstLastPara="1" rIns="91425" wrap="square" tIns="91425">
@@ -968,12 +1274,16 @@
           <a:lstStyle/>
           <a:p>
             <a:pPr indent="0" lvl="0" marL="0" rtl="0" algn="l">
-              <a:spcBef>
-                <a:spcPts val="0"/>
-              </a:spcBef>
-              <a:spcAft>
-                <a:spcPts val="0"/>
-              </a:spcAft>
+              <a:lnSpc>
+                <a:spcPct val="100000"/>
+              </a:lnSpc>
+              <a:spcBef>
+                <a:spcPts val="0"/>
+              </a:spcBef>
+              <a:spcAft>
+                <a:spcPts val="0"/>
+              </a:spcAft>
+              <a:buSzPts val="1100"/>
               <a:buNone/>
             </a:pPr>
             <a:r>
@@ -1010,7 +1320,7 @@
       </p:grpSpPr>
       <p:sp>
         <p:nvSpPr>
-          <p:cNvPr id="99" name="Google Shape;99;gf3777c2911_0_89:notes"/>
+          <p:cNvPr id="99" name="Google Shape;99;p4:notes"/>
           <p:cNvSpPr/>
           <p:nvPr>
             <p:ph idx="2" type="sldImg"/>
@@ -1041,11 +1351,21 @@
               </a:path>
             </a:pathLst>
           </a:custGeom>
+          <a:noFill/>
+          <a:ln cap="flat" cmpd="sng" w="9525">
+            <a:solidFill>
+              <a:srgbClr val="000000"/>
+            </a:solidFill>
+            <a:prstDash val="solid"/>
+            <a:round/>
+            <a:headEnd len="sm" w="sm" type="none"/>
+            <a:tailEnd len="sm" w="sm" type="none"/>
+          </a:ln>
         </p:spPr>
       </p:sp>
       <p:sp>
         <p:nvSpPr>
-          <p:cNvPr id="100" name="Google Shape;100;gf3777c2911_0_89:notes"/>
+          <p:cNvPr id="100" name="Google Shape;100;p4:notes"/>
           <p:cNvSpPr txBox="1"/>
           <p:nvPr>
             <p:ph idx="1" type="body"/>
@@ -1059,6 +1379,10 @@
           <a:prstGeom prst="rect">
             <a:avLst/>
           </a:prstGeom>
+          <a:noFill/>
+          <a:ln>
+            <a:noFill/>
+          </a:ln>
         </p:spPr>
         <p:txBody>
           <a:bodyPr anchorCtr="0" anchor="t" bIns="91425" lIns="91425" spcFirstLastPara="1" rIns="91425" wrap="square" tIns="91425">
@@ -1067,12 +1391,16 @@
           <a:lstStyle/>
           <a:p>
             <a:pPr indent="0" lvl="0" marL="0" rtl="0" algn="l">
-              <a:spcBef>
-                <a:spcPts val="0"/>
-              </a:spcBef>
-              <a:spcAft>
-                <a:spcPts val="0"/>
-              </a:spcAft>
+              <a:lnSpc>
+                <a:spcPct val="100000"/>
+              </a:lnSpc>
+              <a:spcBef>
+                <a:spcPts val="0"/>
+              </a:spcBef>
+              <a:spcAft>
+                <a:spcPts val="0"/>
+              </a:spcAft>
+              <a:buSzPts val="1100"/>
               <a:buNone/>
             </a:pPr>
             <a:r>
@@ -1109,7 +1437,7 @@
       </p:grpSpPr>
       <p:sp>
         <p:nvSpPr>
-          <p:cNvPr id="105" name="Google Shape;105;gf3777c2911_0_100:notes"/>
+          <p:cNvPr id="105" name="Google Shape;105;p5:notes"/>
           <p:cNvSpPr/>
           <p:nvPr>
             <p:ph idx="2" type="sldImg"/>
@@ -1140,11 +1468,21 @@
               </a:path>
             </a:pathLst>
           </a:custGeom>
+          <a:noFill/>
+          <a:ln cap="flat" cmpd="sng" w="9525">
+            <a:solidFill>
+              <a:srgbClr val="000000"/>
+            </a:solidFill>
+            <a:prstDash val="solid"/>
+            <a:round/>
+            <a:headEnd len="sm" w="sm" type="none"/>
+            <a:tailEnd len="sm" w="sm" type="none"/>
+          </a:ln>
         </p:spPr>
       </p:sp>
       <p:sp>
         <p:nvSpPr>
-          <p:cNvPr id="106" name="Google Shape;106;gf3777c2911_0_100:notes"/>
+          <p:cNvPr id="106" name="Google Shape;106;p5:notes"/>
           <p:cNvSpPr txBox="1"/>
           <p:nvPr>
             <p:ph idx="1" type="body"/>
@@ -1158,6 +1496,10 @@
           <a:prstGeom prst="rect">
             <a:avLst/>
           </a:prstGeom>
+          <a:noFill/>
+          <a:ln>
+            <a:noFill/>
+          </a:ln>
         </p:spPr>
         <p:txBody>
           <a:bodyPr anchorCtr="0" anchor="t" bIns="91425" lIns="91425" spcFirstLastPara="1" rIns="91425" wrap="square" tIns="91425">
@@ -1166,12 +1508,16 @@
           <a:lstStyle/>
           <a:p>
             <a:pPr indent="0" lvl="0" marL="0" rtl="0" algn="l">
-              <a:spcBef>
-                <a:spcPts val="0"/>
-              </a:spcBef>
-              <a:spcAft>
-                <a:spcPts val="0"/>
-              </a:spcAft>
+              <a:lnSpc>
+                <a:spcPct val="100000"/>
+              </a:lnSpc>
+              <a:spcBef>
+                <a:spcPts val="0"/>
+              </a:spcBef>
+              <a:spcAft>
+                <a:spcPts val="0"/>
+              </a:spcAft>
+              <a:buSzPts val="1100"/>
               <a:buNone/>
             </a:pPr>
             <a:r>
@@ -1208,7 +1554,7 @@
       </p:grpSpPr>
       <p:sp>
         <p:nvSpPr>
-          <p:cNvPr id="111" name="Google Shape;111;gf3777c2911_0_108:notes"/>
+          <p:cNvPr id="111" name="Google Shape;111;p6:notes"/>
           <p:cNvSpPr/>
           <p:nvPr>
             <p:ph idx="2" type="sldImg"/>
@@ -1239,11 +1585,21 @@
               </a:path>
             </a:pathLst>
           </a:custGeom>
+          <a:noFill/>
+          <a:ln cap="flat" cmpd="sng" w="9525">
+            <a:solidFill>
+              <a:srgbClr val="000000"/>
+            </a:solidFill>
+            <a:prstDash val="solid"/>
+            <a:round/>
+            <a:headEnd len="sm" w="sm" type="none"/>
+            <a:tailEnd len="sm" w="sm" type="none"/>
+          </a:ln>
         </p:spPr>
       </p:sp>
       <p:sp>
         <p:nvSpPr>
-          <p:cNvPr id="112" name="Google Shape;112;gf3777c2911_0_108:notes"/>
+          <p:cNvPr id="112" name="Google Shape;112;p6:notes"/>
           <p:cNvSpPr txBox="1"/>
           <p:nvPr>
             <p:ph idx="1" type="body"/>
@@ -1257,6 +1613,10 @@
           <a:prstGeom prst="rect">
             <a:avLst/>
           </a:prstGeom>
+          <a:noFill/>
+          <a:ln>
+            <a:noFill/>
+          </a:ln>
         </p:spPr>
         <p:txBody>
           <a:bodyPr anchorCtr="0" anchor="t" bIns="91425" lIns="91425" spcFirstLastPara="1" rIns="91425" wrap="square" tIns="91425">
@@ -1265,12 +1625,16 @@
           <a:lstStyle/>
           <a:p>
             <a:pPr indent="0" lvl="0" marL="0" rtl="0" algn="l">
-              <a:spcBef>
-                <a:spcPts val="0"/>
-              </a:spcBef>
-              <a:spcAft>
-                <a:spcPts val="0"/>
-              </a:spcAft>
+              <a:lnSpc>
+                <a:spcPct val="100000"/>
+              </a:lnSpc>
+              <a:spcBef>
+                <a:spcPts val="0"/>
+              </a:spcBef>
+              <a:spcAft>
+                <a:spcPts val="0"/>
+              </a:spcAft>
+              <a:buSzPts val="1100"/>
               <a:buNone/>
             </a:pPr>
             <a:r>
@@ -1307,7 +1671,7 @@
       </p:grpSpPr>
       <p:sp>
         <p:nvSpPr>
-          <p:cNvPr id="117" name="Google Shape;117;gf3777c2911_0_114:notes"/>
+          <p:cNvPr id="117" name="Google Shape;117;gf9d0aa8325_0_0:notes"/>
           <p:cNvSpPr/>
           <p:nvPr>
             <p:ph idx="2" type="sldImg"/>
@@ -1342,7 +1706,7 @@
       </p:sp>
       <p:sp>
         <p:nvSpPr>
-          <p:cNvPr id="118" name="Google Shape;118;gf3777c2911_0_114:notes"/>
+          <p:cNvPr id="118" name="Google Shape;118;gf9d0aa8325_0_0:notes"/>
           <p:cNvSpPr txBox="1"/>
           <p:nvPr>
             <p:ph idx="1" type="body"/>
@@ -1392,7 +1756,7 @@
   <p:cSld>
     <p:spTree>
       <p:nvGrpSpPr>
-        <p:cNvPr id="123" name="Shape 123"/>
+        <p:cNvPr id="124" name="Shape 124"/>
         <p:cNvGrpSpPr/>
         <p:nvPr/>
       </p:nvGrpSpPr>
@@ -1406,7 +1770,7 @@
       </p:grpSpPr>
       <p:sp>
         <p:nvSpPr>
-          <p:cNvPr id="124" name="Google Shape;124;gf3777c2911_0_123:notes"/>
+          <p:cNvPr id="125" name="Google Shape;125;p7:notes"/>
           <p:cNvSpPr/>
           <p:nvPr>
             <p:ph idx="2" type="sldImg"/>
@@ -1437,11 +1801,21 @@
               </a:path>
             </a:pathLst>
           </a:custGeom>
+          <a:noFill/>
+          <a:ln cap="flat" cmpd="sng" w="9525">
+            <a:solidFill>
+              <a:srgbClr val="000000"/>
+            </a:solidFill>
+            <a:prstDash val="solid"/>
+            <a:round/>
+            <a:headEnd len="sm" w="sm" type="none"/>
+            <a:tailEnd len="sm" w="sm" type="none"/>
+          </a:ln>
         </p:spPr>
       </p:sp>
       <p:sp>
         <p:nvSpPr>
-          <p:cNvPr id="125" name="Google Shape;125;gf3777c2911_0_123:notes"/>
+          <p:cNvPr id="126" name="Google Shape;126;p7:notes"/>
           <p:cNvSpPr txBox="1"/>
           <p:nvPr>
             <p:ph idx="1" type="body"/>
@@ -1455,6 +1829,10 @@
           <a:prstGeom prst="rect">
             <a:avLst/>
           </a:prstGeom>
+          <a:noFill/>
+          <a:ln>
+            <a:noFill/>
+          </a:ln>
         </p:spPr>
         <p:txBody>
           <a:bodyPr anchorCtr="0" anchor="t" bIns="91425" lIns="91425" spcFirstLastPara="1" rIns="91425" wrap="square" tIns="91425">
@@ -1463,12 +1841,16 @@
           <a:lstStyle/>
           <a:p>
             <a:pPr indent="0" lvl="0" marL="0" rtl="0" algn="l">
-              <a:spcBef>
-                <a:spcPts val="0"/>
-              </a:spcBef>
-              <a:spcAft>
-                <a:spcPts val="0"/>
-              </a:spcAft>
+              <a:lnSpc>
+                <a:spcPct val="100000"/>
+              </a:lnSpc>
+              <a:spcBef>
+                <a:spcPts val="0"/>
+              </a:spcBef>
+              <a:spcAft>
+                <a:spcPts val="0"/>
+              </a:spcAft>
+              <a:buSzPts val="1100"/>
               <a:buNone/>
             </a:pPr>
             <a:r>
@@ -1491,7 +1873,7 @@
   <p:cSld>
     <p:spTree>
       <p:nvGrpSpPr>
-        <p:cNvPr id="129" name="Shape 129"/>
+        <p:cNvPr id="131" name="Shape 131"/>
         <p:cNvGrpSpPr/>
         <p:nvPr/>
       </p:nvGrpSpPr>
@@ -1505,7 +1887,7 @@
       </p:grpSpPr>
       <p:sp>
         <p:nvSpPr>
-          <p:cNvPr id="130" name="Google Shape;130;gf3777c2911_0_128:notes"/>
+          <p:cNvPr id="132" name="Google Shape;132;p8:notes"/>
           <p:cNvSpPr/>
           <p:nvPr>
             <p:ph idx="2" type="sldImg"/>
@@ -1536,11 +1918,21 @@
               </a:path>
             </a:pathLst>
           </a:custGeom>
+          <a:noFill/>
+          <a:ln cap="flat" cmpd="sng" w="9525">
+            <a:solidFill>
+              <a:srgbClr val="000000"/>
+            </a:solidFill>
+            <a:prstDash val="solid"/>
+            <a:round/>
+            <a:headEnd len="sm" w="sm" type="none"/>
+            <a:tailEnd len="sm" w="sm" type="none"/>
+          </a:ln>
         </p:spPr>
       </p:sp>
       <p:sp>
         <p:nvSpPr>
-          <p:cNvPr id="131" name="Google Shape;131;gf3777c2911_0_128:notes"/>
+          <p:cNvPr id="133" name="Google Shape;133;p8:notes"/>
           <p:cNvSpPr txBox="1"/>
           <p:nvPr>
             <p:ph idx="1" type="body"/>
@@ -1554,6 +1946,10 @@
           <a:prstGeom prst="rect">
             <a:avLst/>
           </a:prstGeom>
+          <a:noFill/>
+          <a:ln>
+            <a:noFill/>
+          </a:ln>
         </p:spPr>
         <p:txBody>
           <a:bodyPr anchorCtr="0" anchor="t" bIns="91425" lIns="91425" spcFirstLastPara="1" rIns="91425" wrap="square" tIns="91425">
@@ -1562,12 +1958,16 @@
           <a:lstStyle/>
           <a:p>
             <a:pPr indent="0" lvl="0" marL="0" rtl="0" algn="l">
-              <a:spcBef>
-                <a:spcPts val="0"/>
-              </a:spcBef>
-              <a:spcAft>
-                <a:spcPts val="0"/>
-              </a:spcAft>
+              <a:lnSpc>
+                <a:spcPct val="100000"/>
+              </a:lnSpc>
+              <a:spcBef>
+                <a:spcPts val="0"/>
+              </a:spcBef>
+              <a:spcAft>
+                <a:spcPts val="0"/>
+              </a:spcAft>
+              <a:buSzPts val="1100"/>
               <a:buNone/>
             </a:pPr>
             <a:r>
@@ -1604,7 +2004,7 @@
       </p:grpSpPr>
       <p:sp>
         <p:nvSpPr>
-          <p:cNvPr id="13" name="Google Shape;13;p2"/>
+          <p:cNvPr id="13" name="Google Shape;13;p11"/>
           <p:cNvSpPr/>
           <p:nvPr/>
         </p:nvSpPr>
@@ -1630,12 +2030,20 @@
           <a:lstStyle/>
           <a:p>
             <a:pPr indent="0" lvl="0" marL="0" marR="0" rtl="0" algn="ctr">
-              <a:spcBef>
-                <a:spcPts val="0"/>
-              </a:spcBef>
-              <a:spcAft>
-                <a:spcPts val="0"/>
-              </a:spcAft>
+              <a:lnSpc>
+                <a:spcPct val="100000"/>
+              </a:lnSpc>
+              <a:spcBef>
+                <a:spcPts val="0"/>
+              </a:spcBef>
+              <a:spcAft>
+                <a:spcPts val="0"/>
+              </a:spcAft>
+              <a:buClr>
+                <a:srgbClr val="000000"/>
+              </a:buClr>
+              <a:buSzPts val="1800"/>
+              <a:buFont typeface="Arial"/>
               <a:buNone/>
             </a:pPr>
             <a:r>
@@ -1650,13 +2058,21 @@
               </a:rPr>
               <a:t>   </a:t>
             </a:r>
-            <a:endParaRPr/>
+            <a:endParaRPr b="0" i="0" sz="1400" u="none" cap="none" strike="noStrike">
+              <a:solidFill>
+                <a:srgbClr val="000000"/>
+              </a:solidFill>
+              <a:latin typeface="Arial"/>
+              <a:ea typeface="Arial"/>
+              <a:cs typeface="Arial"/>
+              <a:sym typeface="Arial"/>
+            </a:endParaRPr>
           </a:p>
         </p:txBody>
       </p:sp>
       <p:pic>
         <p:nvPicPr>
-          <p:cNvPr descr="TU_Braunschweig_02" id="14" name="Google Shape;14;p2"/>
+          <p:cNvPr descr="TU_Braunschweig_02" id="14" name="Google Shape;14;p11"/>
           <p:cNvPicPr preferRelativeResize="0"/>
           <p:nvPr/>
         </p:nvPicPr>
@@ -1683,7 +2099,7 @@
       </p:pic>
       <p:pic>
         <p:nvPicPr>
-          <p:cNvPr descr="TUBS_CO_150dpi" id="15" name="Google Shape;15;p2"/>
+          <p:cNvPr descr="TUBS_CO_150dpi" id="15" name="Google Shape;15;p11"/>
           <p:cNvPicPr preferRelativeResize="0"/>
           <p:nvPr/>
         </p:nvPicPr>
@@ -1710,7 +2126,7 @@
       </p:pic>
       <p:sp>
         <p:nvSpPr>
-          <p:cNvPr id="16" name="Google Shape;16;p2"/>
+          <p:cNvPr id="16" name="Google Shape;16;p11"/>
           <p:cNvSpPr/>
           <p:nvPr/>
         </p:nvSpPr>
@@ -1736,18 +2152,26 @@
           <a:lstStyle/>
           <a:p>
             <a:pPr indent="0" lvl="0" marL="0" marR="0" rtl="0" algn="l">
-              <a:spcBef>
-                <a:spcPts val="0"/>
-              </a:spcBef>
-              <a:spcAft>
-                <a:spcPts val="0"/>
-              </a:spcAft>
+              <a:lnSpc>
+                <a:spcPct val="100000"/>
+              </a:lnSpc>
+              <a:spcBef>
+                <a:spcPts val="0"/>
+              </a:spcBef>
+              <a:spcAft>
+                <a:spcPts val="0"/>
+              </a:spcAft>
+              <a:buClr>
+                <a:srgbClr val="000000"/>
+              </a:buClr>
+              <a:buSzPts val="1800"/>
+              <a:buFont typeface="Arial"/>
               <a:buNone/>
             </a:pPr>
             <a:r>
               <a:t/>
             </a:r>
-            <a:endParaRPr sz="1800">
+            <a:endParaRPr b="0" i="0" sz="1800" u="none" cap="none" strike="noStrike">
               <a:solidFill>
                 <a:schemeClr val="dk1"/>
               </a:solidFill>
@@ -1761,7 +2185,7 @@
       </p:sp>
       <p:sp>
         <p:nvSpPr>
-          <p:cNvPr id="17" name="Google Shape;17;p2"/>
+          <p:cNvPr id="17" name="Google Shape;17;p11"/>
           <p:cNvSpPr txBox="1"/>
           <p:nvPr>
             <p:ph type="ctrTitle"/>
@@ -1786,6 +2210,9 @@
           </a:bodyPr>
           <a:lstStyle>
             <a:lvl1pPr lvl="0" algn="l">
+              <a:lnSpc>
+                <a:spcPct val="100000"/>
+              </a:lnSpc>
               <a:spcBef>
                 <a:spcPts val="0"/>
               </a:spcBef>
@@ -1797,6 +2224,9 @@
               <a:defRPr/>
             </a:lvl1pPr>
             <a:lvl2pPr lvl="1" algn="l">
+              <a:lnSpc>
+                <a:spcPct val="100000"/>
+              </a:lnSpc>
               <a:spcBef>
                 <a:spcPts val="0"/>
               </a:spcBef>
@@ -1808,6 +2238,9 @@
               <a:defRPr/>
             </a:lvl2pPr>
             <a:lvl3pPr lvl="2" algn="l">
+              <a:lnSpc>
+                <a:spcPct val="100000"/>
+              </a:lnSpc>
               <a:spcBef>
                 <a:spcPts val="0"/>
               </a:spcBef>
@@ -1819,6 +2252,9 @@
               <a:defRPr/>
             </a:lvl3pPr>
             <a:lvl4pPr lvl="3" algn="l">
+              <a:lnSpc>
+                <a:spcPct val="100000"/>
+              </a:lnSpc>
               <a:spcBef>
                 <a:spcPts val="0"/>
               </a:spcBef>
@@ -1830,6 +2266,9 @@
               <a:defRPr/>
             </a:lvl4pPr>
             <a:lvl5pPr lvl="4" algn="l">
+              <a:lnSpc>
+                <a:spcPct val="100000"/>
+              </a:lnSpc>
               <a:spcBef>
                 <a:spcPts val="0"/>
               </a:spcBef>
@@ -1841,6 +2280,9 @@
               <a:defRPr/>
             </a:lvl5pPr>
             <a:lvl6pPr lvl="5" algn="l">
+              <a:lnSpc>
+                <a:spcPct val="100000"/>
+              </a:lnSpc>
               <a:spcBef>
                 <a:spcPts val="0"/>
               </a:spcBef>
@@ -1852,6 +2294,9 @@
               <a:defRPr/>
             </a:lvl6pPr>
             <a:lvl7pPr lvl="6" algn="l">
+              <a:lnSpc>
+                <a:spcPct val="100000"/>
+              </a:lnSpc>
               <a:spcBef>
                 <a:spcPts val="0"/>
               </a:spcBef>
@@ -1863,6 +2308,9 @@
               <a:defRPr/>
             </a:lvl7pPr>
             <a:lvl8pPr lvl="7" algn="l">
+              <a:lnSpc>
+                <a:spcPct val="100000"/>
+              </a:lnSpc>
               <a:spcBef>
                 <a:spcPts val="0"/>
               </a:spcBef>
@@ -1874,6 +2322,9 @@
               <a:defRPr/>
             </a:lvl8pPr>
             <a:lvl9pPr lvl="8" algn="l">
+              <a:lnSpc>
+                <a:spcPct val="100000"/>
+              </a:lnSpc>
               <a:spcBef>
                 <a:spcPts val="0"/>
               </a:spcBef>
@@ -1890,7 +2341,7 @@
       </p:sp>
       <p:sp>
         <p:nvSpPr>
-          <p:cNvPr id="18" name="Google Shape;18;p2"/>
+          <p:cNvPr id="18" name="Google Shape;18;p11"/>
           <p:cNvSpPr txBox="1"/>
           <p:nvPr>
             <p:ph idx="1" type="subTitle"/>
@@ -1933,6 +2384,9 @@
               <a:defRPr/>
             </a:lvl1pPr>
             <a:lvl2pPr lvl="1" algn="l">
+              <a:lnSpc>
+                <a:spcPct val="100000"/>
+              </a:lnSpc>
               <a:spcBef>
                 <a:spcPts val="360"/>
               </a:spcBef>
@@ -1944,6 +2398,9 @@
               <a:defRPr/>
             </a:lvl2pPr>
             <a:lvl3pPr lvl="2" algn="l">
+              <a:lnSpc>
+                <a:spcPct val="100000"/>
+              </a:lnSpc>
               <a:spcBef>
                 <a:spcPts val="360"/>
               </a:spcBef>
@@ -1955,6 +2412,9 @@
               <a:defRPr/>
             </a:lvl3pPr>
             <a:lvl4pPr lvl="3" algn="l">
+              <a:lnSpc>
+                <a:spcPct val="100000"/>
+              </a:lnSpc>
               <a:spcBef>
                 <a:spcPts val="360"/>
               </a:spcBef>
@@ -1966,6 +2426,9 @@
               <a:defRPr/>
             </a:lvl4pPr>
             <a:lvl5pPr lvl="4" algn="l">
+              <a:lnSpc>
+                <a:spcPct val="100000"/>
+              </a:lnSpc>
               <a:spcBef>
                 <a:spcPts val="360"/>
               </a:spcBef>
@@ -1977,6 +2440,9 @@
               <a:defRPr/>
             </a:lvl5pPr>
             <a:lvl6pPr lvl="5" algn="l">
+              <a:lnSpc>
+                <a:spcPct val="100000"/>
+              </a:lnSpc>
               <a:spcBef>
                 <a:spcPts val="360"/>
               </a:spcBef>
@@ -1991,6 +2457,9 @@
               <a:defRPr/>
             </a:lvl6pPr>
             <a:lvl7pPr lvl="6" algn="l">
+              <a:lnSpc>
+                <a:spcPct val="100000"/>
+              </a:lnSpc>
               <a:spcBef>
                 <a:spcPts val="360"/>
               </a:spcBef>
@@ -2005,6 +2474,9 @@
               <a:defRPr/>
             </a:lvl7pPr>
             <a:lvl8pPr lvl="7" algn="l">
+              <a:lnSpc>
+                <a:spcPct val="100000"/>
+              </a:lnSpc>
               <a:spcBef>
                 <a:spcPts val="360"/>
               </a:spcBef>
@@ -2019,6 +2491,9 @@
               <a:defRPr/>
             </a:lvl8pPr>
             <a:lvl9pPr lvl="8" algn="l">
+              <a:lnSpc>
+                <a:spcPct val="100000"/>
+              </a:lnSpc>
               <a:spcBef>
                 <a:spcPts val="360"/>
               </a:spcBef>
@@ -2038,17 +2513,16 @@
       </p:sp>
       <p:pic>
         <p:nvPicPr>
-          <p:cNvPr id="19" name="Google Shape;19;p2"/>
+          <p:cNvPr id="19" name="Google Shape;19;p11"/>
           <p:cNvPicPr preferRelativeResize="0"/>
           <p:nvPr/>
         </p:nvPicPr>
-        <p:blipFill>
+        <p:blipFill rotWithShape="1">
           <a:blip r:embed="rId4">
             <a:alphaModFix/>
           </a:blip>
-          <a:stretch>
-            <a:fillRect/>
-          </a:stretch>
+          <a:srcRect b="0" l="0" r="0" t="0"/>
+          <a:stretch/>
         </p:blipFill>
         <p:spPr>
           <a:xfrm>
@@ -2091,7 +2565,7 @@
       </p:grpSpPr>
       <p:sp>
         <p:nvSpPr>
-          <p:cNvPr id="50" name="Google Shape;50;p11"/>
+          <p:cNvPr id="50" name="Google Shape;50;p20"/>
           <p:cNvSpPr/>
           <p:nvPr/>
         </p:nvSpPr>
@@ -2117,16 +2591,24 @@
           <a:lstStyle/>
           <a:p>
             <a:pPr indent="0" lvl="0" marL="0" marR="0" rtl="0" algn="ctr">
-              <a:spcBef>
-                <a:spcPts val="0"/>
-              </a:spcBef>
-              <a:spcAft>
-                <a:spcPts val="0"/>
-              </a:spcAft>
+              <a:lnSpc>
+                <a:spcPct val="100000"/>
+              </a:lnSpc>
+              <a:spcBef>
+                <a:spcPts val="0"/>
+              </a:spcBef>
+              <a:spcAft>
+                <a:spcPts val="0"/>
+              </a:spcAft>
+              <a:buClr>
+                <a:srgbClr val="000000"/>
+              </a:buClr>
+              <a:buSzPts val="1800"/>
+              <a:buFont typeface="Arial"/>
               <a:buNone/>
             </a:pPr>
             <a:r>
-              <a:rPr lang="de" sz="1800">
+              <a:rPr b="0" i="0" lang="de" sz="1800" u="none" cap="none" strike="noStrike">
                 <a:solidFill>
                   <a:schemeClr val="dk1"/>
                 </a:solidFill>
@@ -2137,13 +2619,21 @@
               </a:rPr>
               <a:t>   </a:t>
             </a:r>
-            <a:endParaRPr/>
+            <a:endParaRPr b="0" i="0" sz="1400" u="none" cap="none" strike="noStrike">
+              <a:solidFill>
+                <a:srgbClr val="000000"/>
+              </a:solidFill>
+              <a:latin typeface="Arial"/>
+              <a:ea typeface="Arial"/>
+              <a:cs typeface="Arial"/>
+              <a:sym typeface="Arial"/>
+            </a:endParaRPr>
           </a:p>
         </p:txBody>
       </p:sp>
       <p:sp>
         <p:nvSpPr>
-          <p:cNvPr id="51" name="Google Shape;51;p11"/>
+          <p:cNvPr id="51" name="Google Shape;51;p20"/>
           <p:cNvSpPr txBox="1"/>
           <p:nvPr>
             <p:ph type="ctrTitle"/>
@@ -2168,6 +2658,9 @@
           </a:bodyPr>
           <a:lstStyle>
             <a:lvl1pPr lvl="0" algn="l">
+              <a:lnSpc>
+                <a:spcPct val="100000"/>
+              </a:lnSpc>
               <a:spcBef>
                 <a:spcPts val="0"/>
               </a:spcBef>
@@ -2183,6 +2676,9 @@
               </a:defRPr>
             </a:lvl1pPr>
             <a:lvl2pPr lvl="1" algn="l">
+              <a:lnSpc>
+                <a:spcPct val="100000"/>
+              </a:lnSpc>
               <a:spcBef>
                 <a:spcPts val="0"/>
               </a:spcBef>
@@ -2194,6 +2690,9 @@
               <a:defRPr/>
             </a:lvl2pPr>
             <a:lvl3pPr lvl="2" algn="l">
+              <a:lnSpc>
+                <a:spcPct val="100000"/>
+              </a:lnSpc>
               <a:spcBef>
                 <a:spcPts val="0"/>
               </a:spcBef>
@@ -2205,6 +2704,9 @@
               <a:defRPr/>
             </a:lvl3pPr>
             <a:lvl4pPr lvl="3" algn="l">
+              <a:lnSpc>
+                <a:spcPct val="100000"/>
+              </a:lnSpc>
               <a:spcBef>
                 <a:spcPts val="0"/>
               </a:spcBef>
@@ -2216,6 +2718,9 @@
               <a:defRPr/>
             </a:lvl4pPr>
             <a:lvl5pPr lvl="4" algn="l">
+              <a:lnSpc>
+                <a:spcPct val="100000"/>
+              </a:lnSpc>
               <a:spcBef>
                 <a:spcPts val="0"/>
               </a:spcBef>
@@ -2227,6 +2732,9 @@
               <a:defRPr/>
             </a:lvl5pPr>
             <a:lvl6pPr lvl="5" algn="l">
+              <a:lnSpc>
+                <a:spcPct val="100000"/>
+              </a:lnSpc>
               <a:spcBef>
                 <a:spcPts val="0"/>
               </a:spcBef>
@@ -2238,6 +2746,9 @@
               <a:defRPr/>
             </a:lvl6pPr>
             <a:lvl7pPr lvl="6" algn="l">
+              <a:lnSpc>
+                <a:spcPct val="100000"/>
+              </a:lnSpc>
               <a:spcBef>
                 <a:spcPts val="0"/>
               </a:spcBef>
@@ -2249,6 +2760,9 @@
               <a:defRPr/>
             </a:lvl7pPr>
             <a:lvl8pPr lvl="7" algn="l">
+              <a:lnSpc>
+                <a:spcPct val="100000"/>
+              </a:lnSpc>
               <a:spcBef>
                 <a:spcPts val="0"/>
               </a:spcBef>
@@ -2260,6 +2774,9 @@
               <a:defRPr/>
             </a:lvl8pPr>
             <a:lvl9pPr lvl="8" algn="l">
+              <a:lnSpc>
+                <a:spcPct val="100000"/>
+              </a:lnSpc>
               <a:spcBef>
                 <a:spcPts val="0"/>
               </a:spcBef>
@@ -2276,7 +2793,7 @@
       </p:sp>
       <p:sp>
         <p:nvSpPr>
-          <p:cNvPr id="52" name="Google Shape;52;p11"/>
+          <p:cNvPr id="52" name="Google Shape;52;p20"/>
           <p:cNvSpPr txBox="1"/>
           <p:nvPr>
             <p:ph idx="1" type="subTitle"/>
@@ -2301,6 +2818,9 @@
           </a:bodyPr>
           <a:lstStyle>
             <a:lvl1pPr lvl="0" algn="l">
+              <a:lnSpc>
+                <a:spcPct val="100000"/>
+              </a:lnSpc>
               <a:spcBef>
                 <a:spcPts val="320"/>
               </a:spcBef>
@@ -2316,6 +2836,9 @@
               </a:defRPr>
             </a:lvl1pPr>
             <a:lvl2pPr lvl="1" algn="l">
+              <a:lnSpc>
+                <a:spcPct val="100000"/>
+              </a:lnSpc>
               <a:spcBef>
                 <a:spcPts val="360"/>
               </a:spcBef>
@@ -2327,6 +2850,9 @@
               <a:defRPr/>
             </a:lvl2pPr>
             <a:lvl3pPr lvl="2" algn="l">
+              <a:lnSpc>
+                <a:spcPct val="100000"/>
+              </a:lnSpc>
               <a:spcBef>
                 <a:spcPts val="360"/>
               </a:spcBef>
@@ -2338,6 +2864,9 @@
               <a:defRPr/>
             </a:lvl3pPr>
             <a:lvl4pPr lvl="3" algn="l">
+              <a:lnSpc>
+                <a:spcPct val="100000"/>
+              </a:lnSpc>
               <a:spcBef>
                 <a:spcPts val="360"/>
               </a:spcBef>
@@ -2349,6 +2878,9 @@
               <a:defRPr/>
             </a:lvl4pPr>
             <a:lvl5pPr lvl="4" algn="l">
+              <a:lnSpc>
+                <a:spcPct val="100000"/>
+              </a:lnSpc>
               <a:spcBef>
                 <a:spcPts val="360"/>
               </a:spcBef>
@@ -2360,6 +2892,9 @@
               <a:defRPr/>
             </a:lvl5pPr>
             <a:lvl6pPr lvl="5" algn="l">
+              <a:lnSpc>
+                <a:spcPct val="100000"/>
+              </a:lnSpc>
               <a:spcBef>
                 <a:spcPts val="360"/>
               </a:spcBef>
@@ -2374,6 +2909,9 @@
               <a:defRPr/>
             </a:lvl6pPr>
             <a:lvl7pPr lvl="6" algn="l">
+              <a:lnSpc>
+                <a:spcPct val="100000"/>
+              </a:lnSpc>
               <a:spcBef>
                 <a:spcPts val="360"/>
               </a:spcBef>
@@ -2388,6 +2926,9 @@
               <a:defRPr/>
             </a:lvl7pPr>
             <a:lvl8pPr lvl="7" algn="l">
+              <a:lnSpc>
+                <a:spcPct val="100000"/>
+              </a:lnSpc>
               <a:spcBef>
                 <a:spcPts val="360"/>
               </a:spcBef>
@@ -2402,6 +2943,9 @@
               <a:defRPr/>
             </a:lvl8pPr>
             <a:lvl9pPr lvl="8" algn="l">
+              <a:lnSpc>
+                <a:spcPct val="100000"/>
+              </a:lnSpc>
               <a:spcBef>
                 <a:spcPts val="360"/>
               </a:spcBef>
@@ -2421,7 +2965,7 @@
       </p:sp>
       <p:pic>
         <p:nvPicPr>
-          <p:cNvPr descr="TUBS_CO_70vH_150dpi" id="53" name="Google Shape;53;p11"/>
+          <p:cNvPr descr="TUBS_CO_70vH_150dpi" id="53" name="Google Shape;53;p20"/>
           <p:cNvPicPr preferRelativeResize="0"/>
           <p:nvPr/>
         </p:nvPicPr>
@@ -2448,7 +2992,7 @@
       </p:pic>
       <p:sp>
         <p:nvSpPr>
-          <p:cNvPr id="54" name="Google Shape;54;p11"/>
+          <p:cNvPr id="54" name="Google Shape;54;p20"/>
           <p:cNvSpPr/>
           <p:nvPr/>
         </p:nvSpPr>
@@ -2474,18 +3018,26 @@
           <a:lstStyle/>
           <a:p>
             <a:pPr indent="0" lvl="0" marL="0" marR="0" rtl="0" algn="ctr">
-              <a:spcBef>
-                <a:spcPts val="0"/>
-              </a:spcBef>
-              <a:spcAft>
-                <a:spcPts val="0"/>
-              </a:spcAft>
+              <a:lnSpc>
+                <a:spcPct val="100000"/>
+              </a:lnSpc>
+              <a:spcBef>
+                <a:spcPts val="0"/>
+              </a:spcBef>
+              <a:spcAft>
+                <a:spcPts val="0"/>
+              </a:spcAft>
+              <a:buClr>
+                <a:srgbClr val="000000"/>
+              </a:buClr>
+              <a:buSzPts val="1800"/>
+              <a:buFont typeface="Arial"/>
               <a:buNone/>
             </a:pPr>
             <a:r>
               <a:t/>
             </a:r>
-            <a:endParaRPr sz="1800">
+            <a:endParaRPr b="0" i="0" sz="1800" u="none" cap="none" strike="noStrike">
               <a:solidFill>
                 <a:schemeClr val="lt1"/>
               </a:solidFill>
@@ -2499,7 +3051,7 @@
       </p:sp>
       <p:pic>
         <p:nvPicPr>
-          <p:cNvPr id="55" name="Google Shape;55;p11"/>
+          <p:cNvPr id="55" name="Google Shape;55;p20"/>
           <p:cNvPicPr preferRelativeResize="0"/>
           <p:nvPr/>
         </p:nvPicPr>
@@ -2551,7 +3103,7 @@
       </p:grpSpPr>
       <p:sp>
         <p:nvSpPr>
-          <p:cNvPr id="57" name="Google Shape;57;p12"/>
+          <p:cNvPr id="57" name="Google Shape;57;p21"/>
           <p:cNvSpPr/>
           <p:nvPr/>
         </p:nvSpPr>
@@ -2577,16 +3129,24 @@
           <a:lstStyle/>
           <a:p>
             <a:pPr indent="0" lvl="0" marL="0" marR="0" rtl="0" algn="ctr">
-              <a:spcBef>
-                <a:spcPts val="0"/>
-              </a:spcBef>
-              <a:spcAft>
-                <a:spcPts val="0"/>
-              </a:spcAft>
+              <a:lnSpc>
+                <a:spcPct val="100000"/>
+              </a:lnSpc>
+              <a:spcBef>
+                <a:spcPts val="0"/>
+              </a:spcBef>
+              <a:spcAft>
+                <a:spcPts val="0"/>
+              </a:spcAft>
+              <a:buClr>
+                <a:srgbClr val="000000"/>
+              </a:buClr>
+              <a:buSzPts val="1800"/>
+              <a:buFont typeface="Arial"/>
               <a:buNone/>
             </a:pPr>
             <a:r>
-              <a:rPr lang="de" sz="1800">
+              <a:rPr b="0" i="0" lang="de" sz="1800" u="none" cap="none" strike="noStrike">
                 <a:solidFill>
                   <a:schemeClr val="dk1"/>
                 </a:solidFill>
@@ -2597,13 +3157,21 @@
               </a:rPr>
               <a:t>   </a:t>
             </a:r>
-            <a:endParaRPr/>
+            <a:endParaRPr b="0" i="0" sz="1400" u="none" cap="none" strike="noStrike">
+              <a:solidFill>
+                <a:srgbClr val="000000"/>
+              </a:solidFill>
+              <a:latin typeface="Arial"/>
+              <a:ea typeface="Arial"/>
+              <a:cs typeface="Arial"/>
+              <a:sym typeface="Arial"/>
+            </a:endParaRPr>
           </a:p>
         </p:txBody>
       </p:sp>
       <p:sp>
         <p:nvSpPr>
-          <p:cNvPr id="58" name="Google Shape;58;p12"/>
+          <p:cNvPr id="58" name="Google Shape;58;p21"/>
           <p:cNvSpPr txBox="1"/>
           <p:nvPr>
             <p:ph type="ctrTitle"/>
@@ -2628,6 +3196,9 @@
           </a:bodyPr>
           <a:lstStyle>
             <a:lvl1pPr lvl="0" algn="l">
+              <a:lnSpc>
+                <a:spcPct val="100000"/>
+              </a:lnSpc>
               <a:spcBef>
                 <a:spcPts val="0"/>
               </a:spcBef>
@@ -2643,6 +3214,9 @@
               </a:defRPr>
             </a:lvl1pPr>
             <a:lvl2pPr lvl="1" algn="l">
+              <a:lnSpc>
+                <a:spcPct val="100000"/>
+              </a:lnSpc>
               <a:spcBef>
                 <a:spcPts val="0"/>
               </a:spcBef>
@@ -2654,6 +3228,9 @@
               <a:defRPr/>
             </a:lvl2pPr>
             <a:lvl3pPr lvl="2" algn="l">
+              <a:lnSpc>
+                <a:spcPct val="100000"/>
+              </a:lnSpc>
               <a:spcBef>
                 <a:spcPts val="0"/>
               </a:spcBef>
@@ -2665,6 +3242,9 @@
               <a:defRPr/>
             </a:lvl3pPr>
             <a:lvl4pPr lvl="3" algn="l">
+              <a:lnSpc>
+                <a:spcPct val="100000"/>
+              </a:lnSpc>
               <a:spcBef>
                 <a:spcPts val="0"/>
               </a:spcBef>
@@ -2676,6 +3256,9 @@
               <a:defRPr/>
             </a:lvl4pPr>
             <a:lvl5pPr lvl="4" algn="l">
+              <a:lnSpc>
+                <a:spcPct val="100000"/>
+              </a:lnSpc>
               <a:spcBef>
                 <a:spcPts val="0"/>
               </a:spcBef>
@@ -2687,6 +3270,9 @@
               <a:defRPr/>
             </a:lvl5pPr>
             <a:lvl6pPr lvl="5" algn="l">
+              <a:lnSpc>
+                <a:spcPct val="100000"/>
+              </a:lnSpc>
               <a:spcBef>
                 <a:spcPts val="0"/>
               </a:spcBef>
@@ -2698,6 +3284,9 @@
               <a:defRPr/>
             </a:lvl6pPr>
             <a:lvl7pPr lvl="6" algn="l">
+              <a:lnSpc>
+                <a:spcPct val="100000"/>
+              </a:lnSpc>
               <a:spcBef>
                 <a:spcPts val="0"/>
               </a:spcBef>
@@ -2709,6 +3298,9 @@
               <a:defRPr/>
             </a:lvl7pPr>
             <a:lvl8pPr lvl="7" algn="l">
+              <a:lnSpc>
+                <a:spcPct val="100000"/>
+              </a:lnSpc>
               <a:spcBef>
                 <a:spcPts val="0"/>
               </a:spcBef>
@@ -2720,6 +3312,9 @@
               <a:defRPr/>
             </a:lvl8pPr>
             <a:lvl9pPr lvl="8" algn="l">
+              <a:lnSpc>
+                <a:spcPct val="100000"/>
+              </a:lnSpc>
               <a:spcBef>
                 <a:spcPts val="0"/>
               </a:spcBef>
@@ -2736,7 +3331,7 @@
       </p:sp>
       <p:sp>
         <p:nvSpPr>
-          <p:cNvPr id="59" name="Google Shape;59;p12"/>
+          <p:cNvPr id="59" name="Google Shape;59;p21"/>
           <p:cNvSpPr txBox="1"/>
           <p:nvPr>
             <p:ph idx="1" type="subTitle"/>
@@ -2761,6 +3356,9 @@
           </a:bodyPr>
           <a:lstStyle>
             <a:lvl1pPr lvl="0" algn="l">
+              <a:lnSpc>
+                <a:spcPct val="100000"/>
+              </a:lnSpc>
               <a:spcBef>
                 <a:spcPts val="320"/>
               </a:spcBef>
@@ -2776,6 +3374,9 @@
               </a:defRPr>
             </a:lvl1pPr>
             <a:lvl2pPr lvl="1" algn="l">
+              <a:lnSpc>
+                <a:spcPct val="100000"/>
+              </a:lnSpc>
               <a:spcBef>
                 <a:spcPts val="360"/>
               </a:spcBef>
@@ -2787,6 +3388,9 @@
               <a:defRPr/>
             </a:lvl2pPr>
             <a:lvl3pPr lvl="2" algn="l">
+              <a:lnSpc>
+                <a:spcPct val="100000"/>
+              </a:lnSpc>
               <a:spcBef>
                 <a:spcPts val="360"/>
               </a:spcBef>
@@ -2798,6 +3402,9 @@
               <a:defRPr/>
             </a:lvl3pPr>
             <a:lvl4pPr lvl="3" algn="l">
+              <a:lnSpc>
+                <a:spcPct val="100000"/>
+              </a:lnSpc>
               <a:spcBef>
                 <a:spcPts val="360"/>
               </a:spcBef>
@@ -2809,6 +3416,9 @@
               <a:defRPr/>
             </a:lvl4pPr>
             <a:lvl5pPr lvl="4" algn="l">
+              <a:lnSpc>
+                <a:spcPct val="100000"/>
+              </a:lnSpc>
               <a:spcBef>
                 <a:spcPts val="360"/>
               </a:spcBef>
@@ -2820,6 +3430,9 @@
               <a:defRPr/>
             </a:lvl5pPr>
             <a:lvl6pPr lvl="5" algn="l">
+              <a:lnSpc>
+                <a:spcPct val="100000"/>
+              </a:lnSpc>
               <a:spcBef>
                 <a:spcPts val="360"/>
               </a:spcBef>
@@ -2834,6 +3447,9 @@
               <a:defRPr/>
             </a:lvl6pPr>
             <a:lvl7pPr lvl="6" algn="l">
+              <a:lnSpc>
+                <a:spcPct val="100000"/>
+              </a:lnSpc>
               <a:spcBef>
                 <a:spcPts val="360"/>
               </a:spcBef>
@@ -2848,6 +3464,9 @@
               <a:defRPr/>
             </a:lvl7pPr>
             <a:lvl8pPr lvl="7" algn="l">
+              <a:lnSpc>
+                <a:spcPct val="100000"/>
+              </a:lnSpc>
               <a:spcBef>
                 <a:spcPts val="360"/>
               </a:spcBef>
@@ -2862,6 +3481,9 @@
               <a:defRPr/>
             </a:lvl8pPr>
             <a:lvl9pPr lvl="8" algn="l">
+              <a:lnSpc>
+                <a:spcPct val="100000"/>
+              </a:lnSpc>
               <a:spcBef>
                 <a:spcPts val="360"/>
               </a:spcBef>
@@ -2881,7 +3503,7 @@
       </p:sp>
       <p:pic>
         <p:nvPicPr>
-          <p:cNvPr descr="TUBS_CO_70vH_150dpi" id="60" name="Google Shape;60;p12"/>
+          <p:cNvPr descr="TUBS_CO_70vH_150dpi" id="60" name="Google Shape;60;p21"/>
           <p:cNvPicPr preferRelativeResize="0"/>
           <p:nvPr/>
         </p:nvPicPr>
@@ -2908,7 +3530,7 @@
       </p:pic>
       <p:sp>
         <p:nvSpPr>
-          <p:cNvPr id="61" name="Google Shape;61;p12"/>
+          <p:cNvPr id="61" name="Google Shape;61;p21"/>
           <p:cNvSpPr/>
           <p:nvPr>
             <p:ph idx="2" type="pic"/>
@@ -2930,7 +3552,7 @@
       </p:sp>
       <p:sp>
         <p:nvSpPr>
-          <p:cNvPr id="62" name="Google Shape;62;p12"/>
+          <p:cNvPr id="62" name="Google Shape;62;p21"/>
           <p:cNvSpPr/>
           <p:nvPr/>
         </p:nvSpPr>
@@ -2956,18 +3578,26 @@
           <a:lstStyle/>
           <a:p>
             <a:pPr indent="0" lvl="0" marL="0" marR="0" rtl="0" algn="ctr">
-              <a:spcBef>
-                <a:spcPts val="0"/>
-              </a:spcBef>
-              <a:spcAft>
-                <a:spcPts val="0"/>
-              </a:spcAft>
+              <a:lnSpc>
+                <a:spcPct val="100000"/>
+              </a:lnSpc>
+              <a:spcBef>
+                <a:spcPts val="0"/>
+              </a:spcBef>
+              <a:spcAft>
+                <a:spcPts val="0"/>
+              </a:spcAft>
+              <a:buClr>
+                <a:srgbClr val="000000"/>
+              </a:buClr>
+              <a:buSzPts val="1800"/>
+              <a:buFont typeface="Arial"/>
               <a:buNone/>
             </a:pPr>
             <a:r>
               <a:t/>
             </a:r>
-            <a:endParaRPr sz="1800">
+            <a:endParaRPr b="0" i="0" sz="1800" u="none" cap="none" strike="noStrike">
               <a:solidFill>
                 <a:schemeClr val="lt1"/>
               </a:solidFill>
@@ -3006,7 +3636,7 @@
       </p:grpSpPr>
       <p:sp>
         <p:nvSpPr>
-          <p:cNvPr id="64" name="Google Shape;64;p13"/>
+          <p:cNvPr id="64" name="Google Shape;64;p22"/>
           <p:cNvSpPr/>
           <p:nvPr/>
         </p:nvSpPr>
@@ -3032,16 +3662,24 @@
           <a:lstStyle/>
           <a:p>
             <a:pPr indent="0" lvl="0" marL="0" marR="0" rtl="0" algn="ctr">
-              <a:spcBef>
-                <a:spcPts val="0"/>
-              </a:spcBef>
-              <a:spcAft>
-                <a:spcPts val="0"/>
-              </a:spcAft>
+              <a:lnSpc>
+                <a:spcPct val="100000"/>
+              </a:lnSpc>
+              <a:spcBef>
+                <a:spcPts val="0"/>
+              </a:spcBef>
+              <a:spcAft>
+                <a:spcPts val="0"/>
+              </a:spcAft>
+              <a:buClr>
+                <a:srgbClr val="000000"/>
+              </a:buClr>
+              <a:buSzPts val="1800"/>
+              <a:buFont typeface="Arial"/>
               <a:buNone/>
             </a:pPr>
             <a:r>
-              <a:rPr lang="de" sz="1800">
+              <a:rPr b="0" i="0" lang="de" sz="1800" u="none" cap="none" strike="noStrike">
                 <a:solidFill>
                   <a:schemeClr val="dk1"/>
                 </a:solidFill>
@@ -3052,13 +3690,21 @@
               </a:rPr>
               <a:t>   </a:t>
             </a:r>
-            <a:endParaRPr/>
+            <a:endParaRPr b="0" i="0" sz="1400" u="none" cap="none" strike="noStrike">
+              <a:solidFill>
+                <a:srgbClr val="000000"/>
+              </a:solidFill>
+              <a:latin typeface="Arial"/>
+              <a:ea typeface="Arial"/>
+              <a:cs typeface="Arial"/>
+              <a:sym typeface="Arial"/>
+            </a:endParaRPr>
           </a:p>
         </p:txBody>
       </p:sp>
       <p:sp>
         <p:nvSpPr>
-          <p:cNvPr id="65" name="Google Shape;65;p13"/>
+          <p:cNvPr id="65" name="Google Shape;65;p22"/>
           <p:cNvSpPr txBox="1"/>
           <p:nvPr>
             <p:ph type="ctrTitle"/>
@@ -3083,6 +3729,9 @@
           </a:bodyPr>
           <a:lstStyle>
             <a:lvl1pPr lvl="0" algn="l">
+              <a:lnSpc>
+                <a:spcPct val="100000"/>
+              </a:lnSpc>
               <a:spcBef>
                 <a:spcPts val="0"/>
               </a:spcBef>
@@ -3098,6 +3747,9 @@
               </a:defRPr>
             </a:lvl1pPr>
             <a:lvl2pPr lvl="1" algn="l">
+              <a:lnSpc>
+                <a:spcPct val="100000"/>
+              </a:lnSpc>
               <a:spcBef>
                 <a:spcPts val="0"/>
               </a:spcBef>
@@ -3109,6 +3761,9 @@
               <a:defRPr/>
             </a:lvl2pPr>
             <a:lvl3pPr lvl="2" algn="l">
+              <a:lnSpc>
+                <a:spcPct val="100000"/>
+              </a:lnSpc>
               <a:spcBef>
                 <a:spcPts val="0"/>
               </a:spcBef>
@@ -3120,6 +3775,9 @@
               <a:defRPr/>
             </a:lvl3pPr>
             <a:lvl4pPr lvl="3" algn="l">
+              <a:lnSpc>
+                <a:spcPct val="100000"/>
+              </a:lnSpc>
               <a:spcBef>
                 <a:spcPts val="0"/>
               </a:spcBef>
@@ -3131,6 +3789,9 @@
               <a:defRPr/>
             </a:lvl4pPr>
             <a:lvl5pPr lvl="4" algn="l">
+              <a:lnSpc>
+                <a:spcPct val="100000"/>
+              </a:lnSpc>
               <a:spcBef>
                 <a:spcPts val="0"/>
               </a:spcBef>
@@ -3142,6 +3803,9 @@
               <a:defRPr/>
             </a:lvl5pPr>
             <a:lvl6pPr lvl="5" algn="l">
+              <a:lnSpc>
+                <a:spcPct val="100000"/>
+              </a:lnSpc>
               <a:spcBef>
                 <a:spcPts val="0"/>
               </a:spcBef>
@@ -3153,6 +3817,9 @@
               <a:defRPr/>
             </a:lvl6pPr>
             <a:lvl7pPr lvl="6" algn="l">
+              <a:lnSpc>
+                <a:spcPct val="100000"/>
+              </a:lnSpc>
               <a:spcBef>
                 <a:spcPts val="0"/>
               </a:spcBef>
@@ -3164,6 +3831,9 @@
               <a:defRPr/>
             </a:lvl7pPr>
             <a:lvl8pPr lvl="7" algn="l">
+              <a:lnSpc>
+                <a:spcPct val="100000"/>
+              </a:lnSpc>
               <a:spcBef>
                 <a:spcPts val="0"/>
               </a:spcBef>
@@ -3175,6 +3845,9 @@
               <a:defRPr/>
             </a:lvl8pPr>
             <a:lvl9pPr lvl="8" algn="l">
+              <a:lnSpc>
+                <a:spcPct val="100000"/>
+              </a:lnSpc>
               <a:spcBef>
                 <a:spcPts val="0"/>
               </a:spcBef>
@@ -3191,7 +3864,7 @@
       </p:sp>
       <p:sp>
         <p:nvSpPr>
-          <p:cNvPr id="66" name="Google Shape;66;p13"/>
+          <p:cNvPr id="66" name="Google Shape;66;p22"/>
           <p:cNvSpPr txBox="1"/>
           <p:nvPr>
             <p:ph idx="1" type="subTitle"/>
@@ -3216,6 +3889,9 @@
           </a:bodyPr>
           <a:lstStyle>
             <a:lvl1pPr lvl="0" algn="l">
+              <a:lnSpc>
+                <a:spcPct val="100000"/>
+              </a:lnSpc>
               <a:spcBef>
                 <a:spcPts val="320"/>
               </a:spcBef>
@@ -3231,6 +3907,9 @@
               </a:defRPr>
             </a:lvl1pPr>
             <a:lvl2pPr lvl="1" algn="l">
+              <a:lnSpc>
+                <a:spcPct val="100000"/>
+              </a:lnSpc>
               <a:spcBef>
                 <a:spcPts val="360"/>
               </a:spcBef>
@@ -3242,6 +3921,9 @@
               <a:defRPr/>
             </a:lvl2pPr>
             <a:lvl3pPr lvl="2" algn="l">
+              <a:lnSpc>
+                <a:spcPct val="100000"/>
+              </a:lnSpc>
               <a:spcBef>
                 <a:spcPts val="360"/>
               </a:spcBef>
@@ -3253,6 +3935,9 @@
               <a:defRPr/>
             </a:lvl3pPr>
             <a:lvl4pPr lvl="3" algn="l">
+              <a:lnSpc>
+                <a:spcPct val="100000"/>
+              </a:lnSpc>
               <a:spcBef>
                 <a:spcPts val="360"/>
               </a:spcBef>
@@ -3264,6 +3949,9 @@
               <a:defRPr/>
             </a:lvl4pPr>
             <a:lvl5pPr lvl="4" algn="l">
+              <a:lnSpc>
+                <a:spcPct val="100000"/>
+              </a:lnSpc>
               <a:spcBef>
                 <a:spcPts val="360"/>
               </a:spcBef>
@@ -3275,6 +3963,9 @@
               <a:defRPr/>
             </a:lvl5pPr>
             <a:lvl6pPr lvl="5" algn="l">
+              <a:lnSpc>
+                <a:spcPct val="100000"/>
+              </a:lnSpc>
               <a:spcBef>
                 <a:spcPts val="360"/>
               </a:spcBef>
@@ -3289,6 +3980,9 @@
               <a:defRPr/>
             </a:lvl6pPr>
             <a:lvl7pPr lvl="6" algn="l">
+              <a:lnSpc>
+                <a:spcPct val="100000"/>
+              </a:lnSpc>
               <a:spcBef>
                 <a:spcPts val="360"/>
               </a:spcBef>
@@ -3303,6 +3997,9 @@
               <a:defRPr/>
             </a:lvl7pPr>
             <a:lvl8pPr lvl="7" algn="l">
+              <a:lnSpc>
+                <a:spcPct val="100000"/>
+              </a:lnSpc>
               <a:spcBef>
                 <a:spcPts val="360"/>
               </a:spcBef>
@@ -3317,6 +4014,9 @@
               <a:defRPr/>
             </a:lvl8pPr>
             <a:lvl9pPr lvl="8" algn="l">
+              <a:lnSpc>
+                <a:spcPct val="100000"/>
+              </a:lnSpc>
               <a:spcBef>
                 <a:spcPts val="360"/>
               </a:spcBef>
@@ -3336,7 +4036,7 @@
       </p:sp>
       <p:pic>
         <p:nvPicPr>
-          <p:cNvPr descr="TUBS_CO_70vH_150dpi" id="67" name="Google Shape;67;p13"/>
+          <p:cNvPr descr="TUBS_CO_70vH_150dpi" id="67" name="Google Shape;67;p22"/>
           <p:cNvPicPr preferRelativeResize="0"/>
           <p:nvPr/>
         </p:nvPicPr>
@@ -3363,7 +4063,7 @@
       </p:pic>
       <p:sp>
         <p:nvSpPr>
-          <p:cNvPr id="68" name="Google Shape;68;p13"/>
+          <p:cNvPr id="68" name="Google Shape;68;p22"/>
           <p:cNvSpPr/>
           <p:nvPr/>
         </p:nvSpPr>
@@ -3389,18 +4089,26 @@
           <a:lstStyle/>
           <a:p>
             <a:pPr indent="0" lvl="0" marL="0" marR="0" rtl="0" algn="ctr">
-              <a:spcBef>
-                <a:spcPts val="0"/>
-              </a:spcBef>
-              <a:spcAft>
-                <a:spcPts val="0"/>
-              </a:spcAft>
+              <a:lnSpc>
+                <a:spcPct val="100000"/>
+              </a:lnSpc>
+              <a:spcBef>
+                <a:spcPts val="0"/>
+              </a:spcBef>
+              <a:spcAft>
+                <a:spcPts val="0"/>
+              </a:spcAft>
+              <a:buClr>
+                <a:srgbClr val="000000"/>
+              </a:buClr>
+              <a:buSzPts val="1800"/>
+              <a:buFont typeface="Arial"/>
               <a:buNone/>
             </a:pPr>
             <a:r>
               <a:t/>
             </a:r>
-            <a:endParaRPr sz="1800">
+            <a:endParaRPr b="0" i="0" sz="1800" u="none" cap="none" strike="noStrike">
               <a:solidFill>
                 <a:schemeClr val="lt1"/>
               </a:solidFill>
@@ -3414,7 +4122,7 @@
       </p:sp>
       <p:sp>
         <p:nvSpPr>
-          <p:cNvPr id="69" name="Google Shape;69;p13"/>
+          <p:cNvPr id="69" name="Google Shape;69;p22"/>
           <p:cNvSpPr/>
           <p:nvPr>
             <p:ph idx="2" type="pic"/>
@@ -3461,7 +4169,7 @@
       </p:grpSpPr>
       <p:sp>
         <p:nvSpPr>
-          <p:cNvPr id="71" name="Google Shape;71;p14"/>
+          <p:cNvPr id="71" name="Google Shape;71;p23"/>
           <p:cNvSpPr/>
           <p:nvPr/>
         </p:nvSpPr>
@@ -3487,18 +4195,26 @@
           <a:lstStyle/>
           <a:p>
             <a:pPr indent="0" lvl="0" marL="0" marR="0" rtl="0" algn="ctr">
-              <a:spcBef>
-                <a:spcPts val="0"/>
-              </a:spcBef>
-              <a:spcAft>
-                <a:spcPts val="0"/>
-              </a:spcAft>
+              <a:lnSpc>
+                <a:spcPct val="100000"/>
+              </a:lnSpc>
+              <a:spcBef>
+                <a:spcPts val="0"/>
+              </a:spcBef>
+              <a:spcAft>
+                <a:spcPts val="0"/>
+              </a:spcAft>
+              <a:buClr>
+                <a:srgbClr val="000000"/>
+              </a:buClr>
+              <a:buSzPts val="1800"/>
+              <a:buFont typeface="Arial"/>
               <a:buNone/>
             </a:pPr>
             <a:r>
               <a:t/>
             </a:r>
-            <a:endParaRPr sz="1800">
+            <a:endParaRPr b="0" i="0" sz="1800" u="none" cap="none" strike="noStrike">
               <a:solidFill>
                 <a:schemeClr val="accent2"/>
               </a:solidFill>
@@ -3512,7 +4228,7 @@
       </p:sp>
       <p:sp>
         <p:nvSpPr>
-          <p:cNvPr id="72" name="Google Shape;72;p14"/>
+          <p:cNvPr id="72" name="Google Shape;72;p23"/>
           <p:cNvSpPr txBox="1"/>
           <p:nvPr>
             <p:ph type="title"/>
@@ -3537,6 +4253,9 @@
           </a:bodyPr>
           <a:lstStyle>
             <a:lvl1pPr lvl="0" algn="l">
+              <a:lnSpc>
+                <a:spcPct val="100000"/>
+              </a:lnSpc>
               <a:spcBef>
                 <a:spcPts val="0"/>
               </a:spcBef>
@@ -3548,6 +4267,9 @@
               <a:defRPr/>
             </a:lvl1pPr>
             <a:lvl2pPr lvl="1" algn="l">
+              <a:lnSpc>
+                <a:spcPct val="100000"/>
+              </a:lnSpc>
               <a:spcBef>
                 <a:spcPts val="0"/>
               </a:spcBef>
@@ -3559,6 +4281,9 @@
               <a:defRPr/>
             </a:lvl2pPr>
             <a:lvl3pPr lvl="2" algn="l">
+              <a:lnSpc>
+                <a:spcPct val="100000"/>
+              </a:lnSpc>
               <a:spcBef>
                 <a:spcPts val="0"/>
               </a:spcBef>
@@ -3570,6 +4295,9 @@
               <a:defRPr/>
             </a:lvl3pPr>
             <a:lvl4pPr lvl="3" algn="l">
+              <a:lnSpc>
+                <a:spcPct val="100000"/>
+              </a:lnSpc>
               <a:spcBef>
                 <a:spcPts val="0"/>
               </a:spcBef>
@@ -3581,6 +4309,9 @@
               <a:defRPr/>
             </a:lvl4pPr>
             <a:lvl5pPr lvl="4" algn="l">
+              <a:lnSpc>
+                <a:spcPct val="100000"/>
+              </a:lnSpc>
               <a:spcBef>
                 <a:spcPts val="0"/>
               </a:spcBef>
@@ -3592,6 +4323,9 @@
               <a:defRPr/>
             </a:lvl5pPr>
             <a:lvl6pPr lvl="5" algn="l">
+              <a:lnSpc>
+                <a:spcPct val="100000"/>
+              </a:lnSpc>
               <a:spcBef>
                 <a:spcPts val="0"/>
               </a:spcBef>
@@ -3603,6 +4337,9 @@
               <a:defRPr/>
             </a:lvl6pPr>
             <a:lvl7pPr lvl="6" algn="l">
+              <a:lnSpc>
+                <a:spcPct val="100000"/>
+              </a:lnSpc>
               <a:spcBef>
                 <a:spcPts val="0"/>
               </a:spcBef>
@@ -3614,6 +4351,9 @@
               <a:defRPr/>
             </a:lvl7pPr>
             <a:lvl8pPr lvl="7" algn="l">
+              <a:lnSpc>
+                <a:spcPct val="100000"/>
+              </a:lnSpc>
               <a:spcBef>
                 <a:spcPts val="0"/>
               </a:spcBef>
@@ -3625,6 +4365,9 @@
               <a:defRPr/>
             </a:lvl8pPr>
             <a:lvl9pPr lvl="8" algn="l">
+              <a:lnSpc>
+                <a:spcPct val="100000"/>
+              </a:lnSpc>
               <a:spcBef>
                 <a:spcPts val="0"/>
               </a:spcBef>
@@ -3666,7 +4409,7 @@
       </p:grpSpPr>
       <p:sp>
         <p:nvSpPr>
-          <p:cNvPr id="74" name="Google Shape;74;p15"/>
+          <p:cNvPr id="74" name="Google Shape;74;p24"/>
           <p:cNvSpPr/>
           <p:nvPr/>
         </p:nvSpPr>
@@ -3692,16 +4435,24 @@
           <a:lstStyle/>
           <a:p>
             <a:pPr indent="0" lvl="0" marL="0" marR="0" rtl="0" algn="ctr">
-              <a:spcBef>
-                <a:spcPts val="0"/>
-              </a:spcBef>
-              <a:spcAft>
-                <a:spcPts val="0"/>
-              </a:spcAft>
+              <a:lnSpc>
+                <a:spcPct val="100000"/>
+              </a:lnSpc>
+              <a:spcBef>
+                <a:spcPts val="0"/>
+              </a:spcBef>
+              <a:spcAft>
+                <a:spcPts val="0"/>
+              </a:spcAft>
+              <a:buClr>
+                <a:srgbClr val="000000"/>
+              </a:buClr>
+              <a:buSzPts val="1800"/>
+              <a:buFont typeface="Arial"/>
               <a:buNone/>
             </a:pPr>
             <a:r>
-              <a:rPr lang="de" sz="1800">
+              <a:rPr b="0" i="0" lang="de" sz="1800" u="none" cap="none" strike="noStrike">
                 <a:solidFill>
                   <a:schemeClr val="dk1"/>
                 </a:solidFill>
@@ -3712,13 +4463,21 @@
               </a:rPr>
               <a:t>   </a:t>
             </a:r>
-            <a:endParaRPr/>
+            <a:endParaRPr b="0" i="0" sz="1400" u="none" cap="none" strike="noStrike">
+              <a:solidFill>
+                <a:srgbClr val="000000"/>
+              </a:solidFill>
+              <a:latin typeface="Arial"/>
+              <a:ea typeface="Arial"/>
+              <a:cs typeface="Arial"/>
+              <a:sym typeface="Arial"/>
+            </a:endParaRPr>
           </a:p>
         </p:txBody>
       </p:sp>
       <p:sp>
         <p:nvSpPr>
-          <p:cNvPr id="75" name="Google Shape;75;p15"/>
+          <p:cNvPr id="75" name="Google Shape;75;p24"/>
           <p:cNvSpPr txBox="1"/>
           <p:nvPr>
             <p:ph type="ctrTitle"/>
@@ -3743,6 +4502,9 @@
           </a:bodyPr>
           <a:lstStyle>
             <a:lvl1pPr lvl="0" algn="l">
+              <a:lnSpc>
+                <a:spcPct val="100000"/>
+              </a:lnSpc>
               <a:spcBef>
                 <a:spcPts val="0"/>
               </a:spcBef>
@@ -3758,6 +4520,9 @@
               </a:defRPr>
             </a:lvl1pPr>
             <a:lvl2pPr lvl="1" algn="l">
+              <a:lnSpc>
+                <a:spcPct val="100000"/>
+              </a:lnSpc>
               <a:spcBef>
                 <a:spcPts val="0"/>
               </a:spcBef>
@@ -3769,6 +4534,9 @@
               <a:defRPr/>
             </a:lvl2pPr>
             <a:lvl3pPr lvl="2" algn="l">
+              <a:lnSpc>
+                <a:spcPct val="100000"/>
+              </a:lnSpc>
               <a:spcBef>
                 <a:spcPts val="0"/>
               </a:spcBef>
@@ -3780,6 +4548,9 @@
               <a:defRPr/>
             </a:lvl3pPr>
             <a:lvl4pPr lvl="3" algn="l">
+              <a:lnSpc>
+                <a:spcPct val="100000"/>
+              </a:lnSpc>
               <a:spcBef>
                 <a:spcPts val="0"/>
               </a:spcBef>
@@ -3791,6 +4562,9 @@
               <a:defRPr/>
             </a:lvl4pPr>
             <a:lvl5pPr lvl="4" algn="l">
+              <a:lnSpc>
+                <a:spcPct val="100000"/>
+              </a:lnSpc>
               <a:spcBef>
                 <a:spcPts val="0"/>
               </a:spcBef>
@@ -3802,6 +4576,9 @@
               <a:defRPr/>
             </a:lvl5pPr>
             <a:lvl6pPr lvl="5" algn="l">
+              <a:lnSpc>
+                <a:spcPct val="100000"/>
+              </a:lnSpc>
               <a:spcBef>
                 <a:spcPts val="0"/>
               </a:spcBef>
@@ -3813,6 +4590,9 @@
               <a:defRPr/>
             </a:lvl6pPr>
             <a:lvl7pPr lvl="6" algn="l">
+              <a:lnSpc>
+                <a:spcPct val="100000"/>
+              </a:lnSpc>
               <a:spcBef>
                 <a:spcPts val="0"/>
               </a:spcBef>
@@ -3824,6 +4604,9 @@
               <a:defRPr/>
             </a:lvl7pPr>
             <a:lvl8pPr lvl="7" algn="l">
+              <a:lnSpc>
+                <a:spcPct val="100000"/>
+              </a:lnSpc>
               <a:spcBef>
                 <a:spcPts val="0"/>
               </a:spcBef>
@@ -3835,6 +4618,9 @@
               <a:defRPr/>
             </a:lvl8pPr>
             <a:lvl9pPr lvl="8" algn="l">
+              <a:lnSpc>
+                <a:spcPct val="100000"/>
+              </a:lnSpc>
               <a:spcBef>
                 <a:spcPts val="0"/>
               </a:spcBef>
@@ -3851,7 +4637,7 @@
       </p:sp>
       <p:sp>
         <p:nvSpPr>
-          <p:cNvPr id="76" name="Google Shape;76;p15"/>
+          <p:cNvPr id="76" name="Google Shape;76;p24"/>
           <p:cNvSpPr txBox="1"/>
           <p:nvPr>
             <p:ph idx="1" type="subTitle"/>
@@ -3876,6 +4662,9 @@
           </a:bodyPr>
           <a:lstStyle>
             <a:lvl1pPr lvl="0" algn="l">
+              <a:lnSpc>
+                <a:spcPct val="100000"/>
+              </a:lnSpc>
               <a:spcBef>
                 <a:spcPts val="320"/>
               </a:spcBef>
@@ -3891,6 +4680,9 @@
               </a:defRPr>
             </a:lvl1pPr>
             <a:lvl2pPr lvl="1" algn="l">
+              <a:lnSpc>
+                <a:spcPct val="100000"/>
+              </a:lnSpc>
               <a:spcBef>
                 <a:spcPts val="360"/>
               </a:spcBef>
@@ -3902,6 +4694,9 @@
               <a:defRPr/>
             </a:lvl2pPr>
             <a:lvl3pPr lvl="2" algn="l">
+              <a:lnSpc>
+                <a:spcPct val="100000"/>
+              </a:lnSpc>
               <a:spcBef>
                 <a:spcPts val="360"/>
               </a:spcBef>
@@ -3913,6 +4708,9 @@
               <a:defRPr/>
             </a:lvl3pPr>
             <a:lvl4pPr lvl="3" algn="l">
+              <a:lnSpc>
+                <a:spcPct val="100000"/>
+              </a:lnSpc>
               <a:spcBef>
                 <a:spcPts val="360"/>
               </a:spcBef>
@@ -3924,6 +4722,9 @@
               <a:defRPr/>
             </a:lvl4pPr>
             <a:lvl5pPr lvl="4" algn="l">
+              <a:lnSpc>
+                <a:spcPct val="100000"/>
+              </a:lnSpc>
               <a:spcBef>
                 <a:spcPts val="360"/>
               </a:spcBef>
@@ -3935,6 +4736,9 @@
               <a:defRPr/>
             </a:lvl5pPr>
             <a:lvl6pPr lvl="5" algn="l">
+              <a:lnSpc>
+                <a:spcPct val="100000"/>
+              </a:lnSpc>
               <a:spcBef>
                 <a:spcPts val="360"/>
               </a:spcBef>
@@ -3949,6 +4753,9 @@
               <a:defRPr/>
             </a:lvl6pPr>
             <a:lvl7pPr lvl="6" algn="l">
+              <a:lnSpc>
+                <a:spcPct val="100000"/>
+              </a:lnSpc>
               <a:spcBef>
                 <a:spcPts val="360"/>
               </a:spcBef>
@@ -3963,6 +4770,9 @@
               <a:defRPr/>
             </a:lvl7pPr>
             <a:lvl8pPr lvl="7" algn="l">
+              <a:lnSpc>
+                <a:spcPct val="100000"/>
+              </a:lnSpc>
               <a:spcBef>
                 <a:spcPts val="360"/>
               </a:spcBef>
@@ -3977,6 +4787,9 @@
               <a:defRPr/>
             </a:lvl8pPr>
             <a:lvl9pPr lvl="8" algn="l">
+              <a:lnSpc>
+                <a:spcPct val="100000"/>
+              </a:lnSpc>
               <a:spcBef>
                 <a:spcPts val="360"/>
               </a:spcBef>
@@ -3996,7 +4809,7 @@
       </p:sp>
       <p:pic>
         <p:nvPicPr>
-          <p:cNvPr descr="TUBS_CO_70vH_150dpi" id="77" name="Google Shape;77;p15"/>
+          <p:cNvPr descr="TUBS_CO_70vH_150dpi" id="77" name="Google Shape;77;p24"/>
           <p:cNvPicPr preferRelativeResize="0"/>
           <p:nvPr/>
         </p:nvPicPr>
@@ -4023,7 +4836,7 @@
       </p:pic>
       <p:sp>
         <p:nvSpPr>
-          <p:cNvPr id="78" name="Google Shape;78;p15"/>
+          <p:cNvPr id="78" name="Google Shape;78;p24"/>
           <p:cNvSpPr/>
           <p:nvPr/>
         </p:nvSpPr>
@@ -4049,18 +4862,26 @@
           <a:lstStyle/>
           <a:p>
             <a:pPr indent="0" lvl="0" marL="0" marR="0" rtl="0" algn="ctr">
-              <a:spcBef>
-                <a:spcPts val="0"/>
-              </a:spcBef>
-              <a:spcAft>
-                <a:spcPts val="0"/>
-              </a:spcAft>
+              <a:lnSpc>
+                <a:spcPct val="100000"/>
+              </a:lnSpc>
+              <a:spcBef>
+                <a:spcPts val="0"/>
+              </a:spcBef>
+              <a:spcAft>
+                <a:spcPts val="0"/>
+              </a:spcAft>
+              <a:buClr>
+                <a:srgbClr val="000000"/>
+              </a:buClr>
+              <a:buSzPts val="1800"/>
+              <a:buFont typeface="Arial"/>
               <a:buNone/>
             </a:pPr>
             <a:r>
               <a:t/>
             </a:r>
-            <a:endParaRPr sz="1800">
+            <a:endParaRPr b="0" i="0" sz="1800" u="none" cap="none" strike="noStrike">
               <a:solidFill>
                 <a:schemeClr val="lt1"/>
               </a:solidFill>
@@ -4074,7 +4895,7 @@
       </p:sp>
       <p:pic>
         <p:nvPicPr>
-          <p:cNvPr id="79" name="Google Shape;79;p15"/>
+          <p:cNvPr id="79" name="Google Shape;79;p24"/>
           <p:cNvPicPr preferRelativeResize="0"/>
           <p:nvPr/>
         </p:nvPicPr>
@@ -4110,8 +4931,8 @@
 </file>
 
 <file path=ppt/slideLayouts/slideLayout2.xml><?xml version="1.0" encoding="utf-8"?>
-<p:sldLayout xmlns:a="http://schemas.openxmlformats.org/drawingml/2006/main" xmlns:r="http://schemas.openxmlformats.org/officeDocument/2006/relationships" xmlns:mc="http://schemas.openxmlformats.org/markup-compatibility/2006" xmlns:mv="urn:schemas-microsoft-com:mac:vml" xmlns:p="http://schemas.openxmlformats.org/presentationml/2006/main" xmlns:c="http://schemas.openxmlformats.org/drawingml/2006/chart" xmlns:dgm="http://schemas.openxmlformats.org/drawingml/2006/diagram" xmlns:o="urn:schemas-microsoft-com:office:office" xmlns:v="urn:schemas-microsoft-com:vml" xmlns:pvml="urn:schemas-microsoft-com:office:powerpoint" xmlns:com="http://schemas.openxmlformats.org/drawingml/2006/compatibility" xmlns:p14="http://schemas.microsoft.com/office/powerpoint/2010/main" xmlns:p15="http://schemas.microsoft.com/office/powerpoint/2012/main" xmlns:ahyp="http://schemas.microsoft.com/office/drawing/2018/hyperlinkcolor" matchingName="Titel und Inhalt">
-  <p:cSld name="Titel und Inhalt">
+<p:sldLayout xmlns:a="http://schemas.openxmlformats.org/drawingml/2006/main" xmlns:r="http://schemas.openxmlformats.org/officeDocument/2006/relationships" xmlns:mc="http://schemas.openxmlformats.org/markup-compatibility/2006" xmlns:mv="urn:schemas-microsoft-com:mac:vml" xmlns:p="http://schemas.openxmlformats.org/presentationml/2006/main" xmlns:c="http://schemas.openxmlformats.org/drawingml/2006/chart" xmlns:dgm="http://schemas.openxmlformats.org/drawingml/2006/diagram" xmlns:o="urn:schemas-microsoft-com:office:office" xmlns:v="urn:schemas-microsoft-com:vml" xmlns:pvml="urn:schemas-microsoft-com:office:powerpoint" xmlns:com="http://schemas.openxmlformats.org/drawingml/2006/compatibility" xmlns:p14="http://schemas.microsoft.com/office/powerpoint/2010/main" xmlns:p15="http://schemas.microsoft.com/office/powerpoint/2012/main" xmlns:ahyp="http://schemas.microsoft.com/office/drawing/2018/hyperlinkcolor" matchingName="1_Titel und Inhalt">
+  <p:cSld name="1_Titel und Inhalt">
     <p:spTree>
       <p:nvGrpSpPr>
         <p:cNvPr id="20" name="Shape 20"/>
@@ -4128,7 +4949,66 @@
       </p:grpSpPr>
       <p:sp>
         <p:nvSpPr>
-          <p:cNvPr id="21" name="Google Shape;21;p3"/>
+          <p:cNvPr id="21" name="Google Shape;21;p12"/>
+          <p:cNvSpPr/>
+          <p:nvPr/>
+        </p:nvSpPr>
+        <p:spPr>
+          <a:xfrm>
+            <a:off x="0" y="0"/>
+            <a:ext cx="9144000" cy="647700"/>
+          </a:xfrm>
+          <a:prstGeom prst="rect">
+            <a:avLst/>
+          </a:prstGeom>
+          <a:solidFill>
+            <a:srgbClr val="DDDDDD"/>
+          </a:solidFill>
+          <a:ln>
+            <a:noFill/>
+          </a:ln>
+        </p:spPr>
+        <p:txBody>
+          <a:bodyPr anchorCtr="0" anchor="ctr" bIns="45700" lIns="91425" spcFirstLastPara="1" rIns="91425" wrap="square" tIns="45700">
+            <a:noAutofit/>
+          </a:bodyPr>
+          <a:lstStyle/>
+          <a:p>
+            <a:pPr indent="0" lvl="0" marL="0" marR="0" rtl="0" algn="ctr">
+              <a:lnSpc>
+                <a:spcPct val="100000"/>
+              </a:lnSpc>
+              <a:spcBef>
+                <a:spcPts val="0"/>
+              </a:spcBef>
+              <a:spcAft>
+                <a:spcPts val="0"/>
+              </a:spcAft>
+              <a:buClr>
+                <a:srgbClr val="000000"/>
+              </a:buClr>
+              <a:buSzPts val="1800"/>
+              <a:buFont typeface="Arial"/>
+              <a:buNone/>
+            </a:pPr>
+            <a:r>
+              <a:t/>
+            </a:r>
+            <a:endParaRPr b="0" i="0" sz="1800" u="none" cap="none" strike="noStrike">
+              <a:solidFill>
+                <a:schemeClr val="accent2"/>
+              </a:solidFill>
+              <a:latin typeface="Arial"/>
+              <a:ea typeface="Arial"/>
+              <a:cs typeface="Arial"/>
+              <a:sym typeface="Arial"/>
+            </a:endParaRPr>
+          </a:p>
+        </p:txBody>
+      </p:sp>
+      <p:sp>
+        <p:nvSpPr>
+          <p:cNvPr id="22" name="Google Shape;22;p12"/>
           <p:cNvSpPr txBox="1"/>
           <p:nvPr>
             <p:ph type="title"/>
@@ -4153,6 +5033,9 @@
           </a:bodyPr>
           <a:lstStyle>
             <a:lvl1pPr lvl="0" algn="l">
+              <a:lnSpc>
+                <a:spcPct val="100000"/>
+              </a:lnSpc>
               <a:spcBef>
                 <a:spcPts val="0"/>
               </a:spcBef>
@@ -4164,6 +5047,9 @@
               <a:defRPr/>
             </a:lvl1pPr>
             <a:lvl2pPr lvl="1" algn="l">
+              <a:lnSpc>
+                <a:spcPct val="100000"/>
+              </a:lnSpc>
               <a:spcBef>
                 <a:spcPts val="0"/>
               </a:spcBef>
@@ -4175,6 +5061,9 @@
               <a:defRPr/>
             </a:lvl2pPr>
             <a:lvl3pPr lvl="2" algn="l">
+              <a:lnSpc>
+                <a:spcPct val="100000"/>
+              </a:lnSpc>
               <a:spcBef>
                 <a:spcPts val="0"/>
               </a:spcBef>
@@ -4186,6 +5075,9 @@
               <a:defRPr/>
             </a:lvl3pPr>
             <a:lvl4pPr lvl="3" algn="l">
+              <a:lnSpc>
+                <a:spcPct val="100000"/>
+              </a:lnSpc>
               <a:spcBef>
                 <a:spcPts val="0"/>
               </a:spcBef>
@@ -4197,6 +5089,9 @@
               <a:defRPr/>
             </a:lvl4pPr>
             <a:lvl5pPr lvl="4" algn="l">
+              <a:lnSpc>
+                <a:spcPct val="100000"/>
+              </a:lnSpc>
               <a:spcBef>
                 <a:spcPts val="0"/>
               </a:spcBef>
@@ -4208,6 +5103,9 @@
               <a:defRPr/>
             </a:lvl5pPr>
             <a:lvl6pPr lvl="5" algn="l">
+              <a:lnSpc>
+                <a:spcPct val="100000"/>
+              </a:lnSpc>
               <a:spcBef>
                 <a:spcPts val="0"/>
               </a:spcBef>
@@ -4219,6 +5117,9 @@
               <a:defRPr/>
             </a:lvl6pPr>
             <a:lvl7pPr lvl="6" algn="l">
+              <a:lnSpc>
+                <a:spcPct val="100000"/>
+              </a:lnSpc>
               <a:spcBef>
                 <a:spcPts val="0"/>
               </a:spcBef>
@@ -4230,6 +5131,9 @@
               <a:defRPr/>
             </a:lvl7pPr>
             <a:lvl8pPr lvl="7" algn="l">
+              <a:lnSpc>
+                <a:spcPct val="100000"/>
+              </a:lnSpc>
               <a:spcBef>
                 <a:spcPts val="0"/>
               </a:spcBef>
@@ -4241,6 +5145,9 @@
               <a:defRPr/>
             </a:lvl8pPr>
             <a:lvl9pPr lvl="8" algn="l">
+              <a:lnSpc>
+                <a:spcPct val="100000"/>
+              </a:lnSpc>
               <a:spcBef>
                 <a:spcPts val="0"/>
               </a:spcBef>
@@ -4257,7 +5164,356 @@
       </p:sp>
       <p:sp>
         <p:nvSpPr>
-          <p:cNvPr id="22" name="Google Shape;22;p3"/>
+          <p:cNvPr id="23" name="Google Shape;23;p12"/>
+          <p:cNvSpPr txBox="1"/>
+          <p:nvPr>
+            <p:ph idx="1" type="body"/>
+          </p:nvPr>
+        </p:nvSpPr>
+        <p:spPr>
+          <a:xfrm>
+            <a:off x="431800" y="945000"/>
+            <a:ext cx="8375700" cy="3375000"/>
+          </a:xfrm>
+          <a:prstGeom prst="rect">
+            <a:avLst/>
+          </a:prstGeom>
+          <a:noFill/>
+          <a:ln>
+            <a:noFill/>
+          </a:ln>
+        </p:spPr>
+        <p:txBody>
+          <a:bodyPr anchorCtr="0" anchor="t" bIns="0" lIns="0" spcFirstLastPara="1" rIns="0" wrap="square" tIns="0">
+            <a:noAutofit/>
+          </a:bodyPr>
+          <a:lstStyle>
+            <a:lvl1pPr indent="-317500" lvl="0" marL="457200" algn="l">
+              <a:lnSpc>
+                <a:spcPct val="100000"/>
+              </a:lnSpc>
+              <a:spcBef>
+                <a:spcPts val="320"/>
+              </a:spcBef>
+              <a:spcAft>
+                <a:spcPts val="0"/>
+              </a:spcAft>
+              <a:buSzPts val="1400"/>
+              <a:buChar char="●"/>
+              <a:defRPr/>
+            </a:lvl1pPr>
+            <a:lvl2pPr indent="-342900" lvl="1" marL="914400" algn="l">
+              <a:lnSpc>
+                <a:spcPct val="100000"/>
+              </a:lnSpc>
+              <a:spcBef>
+                <a:spcPts val="360"/>
+              </a:spcBef>
+              <a:spcAft>
+                <a:spcPts val="0"/>
+              </a:spcAft>
+              <a:buSzPts val="1800"/>
+              <a:buChar char="-"/>
+              <a:defRPr/>
+            </a:lvl2pPr>
+            <a:lvl3pPr indent="-342900" lvl="2" marL="1371600" algn="l">
+              <a:lnSpc>
+                <a:spcPct val="100000"/>
+              </a:lnSpc>
+              <a:spcBef>
+                <a:spcPts val="360"/>
+              </a:spcBef>
+              <a:spcAft>
+                <a:spcPts val="0"/>
+              </a:spcAft>
+              <a:buSzPts val="1800"/>
+              <a:buChar char="■"/>
+              <a:defRPr/>
+            </a:lvl3pPr>
+            <a:lvl4pPr indent="-342900" lvl="3" marL="1828800" algn="l">
+              <a:lnSpc>
+                <a:spcPct val="100000"/>
+              </a:lnSpc>
+              <a:spcBef>
+                <a:spcPts val="360"/>
+              </a:spcBef>
+              <a:spcAft>
+                <a:spcPts val="0"/>
+              </a:spcAft>
+              <a:buSzPts val="1800"/>
+              <a:buChar char="●"/>
+              <a:defRPr/>
+            </a:lvl4pPr>
+            <a:lvl5pPr indent="-342900" lvl="4" marL="2286000" algn="l">
+              <a:lnSpc>
+                <a:spcPct val="100000"/>
+              </a:lnSpc>
+              <a:spcBef>
+                <a:spcPts val="360"/>
+              </a:spcBef>
+              <a:spcAft>
+                <a:spcPts val="0"/>
+              </a:spcAft>
+              <a:buSzPts val="1800"/>
+              <a:buChar char="○"/>
+              <a:defRPr/>
+            </a:lvl5pPr>
+            <a:lvl6pPr indent="-342900" lvl="5" marL="2743200" algn="l">
+              <a:lnSpc>
+                <a:spcPct val="100000"/>
+              </a:lnSpc>
+              <a:spcBef>
+                <a:spcPts val="360"/>
+              </a:spcBef>
+              <a:spcAft>
+                <a:spcPts val="0"/>
+              </a:spcAft>
+              <a:buClr>
+                <a:schemeClr val="dk1"/>
+              </a:buClr>
+              <a:buSzPts val="1800"/>
+              <a:buChar char="■"/>
+              <a:defRPr/>
+            </a:lvl6pPr>
+            <a:lvl7pPr indent="-342900" lvl="6" marL="3200400" algn="l">
+              <a:lnSpc>
+                <a:spcPct val="100000"/>
+              </a:lnSpc>
+              <a:spcBef>
+                <a:spcPts val="360"/>
+              </a:spcBef>
+              <a:spcAft>
+                <a:spcPts val="0"/>
+              </a:spcAft>
+              <a:buClr>
+                <a:schemeClr val="dk1"/>
+              </a:buClr>
+              <a:buSzPts val="1800"/>
+              <a:buChar char="●"/>
+              <a:defRPr/>
+            </a:lvl7pPr>
+            <a:lvl8pPr indent="-342900" lvl="7" marL="3657600" algn="l">
+              <a:lnSpc>
+                <a:spcPct val="100000"/>
+              </a:lnSpc>
+              <a:spcBef>
+                <a:spcPts val="360"/>
+              </a:spcBef>
+              <a:spcAft>
+                <a:spcPts val="0"/>
+              </a:spcAft>
+              <a:buClr>
+                <a:schemeClr val="dk1"/>
+              </a:buClr>
+              <a:buSzPts val="1800"/>
+              <a:buChar char="○"/>
+              <a:defRPr/>
+            </a:lvl8pPr>
+            <a:lvl9pPr indent="-342900" lvl="8" marL="4114800" algn="l">
+              <a:lnSpc>
+                <a:spcPct val="100000"/>
+              </a:lnSpc>
+              <a:spcBef>
+                <a:spcPts val="360"/>
+              </a:spcBef>
+              <a:spcAft>
+                <a:spcPts val="0"/>
+              </a:spcAft>
+              <a:buClr>
+                <a:schemeClr val="dk1"/>
+              </a:buClr>
+              <a:buSzPts val="1800"/>
+              <a:buChar char="■"/>
+              <a:defRPr/>
+            </a:lvl9pPr>
+          </a:lstStyle>
+          <a:p/>
+        </p:txBody>
+      </p:sp>
+    </p:spTree>
+  </p:cSld>
+  <p:clrMapOvr>
+    <a:masterClrMapping/>
+  </p:clrMapOvr>
+</p:sldLayout>
+</file>
+
+<file path=ppt/slideLayouts/slideLayout3.xml><?xml version="1.0" encoding="utf-8"?>
+<p:sldLayout xmlns:a="http://schemas.openxmlformats.org/drawingml/2006/main" xmlns:r="http://schemas.openxmlformats.org/officeDocument/2006/relationships" xmlns:mc="http://schemas.openxmlformats.org/markup-compatibility/2006" xmlns:mv="urn:schemas-microsoft-com:mac:vml" xmlns:p="http://schemas.openxmlformats.org/presentationml/2006/main" xmlns:c="http://schemas.openxmlformats.org/drawingml/2006/chart" xmlns:dgm="http://schemas.openxmlformats.org/drawingml/2006/diagram" xmlns:o="urn:schemas-microsoft-com:office:office" xmlns:v="urn:schemas-microsoft-com:vml" xmlns:pvml="urn:schemas-microsoft-com:office:powerpoint" xmlns:com="http://schemas.openxmlformats.org/drawingml/2006/compatibility" xmlns:p14="http://schemas.microsoft.com/office/powerpoint/2010/main" xmlns:p15="http://schemas.microsoft.com/office/powerpoint/2012/main" xmlns:ahyp="http://schemas.microsoft.com/office/drawing/2018/hyperlinkcolor" matchingName="Titel und Inhalt">
+  <p:cSld name="Titel und Inhalt">
+    <p:spTree>
+      <p:nvGrpSpPr>
+        <p:cNvPr id="24" name="Shape 24"/>
+        <p:cNvGrpSpPr/>
+        <p:nvPr/>
+      </p:nvGrpSpPr>
+      <p:grpSpPr>
+        <a:xfrm>
+          <a:off x="0" y="0"/>
+          <a:ext cx="0" cy="0"/>
+          <a:chOff x="0" y="0"/>
+          <a:chExt cx="0" cy="0"/>
+        </a:xfrm>
+      </p:grpSpPr>
+      <p:sp>
+        <p:nvSpPr>
+          <p:cNvPr id="25" name="Google Shape;25;p13"/>
+          <p:cNvSpPr txBox="1"/>
+          <p:nvPr>
+            <p:ph type="title"/>
+          </p:nvPr>
+        </p:nvSpPr>
+        <p:spPr>
+          <a:xfrm>
+            <a:off x="431800" y="83344"/>
+            <a:ext cx="8375700" cy="531000"/>
+          </a:xfrm>
+          <a:prstGeom prst="rect">
+            <a:avLst/>
+          </a:prstGeom>
+          <a:noFill/>
+          <a:ln>
+            <a:noFill/>
+          </a:ln>
+        </p:spPr>
+        <p:txBody>
+          <a:bodyPr anchorCtr="0" anchor="b" bIns="0" lIns="0" spcFirstLastPara="1" rIns="0" wrap="square" tIns="0">
+            <a:noAutofit/>
+          </a:bodyPr>
+          <a:lstStyle>
+            <a:lvl1pPr lvl="0" algn="l">
+              <a:lnSpc>
+                <a:spcPct val="100000"/>
+              </a:lnSpc>
+              <a:spcBef>
+                <a:spcPts val="0"/>
+              </a:spcBef>
+              <a:spcAft>
+                <a:spcPts val="0"/>
+              </a:spcAft>
+              <a:buSzPts val="1400"/>
+              <a:buNone/>
+              <a:defRPr/>
+            </a:lvl1pPr>
+            <a:lvl2pPr lvl="1" algn="l">
+              <a:lnSpc>
+                <a:spcPct val="100000"/>
+              </a:lnSpc>
+              <a:spcBef>
+                <a:spcPts val="0"/>
+              </a:spcBef>
+              <a:spcAft>
+                <a:spcPts val="0"/>
+              </a:spcAft>
+              <a:buSzPts val="1400"/>
+              <a:buNone/>
+              <a:defRPr/>
+            </a:lvl2pPr>
+            <a:lvl3pPr lvl="2" algn="l">
+              <a:lnSpc>
+                <a:spcPct val="100000"/>
+              </a:lnSpc>
+              <a:spcBef>
+                <a:spcPts val="0"/>
+              </a:spcBef>
+              <a:spcAft>
+                <a:spcPts val="0"/>
+              </a:spcAft>
+              <a:buSzPts val="1400"/>
+              <a:buNone/>
+              <a:defRPr/>
+            </a:lvl3pPr>
+            <a:lvl4pPr lvl="3" algn="l">
+              <a:lnSpc>
+                <a:spcPct val="100000"/>
+              </a:lnSpc>
+              <a:spcBef>
+                <a:spcPts val="0"/>
+              </a:spcBef>
+              <a:spcAft>
+                <a:spcPts val="0"/>
+              </a:spcAft>
+              <a:buSzPts val="1400"/>
+              <a:buNone/>
+              <a:defRPr/>
+            </a:lvl4pPr>
+            <a:lvl5pPr lvl="4" algn="l">
+              <a:lnSpc>
+                <a:spcPct val="100000"/>
+              </a:lnSpc>
+              <a:spcBef>
+                <a:spcPts val="0"/>
+              </a:spcBef>
+              <a:spcAft>
+                <a:spcPts val="0"/>
+              </a:spcAft>
+              <a:buSzPts val="1400"/>
+              <a:buNone/>
+              <a:defRPr/>
+            </a:lvl5pPr>
+            <a:lvl6pPr lvl="5" algn="l">
+              <a:lnSpc>
+                <a:spcPct val="100000"/>
+              </a:lnSpc>
+              <a:spcBef>
+                <a:spcPts val="0"/>
+              </a:spcBef>
+              <a:spcAft>
+                <a:spcPts val="0"/>
+              </a:spcAft>
+              <a:buSzPts val="1400"/>
+              <a:buNone/>
+              <a:defRPr/>
+            </a:lvl6pPr>
+            <a:lvl7pPr lvl="6" algn="l">
+              <a:lnSpc>
+                <a:spcPct val="100000"/>
+              </a:lnSpc>
+              <a:spcBef>
+                <a:spcPts val="0"/>
+              </a:spcBef>
+              <a:spcAft>
+                <a:spcPts val="0"/>
+              </a:spcAft>
+              <a:buSzPts val="1400"/>
+              <a:buNone/>
+              <a:defRPr/>
+            </a:lvl7pPr>
+            <a:lvl8pPr lvl="7" algn="l">
+              <a:lnSpc>
+                <a:spcPct val="100000"/>
+              </a:lnSpc>
+              <a:spcBef>
+                <a:spcPts val="0"/>
+              </a:spcBef>
+              <a:spcAft>
+                <a:spcPts val="0"/>
+              </a:spcAft>
+              <a:buSzPts val="1400"/>
+              <a:buNone/>
+              <a:defRPr/>
+            </a:lvl8pPr>
+            <a:lvl9pPr lvl="8" algn="l">
+              <a:lnSpc>
+                <a:spcPct val="100000"/>
+              </a:lnSpc>
+              <a:spcBef>
+                <a:spcPts val="0"/>
+              </a:spcBef>
+              <a:spcAft>
+                <a:spcPts val="0"/>
+              </a:spcAft>
+              <a:buSzPts val="1400"/>
+              <a:buNone/>
+              <a:defRPr/>
+            </a:lvl9pPr>
+          </a:lstStyle>
+          <a:p/>
+        </p:txBody>
+      </p:sp>
+      <p:sp>
+        <p:nvSpPr>
+          <p:cNvPr id="26" name="Google Shape;26;p13"/>
           <p:cNvSpPr txBox="1"/>
           <p:nvPr>
             <p:ph idx="1" type="body"/>
@@ -4282,6 +5538,9 @@
           </a:bodyPr>
           <a:lstStyle>
             <a:lvl1pPr indent="-228600" lvl="0" marL="457200" algn="l">
+              <a:lnSpc>
+                <a:spcPct val="100000"/>
+              </a:lnSpc>
               <a:spcBef>
                 <a:spcPts val="320"/>
               </a:spcBef>
@@ -4293,6 +5552,9 @@
               <a:defRPr/>
             </a:lvl1pPr>
             <a:lvl2pPr indent="-342900" lvl="1" marL="914400" algn="l">
+              <a:lnSpc>
+                <a:spcPct val="100000"/>
+              </a:lnSpc>
               <a:spcBef>
                 <a:spcPts val="360"/>
               </a:spcBef>
@@ -4304,6 +5566,9 @@
               <a:defRPr/>
             </a:lvl2pPr>
             <a:lvl3pPr indent="-342900" lvl="2" marL="1371600" algn="l">
+              <a:lnSpc>
+                <a:spcPct val="100000"/>
+              </a:lnSpc>
               <a:spcBef>
                 <a:spcPts val="360"/>
               </a:spcBef>
@@ -4315,6 +5580,9 @@
               <a:defRPr/>
             </a:lvl3pPr>
             <a:lvl4pPr indent="-342900" lvl="3" marL="1828800" algn="l">
+              <a:lnSpc>
+                <a:spcPct val="100000"/>
+              </a:lnSpc>
               <a:spcBef>
                 <a:spcPts val="360"/>
               </a:spcBef>
@@ -4326,6 +5594,9 @@
               <a:defRPr/>
             </a:lvl4pPr>
             <a:lvl5pPr indent="-342900" lvl="4" marL="2286000" algn="l">
+              <a:lnSpc>
+                <a:spcPct val="100000"/>
+              </a:lnSpc>
               <a:spcBef>
                 <a:spcPts val="360"/>
               </a:spcBef>
@@ -4337,6 +5608,9 @@
               <a:defRPr/>
             </a:lvl5pPr>
             <a:lvl6pPr indent="-342900" lvl="5" marL="2743200" algn="l">
+              <a:lnSpc>
+                <a:spcPct val="100000"/>
+              </a:lnSpc>
               <a:spcBef>
                 <a:spcPts val="360"/>
               </a:spcBef>
@@ -4351,6 +5625,9 @@
               <a:defRPr/>
             </a:lvl6pPr>
             <a:lvl7pPr indent="-342900" lvl="6" marL="3200400" algn="l">
+              <a:lnSpc>
+                <a:spcPct val="100000"/>
+              </a:lnSpc>
               <a:spcBef>
                 <a:spcPts val="360"/>
               </a:spcBef>
@@ -4365,6 +5642,9 @@
               <a:defRPr/>
             </a:lvl7pPr>
             <a:lvl8pPr indent="-342900" lvl="7" marL="3657600" algn="l">
+              <a:lnSpc>
+                <a:spcPct val="100000"/>
+              </a:lnSpc>
               <a:spcBef>
                 <a:spcPts val="360"/>
               </a:spcBef>
@@ -4379,6 +5659,9 @@
               <a:defRPr/>
             </a:lvl8pPr>
             <a:lvl9pPr indent="-342900" lvl="8" marL="4114800" algn="l">
+              <a:lnSpc>
+                <a:spcPct val="100000"/>
+              </a:lnSpc>
               <a:spcBef>
                 <a:spcPts val="360"/>
               </a:spcBef>
@@ -4404,12 +5687,12 @@
 </p:sldLayout>
 </file>
 
-<file path=ppt/slideLayouts/slideLayout3.xml><?xml version="1.0" encoding="utf-8"?>
+<file path=ppt/slideLayouts/slideLayout4.xml><?xml version="1.0" encoding="utf-8"?>
 <p:sldLayout xmlns:a="http://schemas.openxmlformats.org/drawingml/2006/main" xmlns:r="http://schemas.openxmlformats.org/officeDocument/2006/relationships" xmlns:mc="http://schemas.openxmlformats.org/markup-compatibility/2006" xmlns:mv="urn:schemas-microsoft-com:mac:vml" xmlns:p="http://schemas.openxmlformats.org/presentationml/2006/main" xmlns:c="http://schemas.openxmlformats.org/drawingml/2006/chart" xmlns:dgm="http://schemas.openxmlformats.org/drawingml/2006/diagram" xmlns:o="urn:schemas-microsoft-com:office:office" xmlns:v="urn:schemas-microsoft-com:vml" xmlns:pvml="urn:schemas-microsoft-com:office:powerpoint" xmlns:com="http://schemas.openxmlformats.org/drawingml/2006/compatibility" xmlns:p14="http://schemas.microsoft.com/office/powerpoint/2010/main" xmlns:p15="http://schemas.microsoft.com/office/powerpoint/2012/main" xmlns:ahyp="http://schemas.microsoft.com/office/drawing/2018/hyperlinkcolor" matchingName="2_Titel und Inhalt">
   <p:cSld name="2_Titel und Inhalt">
     <p:spTree>
       <p:nvGrpSpPr>
-        <p:cNvPr id="23" name="Shape 23"/>
+        <p:cNvPr id="27" name="Shape 27"/>
         <p:cNvGrpSpPr/>
         <p:nvPr/>
       </p:nvGrpSpPr>
@@ -4423,7 +5706,7 @@
       </p:grpSpPr>
       <p:sp>
         <p:nvSpPr>
-          <p:cNvPr id="24" name="Google Shape;24;p4"/>
+          <p:cNvPr id="28" name="Google Shape;28;p14"/>
           <p:cNvSpPr txBox="1"/>
           <p:nvPr>
             <p:ph type="title"/>
@@ -4448,6 +5731,9 @@
           </a:bodyPr>
           <a:lstStyle>
             <a:lvl1pPr lvl="0" algn="l">
+              <a:lnSpc>
+                <a:spcPct val="100000"/>
+              </a:lnSpc>
               <a:spcBef>
                 <a:spcPts val="0"/>
               </a:spcBef>
@@ -4459,6 +5745,9 @@
               <a:defRPr/>
             </a:lvl1pPr>
             <a:lvl2pPr lvl="1" algn="l">
+              <a:lnSpc>
+                <a:spcPct val="100000"/>
+              </a:lnSpc>
               <a:spcBef>
                 <a:spcPts val="0"/>
               </a:spcBef>
@@ -4470,6 +5759,9 @@
               <a:defRPr/>
             </a:lvl2pPr>
             <a:lvl3pPr lvl="2" algn="l">
+              <a:lnSpc>
+                <a:spcPct val="100000"/>
+              </a:lnSpc>
               <a:spcBef>
                 <a:spcPts val="0"/>
               </a:spcBef>
@@ -4481,6 +5773,9 @@
               <a:defRPr/>
             </a:lvl3pPr>
             <a:lvl4pPr lvl="3" algn="l">
+              <a:lnSpc>
+                <a:spcPct val="100000"/>
+              </a:lnSpc>
               <a:spcBef>
                 <a:spcPts val="0"/>
               </a:spcBef>
@@ -4492,6 +5787,9 @@
               <a:defRPr/>
             </a:lvl4pPr>
             <a:lvl5pPr lvl="4" algn="l">
+              <a:lnSpc>
+                <a:spcPct val="100000"/>
+              </a:lnSpc>
               <a:spcBef>
                 <a:spcPts val="0"/>
               </a:spcBef>
@@ -4503,6 +5801,9 @@
               <a:defRPr/>
             </a:lvl5pPr>
             <a:lvl6pPr lvl="5" algn="l">
+              <a:lnSpc>
+                <a:spcPct val="100000"/>
+              </a:lnSpc>
               <a:spcBef>
                 <a:spcPts val="0"/>
               </a:spcBef>
@@ -4514,6 +5815,9 @@
               <a:defRPr/>
             </a:lvl6pPr>
             <a:lvl7pPr lvl="6" algn="l">
+              <a:lnSpc>
+                <a:spcPct val="100000"/>
+              </a:lnSpc>
               <a:spcBef>
                 <a:spcPts val="0"/>
               </a:spcBef>
@@ -4525,6 +5829,9 @@
               <a:defRPr/>
             </a:lvl7pPr>
             <a:lvl8pPr lvl="7" algn="l">
+              <a:lnSpc>
+                <a:spcPct val="100000"/>
+              </a:lnSpc>
               <a:spcBef>
                 <a:spcPts val="0"/>
               </a:spcBef>
@@ -4536,6 +5843,9 @@
               <a:defRPr/>
             </a:lvl8pPr>
             <a:lvl9pPr lvl="8" algn="l">
+              <a:lnSpc>
+                <a:spcPct val="100000"/>
+              </a:lnSpc>
               <a:spcBef>
                 <a:spcPts val="0"/>
               </a:spcBef>
@@ -4552,7 +5862,7 @@
       </p:sp>
       <p:sp>
         <p:nvSpPr>
-          <p:cNvPr id="25" name="Google Shape;25;p4"/>
+          <p:cNvPr id="29" name="Google Shape;29;p14"/>
           <p:cNvSpPr txBox="1"/>
           <p:nvPr>
             <p:ph idx="1" type="body"/>
@@ -4577,6 +5887,9 @@
           </a:bodyPr>
           <a:lstStyle>
             <a:lvl1pPr indent="-228600" lvl="0" marL="457200" algn="l">
+              <a:lnSpc>
+                <a:spcPct val="100000"/>
+              </a:lnSpc>
               <a:spcBef>
                 <a:spcPts val="360"/>
               </a:spcBef>
@@ -4588,6 +5901,9 @@
               <a:defRPr/>
             </a:lvl1pPr>
             <a:lvl2pPr indent="-342900" lvl="1" marL="914400" algn="l">
+              <a:lnSpc>
+                <a:spcPct val="100000"/>
+              </a:lnSpc>
               <a:spcBef>
                 <a:spcPts val="360"/>
               </a:spcBef>
@@ -4599,6 +5915,9 @@
               <a:defRPr/>
             </a:lvl2pPr>
             <a:lvl3pPr indent="-342900" lvl="2" marL="1371600" algn="l">
+              <a:lnSpc>
+                <a:spcPct val="100000"/>
+              </a:lnSpc>
               <a:spcBef>
                 <a:spcPts val="360"/>
               </a:spcBef>
@@ -4610,6 +5929,9 @@
               <a:defRPr/>
             </a:lvl3pPr>
             <a:lvl4pPr indent="-342900" lvl="3" marL="1828800" algn="l">
+              <a:lnSpc>
+                <a:spcPct val="100000"/>
+              </a:lnSpc>
               <a:spcBef>
                 <a:spcPts val="360"/>
               </a:spcBef>
@@ -4621,6 +5943,9 @@
               <a:defRPr/>
             </a:lvl4pPr>
             <a:lvl5pPr indent="-342900" lvl="4" marL="2286000" algn="l">
+              <a:lnSpc>
+                <a:spcPct val="100000"/>
+              </a:lnSpc>
               <a:spcBef>
                 <a:spcPts val="360"/>
               </a:spcBef>
@@ -4632,6 +5957,9 @@
               <a:defRPr/>
             </a:lvl5pPr>
             <a:lvl6pPr indent="-342900" lvl="5" marL="2743200" algn="l">
+              <a:lnSpc>
+                <a:spcPct val="100000"/>
+              </a:lnSpc>
               <a:spcBef>
                 <a:spcPts val="360"/>
               </a:spcBef>
@@ -4646,6 +5974,9 @@
               <a:defRPr/>
             </a:lvl6pPr>
             <a:lvl7pPr indent="-342900" lvl="6" marL="3200400" algn="l">
+              <a:lnSpc>
+                <a:spcPct val="100000"/>
+              </a:lnSpc>
               <a:spcBef>
                 <a:spcPts val="360"/>
               </a:spcBef>
@@ -4660,6 +5991,9 @@
               <a:defRPr/>
             </a:lvl7pPr>
             <a:lvl8pPr indent="-342900" lvl="7" marL="3657600" algn="l">
+              <a:lnSpc>
+                <a:spcPct val="100000"/>
+              </a:lnSpc>
               <a:spcBef>
                 <a:spcPts val="360"/>
               </a:spcBef>
@@ -4674,6 +6008,9 @@
               <a:defRPr/>
             </a:lvl8pPr>
             <a:lvl9pPr indent="-342900" lvl="8" marL="4114800" algn="l">
+              <a:lnSpc>
+                <a:spcPct val="100000"/>
+              </a:lnSpc>
               <a:spcBef>
                 <a:spcPts val="360"/>
               </a:spcBef>
@@ -4693,7 +6030,7 @@
       </p:sp>
       <p:sp>
         <p:nvSpPr>
-          <p:cNvPr id="26" name="Google Shape;26;p4"/>
+          <p:cNvPr id="30" name="Google Shape;30;p14"/>
           <p:cNvSpPr txBox="1"/>
           <p:nvPr>
             <p:ph idx="2" type="body"/>
@@ -4718,6 +6055,9 @@
           </a:bodyPr>
           <a:lstStyle>
             <a:lvl1pPr indent="-228600" lvl="0" marL="457200" algn="l">
+              <a:lnSpc>
+                <a:spcPct val="100000"/>
+              </a:lnSpc>
               <a:spcBef>
                 <a:spcPts val="360"/>
               </a:spcBef>
@@ -4729,6 +6069,9 @@
               <a:defRPr/>
             </a:lvl1pPr>
             <a:lvl2pPr indent="-342900" lvl="1" marL="914400" algn="l">
+              <a:lnSpc>
+                <a:spcPct val="100000"/>
+              </a:lnSpc>
               <a:spcBef>
                 <a:spcPts val="360"/>
               </a:spcBef>
@@ -4740,6 +6083,9 @@
               <a:defRPr/>
             </a:lvl2pPr>
             <a:lvl3pPr indent="-342900" lvl="2" marL="1371600" algn="l">
+              <a:lnSpc>
+                <a:spcPct val="100000"/>
+              </a:lnSpc>
               <a:spcBef>
                 <a:spcPts val="360"/>
               </a:spcBef>
@@ -4751,6 +6097,9 @@
               <a:defRPr/>
             </a:lvl3pPr>
             <a:lvl4pPr indent="-342900" lvl="3" marL="1828800" algn="l">
+              <a:lnSpc>
+                <a:spcPct val="100000"/>
+              </a:lnSpc>
               <a:spcBef>
                 <a:spcPts val="360"/>
               </a:spcBef>
@@ -4762,6 +6111,9 @@
               <a:defRPr/>
             </a:lvl4pPr>
             <a:lvl5pPr indent="-342900" lvl="4" marL="2286000" algn="l">
+              <a:lnSpc>
+                <a:spcPct val="100000"/>
+              </a:lnSpc>
               <a:spcBef>
                 <a:spcPts val="360"/>
               </a:spcBef>
@@ -4773,6 +6125,9 @@
               <a:defRPr/>
             </a:lvl5pPr>
             <a:lvl6pPr indent="-342900" lvl="5" marL="2743200" algn="l">
+              <a:lnSpc>
+                <a:spcPct val="100000"/>
+              </a:lnSpc>
               <a:spcBef>
                 <a:spcPts val="360"/>
               </a:spcBef>
@@ -4787,6 +6142,9 @@
               <a:defRPr/>
             </a:lvl6pPr>
             <a:lvl7pPr indent="-342900" lvl="6" marL="3200400" algn="l">
+              <a:lnSpc>
+                <a:spcPct val="100000"/>
+              </a:lnSpc>
               <a:spcBef>
                 <a:spcPts val="360"/>
               </a:spcBef>
@@ -4801,6 +6159,9 @@
               <a:defRPr/>
             </a:lvl7pPr>
             <a:lvl8pPr indent="-342900" lvl="7" marL="3657600" algn="l">
+              <a:lnSpc>
+                <a:spcPct val="100000"/>
+              </a:lnSpc>
               <a:spcBef>
                 <a:spcPts val="360"/>
               </a:spcBef>
@@ -4815,6 +6176,9 @@
               <a:defRPr/>
             </a:lvl8pPr>
             <a:lvl9pPr indent="-342900" lvl="8" marL="4114800" algn="l">
+              <a:lnSpc>
+                <a:spcPct val="100000"/>
+              </a:lnSpc>
               <a:spcBef>
                 <a:spcPts val="360"/>
               </a:spcBef>
@@ -4840,12 +6204,12 @@
 </p:sldLayout>
 </file>
 
-<file path=ppt/slideLayouts/slideLayout4.xml><?xml version="1.0" encoding="utf-8"?>
+<file path=ppt/slideLayouts/slideLayout5.xml><?xml version="1.0" encoding="utf-8"?>
 <p:sldLayout xmlns:a="http://schemas.openxmlformats.org/drawingml/2006/main" xmlns:r="http://schemas.openxmlformats.org/officeDocument/2006/relationships" xmlns:mc="http://schemas.openxmlformats.org/markup-compatibility/2006" xmlns:mv="urn:schemas-microsoft-com:mac:vml" xmlns:p="http://schemas.openxmlformats.org/presentationml/2006/main" xmlns:c="http://schemas.openxmlformats.org/drawingml/2006/chart" xmlns:dgm="http://schemas.openxmlformats.org/drawingml/2006/diagram" xmlns:o="urn:schemas-microsoft-com:office:office" xmlns:v="urn:schemas-microsoft-com:vml" xmlns:pvml="urn:schemas-microsoft-com:office:powerpoint" xmlns:com="http://schemas.openxmlformats.org/drawingml/2006/compatibility" xmlns:p14="http://schemas.microsoft.com/office/powerpoint/2010/main" xmlns:p15="http://schemas.microsoft.com/office/powerpoint/2012/main" xmlns:ahyp="http://schemas.microsoft.com/office/drawing/2018/hyperlinkcolor" matchingName="Titel und Diagramm" type="chart">
   <p:cSld name="CHART">
     <p:spTree>
       <p:nvGrpSpPr>
-        <p:cNvPr id="27" name="Shape 27"/>
+        <p:cNvPr id="31" name="Shape 31"/>
         <p:cNvGrpSpPr/>
         <p:nvPr/>
       </p:nvGrpSpPr>
@@ -4859,7 +6223,7 @@
       </p:grpSpPr>
       <p:sp>
         <p:nvSpPr>
-          <p:cNvPr id="28" name="Google Shape;28;p5"/>
+          <p:cNvPr id="32" name="Google Shape;32;p15"/>
           <p:cNvSpPr txBox="1"/>
           <p:nvPr>
             <p:ph type="title"/>
@@ -4884,6 +6248,9 @@
           </a:bodyPr>
           <a:lstStyle>
             <a:lvl1pPr lvl="0" algn="l">
+              <a:lnSpc>
+                <a:spcPct val="100000"/>
+              </a:lnSpc>
               <a:spcBef>
                 <a:spcPts val="0"/>
               </a:spcBef>
@@ -4895,6 +6262,9 @@
               <a:defRPr/>
             </a:lvl1pPr>
             <a:lvl2pPr lvl="1" algn="l">
+              <a:lnSpc>
+                <a:spcPct val="100000"/>
+              </a:lnSpc>
               <a:spcBef>
                 <a:spcPts val="0"/>
               </a:spcBef>
@@ -4906,6 +6276,9 @@
               <a:defRPr/>
             </a:lvl2pPr>
             <a:lvl3pPr lvl="2" algn="l">
+              <a:lnSpc>
+                <a:spcPct val="100000"/>
+              </a:lnSpc>
               <a:spcBef>
                 <a:spcPts val="0"/>
               </a:spcBef>
@@ -4917,6 +6290,9 @@
               <a:defRPr/>
             </a:lvl3pPr>
             <a:lvl4pPr lvl="3" algn="l">
+              <a:lnSpc>
+                <a:spcPct val="100000"/>
+              </a:lnSpc>
               <a:spcBef>
                 <a:spcPts val="0"/>
               </a:spcBef>
@@ -4928,6 +6304,9 @@
               <a:defRPr/>
             </a:lvl4pPr>
             <a:lvl5pPr lvl="4" algn="l">
+              <a:lnSpc>
+                <a:spcPct val="100000"/>
+              </a:lnSpc>
               <a:spcBef>
                 <a:spcPts val="0"/>
               </a:spcBef>
@@ -4939,6 +6318,9 @@
               <a:defRPr/>
             </a:lvl5pPr>
             <a:lvl6pPr lvl="5" algn="l">
+              <a:lnSpc>
+                <a:spcPct val="100000"/>
+              </a:lnSpc>
               <a:spcBef>
                 <a:spcPts val="0"/>
               </a:spcBef>
@@ -4950,6 +6332,9 @@
               <a:defRPr/>
             </a:lvl6pPr>
             <a:lvl7pPr lvl="6" algn="l">
+              <a:lnSpc>
+                <a:spcPct val="100000"/>
+              </a:lnSpc>
               <a:spcBef>
                 <a:spcPts val="0"/>
               </a:spcBef>
@@ -4961,6 +6346,9 @@
               <a:defRPr/>
             </a:lvl7pPr>
             <a:lvl8pPr lvl="7" algn="l">
+              <a:lnSpc>
+                <a:spcPct val="100000"/>
+              </a:lnSpc>
               <a:spcBef>
                 <a:spcPts val="0"/>
               </a:spcBef>
@@ -4972,6 +6360,9 @@
               <a:defRPr/>
             </a:lvl8pPr>
             <a:lvl9pPr lvl="8" algn="l">
+              <a:lnSpc>
+                <a:spcPct val="100000"/>
+              </a:lnSpc>
               <a:spcBef>
                 <a:spcPts val="0"/>
               </a:spcBef>
@@ -4988,7 +6379,7 @@
       </p:sp>
       <p:sp>
         <p:nvSpPr>
-          <p:cNvPr id="29" name="Google Shape;29;p5"/>
+          <p:cNvPr id="33" name="Google Shape;33;p15"/>
           <p:cNvSpPr/>
           <p:nvPr>
             <p:ph idx="2" type="chart"/>
@@ -5013,13 +6404,20 @@
           </a:bodyPr>
           <a:lstStyle>
             <a:lvl1pPr lvl="0" marR="0" rtl="0" algn="l">
+              <a:lnSpc>
+                <a:spcPct val="100000"/>
+              </a:lnSpc>
               <a:spcBef>
                 <a:spcPts val="320"/>
               </a:spcBef>
               <a:spcAft>
                 <a:spcPts val="0"/>
               </a:spcAft>
-              <a:buSzPts val="1400"/>
+              <a:buClr>
+                <a:srgbClr val="000000"/>
+              </a:buClr>
+              <a:buSzPts val="1400"/>
+              <a:buFont typeface="Arial"/>
               <a:buNone/>
               <a:defRPr b="0" i="0" sz="1600" u="none" cap="none" strike="noStrike">
                 <a:solidFill>
@@ -5032,6 +6430,9 @@
               </a:defRPr>
             </a:lvl1pPr>
             <a:lvl2pPr lvl="1" marR="0" rtl="0" algn="l">
+              <a:lnSpc>
+                <a:spcPct val="100000"/>
+              </a:lnSpc>
               <a:spcBef>
                 <a:spcPts val="320"/>
               </a:spcBef>
@@ -5055,6 +6456,9 @@
               </a:defRPr>
             </a:lvl2pPr>
             <a:lvl3pPr lvl="2" marR="0" rtl="0" algn="l">
+              <a:lnSpc>
+                <a:spcPct val="100000"/>
+              </a:lnSpc>
               <a:spcBef>
                 <a:spcPts val="320"/>
               </a:spcBef>
@@ -5078,6 +6482,9 @@
               </a:defRPr>
             </a:lvl3pPr>
             <a:lvl4pPr lvl="3" marR="0" rtl="0" algn="l">
+              <a:lnSpc>
+                <a:spcPct val="100000"/>
+              </a:lnSpc>
               <a:spcBef>
                 <a:spcPts val="320"/>
               </a:spcBef>
@@ -5101,6 +6508,9 @@
               </a:defRPr>
             </a:lvl4pPr>
             <a:lvl5pPr lvl="4" marR="0" rtl="0" algn="l">
+              <a:lnSpc>
+                <a:spcPct val="100000"/>
+              </a:lnSpc>
               <a:spcBef>
                 <a:spcPts val="320"/>
               </a:spcBef>
@@ -5124,6 +6534,9 @@
               </a:defRPr>
             </a:lvl5pPr>
             <a:lvl6pPr lvl="5" marR="0" rtl="0" algn="l">
+              <a:lnSpc>
+                <a:spcPct val="100000"/>
+              </a:lnSpc>
               <a:spcBef>
                 <a:spcPts val="320"/>
               </a:spcBef>
@@ -5147,6 +6560,9 @@
               </a:defRPr>
             </a:lvl6pPr>
             <a:lvl7pPr lvl="6" marR="0" rtl="0" algn="l">
+              <a:lnSpc>
+                <a:spcPct val="100000"/>
+              </a:lnSpc>
               <a:spcBef>
                 <a:spcPts val="320"/>
               </a:spcBef>
@@ -5170,6 +6586,9 @@
               </a:defRPr>
             </a:lvl7pPr>
             <a:lvl8pPr lvl="7" marR="0" rtl="0" algn="l">
+              <a:lnSpc>
+                <a:spcPct val="100000"/>
+              </a:lnSpc>
               <a:spcBef>
                 <a:spcPts val="320"/>
               </a:spcBef>
@@ -5193,6 +6612,9 @@
               </a:defRPr>
             </a:lvl8pPr>
             <a:lvl9pPr lvl="8" marR="0" rtl="0" algn="l">
+              <a:lnSpc>
+                <a:spcPct val="100000"/>
+              </a:lnSpc>
               <a:spcBef>
                 <a:spcPts val="320"/>
               </a:spcBef>
@@ -5227,12 +6649,12 @@
 </p:sldLayout>
 </file>
 
-<file path=ppt/slideLayouts/slideLayout5.xml><?xml version="1.0" encoding="utf-8"?>
+<file path=ppt/slideLayouts/slideLayout6.xml><?xml version="1.0" encoding="utf-8"?>
 <p:sldLayout xmlns:a="http://schemas.openxmlformats.org/drawingml/2006/main" xmlns:r="http://schemas.openxmlformats.org/officeDocument/2006/relationships" xmlns:mc="http://schemas.openxmlformats.org/markup-compatibility/2006" xmlns:mv="urn:schemas-microsoft-com:mac:vml" xmlns:p="http://schemas.openxmlformats.org/presentationml/2006/main" xmlns:c="http://schemas.openxmlformats.org/drawingml/2006/chart" xmlns:dgm="http://schemas.openxmlformats.org/drawingml/2006/diagram" xmlns:o="urn:schemas-microsoft-com:office:office" xmlns:v="urn:schemas-microsoft-com:vml" xmlns:pvml="urn:schemas-microsoft-com:office:powerpoint" xmlns:com="http://schemas.openxmlformats.org/drawingml/2006/compatibility" xmlns:p14="http://schemas.microsoft.com/office/powerpoint/2010/main" xmlns:p15="http://schemas.microsoft.com/office/powerpoint/2012/main" xmlns:ahyp="http://schemas.microsoft.com/office/drawing/2018/hyperlinkcolor" matchingName="Nur Titel" type="titleOnly">
   <p:cSld name="TITLE_ONLY">
     <p:spTree>
       <p:nvGrpSpPr>
-        <p:cNvPr id="30" name="Shape 30"/>
+        <p:cNvPr id="34" name="Shape 34"/>
         <p:cNvGrpSpPr/>
         <p:nvPr/>
       </p:nvGrpSpPr>
@@ -5246,7 +6668,7 @@
       </p:grpSpPr>
       <p:sp>
         <p:nvSpPr>
-          <p:cNvPr id="31" name="Google Shape;31;p6"/>
+          <p:cNvPr id="35" name="Google Shape;35;p16"/>
           <p:cNvSpPr txBox="1"/>
           <p:nvPr>
             <p:ph type="title"/>
@@ -5271,6 +6693,9 @@
           </a:bodyPr>
           <a:lstStyle>
             <a:lvl1pPr lvl="0" algn="l">
+              <a:lnSpc>
+                <a:spcPct val="100000"/>
+              </a:lnSpc>
               <a:spcBef>
                 <a:spcPts val="0"/>
               </a:spcBef>
@@ -5282,6 +6707,9 @@
               <a:defRPr/>
             </a:lvl1pPr>
             <a:lvl2pPr lvl="1" algn="l">
+              <a:lnSpc>
+                <a:spcPct val="100000"/>
+              </a:lnSpc>
               <a:spcBef>
                 <a:spcPts val="0"/>
               </a:spcBef>
@@ -5293,6 +6721,9 @@
               <a:defRPr/>
             </a:lvl2pPr>
             <a:lvl3pPr lvl="2" algn="l">
+              <a:lnSpc>
+                <a:spcPct val="100000"/>
+              </a:lnSpc>
               <a:spcBef>
                 <a:spcPts val="0"/>
               </a:spcBef>
@@ -5304,6 +6735,9 @@
               <a:defRPr/>
             </a:lvl3pPr>
             <a:lvl4pPr lvl="3" algn="l">
+              <a:lnSpc>
+                <a:spcPct val="100000"/>
+              </a:lnSpc>
               <a:spcBef>
                 <a:spcPts val="0"/>
               </a:spcBef>
@@ -5315,6 +6749,9 @@
               <a:defRPr/>
             </a:lvl4pPr>
             <a:lvl5pPr lvl="4" algn="l">
+              <a:lnSpc>
+                <a:spcPct val="100000"/>
+              </a:lnSpc>
               <a:spcBef>
                 <a:spcPts val="0"/>
               </a:spcBef>
@@ -5326,6 +6763,9 @@
               <a:defRPr/>
             </a:lvl5pPr>
             <a:lvl6pPr lvl="5" algn="l">
+              <a:lnSpc>
+                <a:spcPct val="100000"/>
+              </a:lnSpc>
               <a:spcBef>
                 <a:spcPts val="0"/>
               </a:spcBef>
@@ -5337,6 +6777,9 @@
               <a:defRPr/>
             </a:lvl6pPr>
             <a:lvl7pPr lvl="6" algn="l">
+              <a:lnSpc>
+                <a:spcPct val="100000"/>
+              </a:lnSpc>
               <a:spcBef>
                 <a:spcPts val="0"/>
               </a:spcBef>
@@ -5348,6 +6791,9 @@
               <a:defRPr/>
             </a:lvl7pPr>
             <a:lvl8pPr lvl="7" algn="l">
+              <a:lnSpc>
+                <a:spcPct val="100000"/>
+              </a:lnSpc>
               <a:spcBef>
                 <a:spcPts val="0"/>
               </a:spcBef>
@@ -5359,360 +6805,17 @@
               <a:defRPr/>
             </a:lvl8pPr>
             <a:lvl9pPr lvl="8" algn="l">
-              <a:spcBef>
-                <a:spcPts val="0"/>
-              </a:spcBef>
-              <a:spcAft>
-                <a:spcPts val="0"/>
-              </a:spcAft>
-              <a:buSzPts val="1400"/>
-              <a:buNone/>
-              <a:defRPr/>
-            </a:lvl9pPr>
-          </a:lstStyle>
-          <a:p/>
-        </p:txBody>
-      </p:sp>
-    </p:spTree>
-  </p:cSld>
-  <p:clrMapOvr>
-    <a:masterClrMapping/>
-  </p:clrMapOvr>
-</p:sldLayout>
-</file>
-
-<file path=ppt/slideLayouts/slideLayout6.xml><?xml version="1.0" encoding="utf-8"?>
-<p:sldLayout xmlns:a="http://schemas.openxmlformats.org/drawingml/2006/main" xmlns:r="http://schemas.openxmlformats.org/officeDocument/2006/relationships" xmlns:mc="http://schemas.openxmlformats.org/markup-compatibility/2006" xmlns:mv="urn:schemas-microsoft-com:mac:vml" xmlns:p="http://schemas.openxmlformats.org/presentationml/2006/main" xmlns:c="http://schemas.openxmlformats.org/drawingml/2006/chart" xmlns:dgm="http://schemas.openxmlformats.org/drawingml/2006/diagram" xmlns:o="urn:schemas-microsoft-com:office:office" xmlns:v="urn:schemas-microsoft-com:vml" xmlns:pvml="urn:schemas-microsoft-com:office:powerpoint" xmlns:com="http://schemas.openxmlformats.org/drawingml/2006/compatibility" xmlns:p14="http://schemas.microsoft.com/office/powerpoint/2010/main" xmlns:p15="http://schemas.microsoft.com/office/powerpoint/2012/main" xmlns:ahyp="http://schemas.microsoft.com/office/drawing/2018/hyperlinkcolor" matchingName="1_Titel und Inhalt">
-  <p:cSld name="1_Titel und Inhalt">
-    <p:spTree>
-      <p:nvGrpSpPr>
-        <p:cNvPr id="32" name="Shape 32"/>
-        <p:cNvGrpSpPr/>
-        <p:nvPr/>
-      </p:nvGrpSpPr>
-      <p:grpSpPr>
-        <a:xfrm>
-          <a:off x="0" y="0"/>
-          <a:ext cx="0" cy="0"/>
-          <a:chOff x="0" y="0"/>
-          <a:chExt cx="0" cy="0"/>
-        </a:xfrm>
-      </p:grpSpPr>
-      <p:sp>
-        <p:nvSpPr>
-          <p:cNvPr id="33" name="Google Shape;33;p7"/>
-          <p:cNvSpPr/>
-          <p:nvPr/>
-        </p:nvSpPr>
-        <p:spPr>
-          <a:xfrm>
-            <a:off x="0" y="0"/>
-            <a:ext cx="9144000" cy="647700"/>
-          </a:xfrm>
-          <a:prstGeom prst="rect">
-            <a:avLst/>
-          </a:prstGeom>
-          <a:solidFill>
-            <a:srgbClr val="DDDDDD"/>
-          </a:solidFill>
-          <a:ln>
-            <a:noFill/>
-          </a:ln>
-        </p:spPr>
-        <p:txBody>
-          <a:bodyPr anchorCtr="0" anchor="ctr" bIns="45700" lIns="91425" spcFirstLastPara="1" rIns="91425" wrap="square" tIns="45700">
-            <a:noAutofit/>
-          </a:bodyPr>
-          <a:lstStyle/>
-          <a:p>
-            <a:pPr indent="0" lvl="0" marL="0" marR="0" rtl="0" algn="ctr">
-              <a:spcBef>
-                <a:spcPts val="0"/>
-              </a:spcBef>
-              <a:spcAft>
-                <a:spcPts val="0"/>
-              </a:spcAft>
-              <a:buNone/>
-            </a:pPr>
-            <a:r>
-              <a:t/>
-            </a:r>
-            <a:endParaRPr sz="1800">
-              <a:solidFill>
-                <a:schemeClr val="accent2"/>
-              </a:solidFill>
-              <a:latin typeface="Arial"/>
-              <a:ea typeface="Arial"/>
-              <a:cs typeface="Arial"/>
-              <a:sym typeface="Arial"/>
-            </a:endParaRPr>
-          </a:p>
-        </p:txBody>
-      </p:sp>
-      <p:sp>
-        <p:nvSpPr>
-          <p:cNvPr id="34" name="Google Shape;34;p7"/>
-          <p:cNvSpPr txBox="1"/>
-          <p:nvPr>
-            <p:ph type="title"/>
-          </p:nvPr>
-        </p:nvSpPr>
-        <p:spPr>
-          <a:xfrm>
-            <a:off x="431800" y="83344"/>
-            <a:ext cx="8375700" cy="531000"/>
-          </a:xfrm>
-          <a:prstGeom prst="rect">
-            <a:avLst/>
-          </a:prstGeom>
-          <a:noFill/>
-          <a:ln>
-            <a:noFill/>
-          </a:ln>
-        </p:spPr>
-        <p:txBody>
-          <a:bodyPr anchorCtr="0" anchor="b" bIns="0" lIns="0" spcFirstLastPara="1" rIns="0" wrap="square" tIns="0">
-            <a:noAutofit/>
-          </a:bodyPr>
-          <a:lstStyle>
-            <a:lvl1pPr lvl="0" algn="l">
-              <a:spcBef>
-                <a:spcPts val="0"/>
-              </a:spcBef>
-              <a:spcAft>
-                <a:spcPts val="0"/>
-              </a:spcAft>
-              <a:buSzPts val="1400"/>
-              <a:buNone/>
-              <a:defRPr/>
-            </a:lvl1pPr>
-            <a:lvl2pPr lvl="1" algn="l">
-              <a:spcBef>
-                <a:spcPts val="0"/>
-              </a:spcBef>
-              <a:spcAft>
-                <a:spcPts val="0"/>
-              </a:spcAft>
-              <a:buSzPts val="1400"/>
-              <a:buNone/>
-              <a:defRPr/>
-            </a:lvl2pPr>
-            <a:lvl3pPr lvl="2" algn="l">
-              <a:spcBef>
-                <a:spcPts val="0"/>
-              </a:spcBef>
-              <a:spcAft>
-                <a:spcPts val="0"/>
-              </a:spcAft>
-              <a:buSzPts val="1400"/>
-              <a:buNone/>
-              <a:defRPr/>
-            </a:lvl3pPr>
-            <a:lvl4pPr lvl="3" algn="l">
-              <a:spcBef>
-                <a:spcPts val="0"/>
-              </a:spcBef>
-              <a:spcAft>
-                <a:spcPts val="0"/>
-              </a:spcAft>
-              <a:buSzPts val="1400"/>
-              <a:buNone/>
-              <a:defRPr/>
-            </a:lvl4pPr>
-            <a:lvl5pPr lvl="4" algn="l">
-              <a:spcBef>
-                <a:spcPts val="0"/>
-              </a:spcBef>
-              <a:spcAft>
-                <a:spcPts val="0"/>
-              </a:spcAft>
-              <a:buSzPts val="1400"/>
-              <a:buNone/>
-              <a:defRPr/>
-            </a:lvl5pPr>
-            <a:lvl6pPr lvl="5" algn="l">
-              <a:spcBef>
-                <a:spcPts val="0"/>
-              </a:spcBef>
-              <a:spcAft>
-                <a:spcPts val="0"/>
-              </a:spcAft>
-              <a:buSzPts val="1400"/>
-              <a:buNone/>
-              <a:defRPr/>
-            </a:lvl6pPr>
-            <a:lvl7pPr lvl="6" algn="l">
-              <a:spcBef>
-                <a:spcPts val="0"/>
-              </a:spcBef>
-              <a:spcAft>
-                <a:spcPts val="0"/>
-              </a:spcAft>
-              <a:buSzPts val="1400"/>
-              <a:buNone/>
-              <a:defRPr/>
-            </a:lvl7pPr>
-            <a:lvl8pPr lvl="7" algn="l">
-              <a:spcBef>
-                <a:spcPts val="0"/>
-              </a:spcBef>
-              <a:spcAft>
-                <a:spcPts val="0"/>
-              </a:spcAft>
-              <a:buSzPts val="1400"/>
-              <a:buNone/>
-              <a:defRPr/>
-            </a:lvl8pPr>
-            <a:lvl9pPr lvl="8" algn="l">
-              <a:spcBef>
-                <a:spcPts val="0"/>
-              </a:spcBef>
-              <a:spcAft>
-                <a:spcPts val="0"/>
-              </a:spcAft>
-              <a:buSzPts val="1400"/>
-              <a:buNone/>
-              <a:defRPr/>
-            </a:lvl9pPr>
-          </a:lstStyle>
-          <a:p/>
-        </p:txBody>
-      </p:sp>
-      <p:sp>
-        <p:nvSpPr>
-          <p:cNvPr id="35" name="Google Shape;35;p7"/>
-          <p:cNvSpPr txBox="1"/>
-          <p:nvPr>
-            <p:ph idx="1" type="body"/>
-          </p:nvPr>
-        </p:nvSpPr>
-        <p:spPr>
-          <a:xfrm>
-            <a:off x="431800" y="945000"/>
-            <a:ext cx="8375700" cy="3375000"/>
-          </a:xfrm>
-          <a:prstGeom prst="rect">
-            <a:avLst/>
-          </a:prstGeom>
-          <a:noFill/>
-          <a:ln>
-            <a:noFill/>
-          </a:ln>
-        </p:spPr>
-        <p:txBody>
-          <a:bodyPr anchorCtr="0" anchor="t" bIns="0" lIns="0" spcFirstLastPara="1" rIns="0" wrap="square" tIns="0">
-            <a:noAutofit/>
-          </a:bodyPr>
-          <a:lstStyle>
-            <a:lvl1pPr indent="-317500" lvl="0" marL="457200" algn="l">
-              <a:spcBef>
-                <a:spcPts val="320"/>
-              </a:spcBef>
-              <a:spcAft>
-                <a:spcPts val="0"/>
-              </a:spcAft>
-              <a:buSzPts val="1400"/>
-              <a:buChar char="●"/>
-              <a:defRPr/>
-            </a:lvl1pPr>
-            <a:lvl2pPr indent="-342900" lvl="1" marL="914400" algn="l">
-              <a:spcBef>
-                <a:spcPts val="360"/>
-              </a:spcBef>
-              <a:spcAft>
-                <a:spcPts val="0"/>
-              </a:spcAft>
-              <a:buSzPts val="1800"/>
-              <a:buChar char="-"/>
-              <a:defRPr/>
-            </a:lvl2pPr>
-            <a:lvl3pPr indent="-342900" lvl="2" marL="1371600" algn="l">
-              <a:spcBef>
-                <a:spcPts val="360"/>
-              </a:spcBef>
-              <a:spcAft>
-                <a:spcPts val="0"/>
-              </a:spcAft>
-              <a:buSzPts val="1800"/>
-              <a:buChar char="■"/>
-              <a:defRPr/>
-            </a:lvl3pPr>
-            <a:lvl4pPr indent="-342900" lvl="3" marL="1828800" algn="l">
-              <a:spcBef>
-                <a:spcPts val="360"/>
-              </a:spcBef>
-              <a:spcAft>
-                <a:spcPts val="0"/>
-              </a:spcAft>
-              <a:buSzPts val="1800"/>
-              <a:buChar char="●"/>
-              <a:defRPr/>
-            </a:lvl4pPr>
-            <a:lvl5pPr indent="-342900" lvl="4" marL="2286000" algn="l">
-              <a:spcBef>
-                <a:spcPts val="360"/>
-              </a:spcBef>
-              <a:spcAft>
-                <a:spcPts val="0"/>
-              </a:spcAft>
-              <a:buSzPts val="1800"/>
-              <a:buChar char="○"/>
-              <a:defRPr/>
-            </a:lvl5pPr>
-            <a:lvl6pPr indent="-342900" lvl="5" marL="2743200" algn="l">
-              <a:spcBef>
-                <a:spcPts val="360"/>
-              </a:spcBef>
-              <a:spcAft>
-                <a:spcPts val="0"/>
-              </a:spcAft>
-              <a:buClr>
-                <a:schemeClr val="dk1"/>
-              </a:buClr>
-              <a:buSzPts val="1800"/>
-              <a:buChar char="■"/>
-              <a:defRPr/>
-            </a:lvl6pPr>
-            <a:lvl7pPr indent="-342900" lvl="6" marL="3200400" algn="l">
-              <a:spcBef>
-                <a:spcPts val="360"/>
-              </a:spcBef>
-              <a:spcAft>
-                <a:spcPts val="0"/>
-              </a:spcAft>
-              <a:buClr>
-                <a:schemeClr val="dk1"/>
-              </a:buClr>
-              <a:buSzPts val="1800"/>
-              <a:buChar char="●"/>
-              <a:defRPr/>
-            </a:lvl7pPr>
-            <a:lvl8pPr indent="-342900" lvl="7" marL="3657600" algn="l">
-              <a:spcBef>
-                <a:spcPts val="360"/>
-              </a:spcBef>
-              <a:spcAft>
-                <a:spcPts val="0"/>
-              </a:spcAft>
-              <a:buClr>
-                <a:schemeClr val="dk1"/>
-              </a:buClr>
-              <a:buSzPts val="1800"/>
-              <a:buChar char="○"/>
-              <a:defRPr/>
-            </a:lvl8pPr>
-            <a:lvl9pPr indent="-342900" lvl="8" marL="4114800" algn="l">
-              <a:spcBef>
-                <a:spcPts val="360"/>
-              </a:spcBef>
-              <a:spcAft>
-                <a:spcPts val="0"/>
-              </a:spcAft>
-              <a:buClr>
-                <a:schemeClr val="dk1"/>
-              </a:buClr>
-              <a:buSzPts val="1800"/>
-              <a:buChar char="■"/>
+              <a:lnSpc>
+                <a:spcPct val="100000"/>
+              </a:lnSpc>
+              <a:spcBef>
+                <a:spcPts val="0"/>
+              </a:spcBef>
+              <a:spcAft>
+                <a:spcPts val="0"/>
+              </a:spcAft>
+              <a:buSzPts val="1400"/>
+              <a:buNone/>
               <a:defRPr/>
             </a:lvl9pPr>
           </a:lstStyle>
@@ -5746,7 +6849,7 @@
       </p:grpSpPr>
       <p:sp>
         <p:nvSpPr>
-          <p:cNvPr id="37" name="Google Shape;37;p8"/>
+          <p:cNvPr id="37" name="Google Shape;37;p17"/>
           <p:cNvSpPr/>
           <p:nvPr/>
         </p:nvSpPr>
@@ -5772,18 +6875,26 @@
           <a:lstStyle/>
           <a:p>
             <a:pPr indent="0" lvl="0" marL="0" marR="0" rtl="0" algn="ctr">
-              <a:spcBef>
-                <a:spcPts val="0"/>
-              </a:spcBef>
-              <a:spcAft>
-                <a:spcPts val="0"/>
-              </a:spcAft>
+              <a:lnSpc>
+                <a:spcPct val="100000"/>
+              </a:lnSpc>
+              <a:spcBef>
+                <a:spcPts val="0"/>
+              </a:spcBef>
+              <a:spcAft>
+                <a:spcPts val="0"/>
+              </a:spcAft>
+              <a:buClr>
+                <a:srgbClr val="000000"/>
+              </a:buClr>
+              <a:buSzPts val="1800"/>
+              <a:buFont typeface="Arial"/>
               <a:buNone/>
             </a:pPr>
             <a:r>
               <a:t/>
             </a:r>
-            <a:endParaRPr sz="1800">
+            <a:endParaRPr b="0" i="0" sz="1800" u="none" cap="none" strike="noStrike">
               <a:solidFill>
                 <a:schemeClr val="accent2"/>
               </a:solidFill>
@@ -5797,7 +6908,7 @@
       </p:sp>
       <p:sp>
         <p:nvSpPr>
-          <p:cNvPr id="38" name="Google Shape;38;p8"/>
+          <p:cNvPr id="38" name="Google Shape;38;p17"/>
           <p:cNvSpPr txBox="1"/>
           <p:nvPr>
             <p:ph type="title"/>
@@ -5822,6 +6933,9 @@
           </a:bodyPr>
           <a:lstStyle>
             <a:lvl1pPr lvl="0" algn="l">
+              <a:lnSpc>
+                <a:spcPct val="100000"/>
+              </a:lnSpc>
               <a:spcBef>
                 <a:spcPts val="0"/>
               </a:spcBef>
@@ -5833,6 +6947,9 @@
               <a:defRPr/>
             </a:lvl1pPr>
             <a:lvl2pPr lvl="1" algn="l">
+              <a:lnSpc>
+                <a:spcPct val="100000"/>
+              </a:lnSpc>
               <a:spcBef>
                 <a:spcPts val="0"/>
               </a:spcBef>
@@ -5844,6 +6961,9 @@
               <a:defRPr/>
             </a:lvl2pPr>
             <a:lvl3pPr lvl="2" algn="l">
+              <a:lnSpc>
+                <a:spcPct val="100000"/>
+              </a:lnSpc>
               <a:spcBef>
                 <a:spcPts val="0"/>
               </a:spcBef>
@@ -5855,6 +6975,9 @@
               <a:defRPr/>
             </a:lvl3pPr>
             <a:lvl4pPr lvl="3" algn="l">
+              <a:lnSpc>
+                <a:spcPct val="100000"/>
+              </a:lnSpc>
               <a:spcBef>
                 <a:spcPts val="0"/>
               </a:spcBef>
@@ -5866,6 +6989,9 @@
               <a:defRPr/>
             </a:lvl4pPr>
             <a:lvl5pPr lvl="4" algn="l">
+              <a:lnSpc>
+                <a:spcPct val="100000"/>
+              </a:lnSpc>
               <a:spcBef>
                 <a:spcPts val="0"/>
               </a:spcBef>
@@ -5877,6 +7003,9 @@
               <a:defRPr/>
             </a:lvl5pPr>
             <a:lvl6pPr lvl="5" algn="l">
+              <a:lnSpc>
+                <a:spcPct val="100000"/>
+              </a:lnSpc>
               <a:spcBef>
                 <a:spcPts val="0"/>
               </a:spcBef>
@@ -5888,6 +7017,9 @@
               <a:defRPr/>
             </a:lvl6pPr>
             <a:lvl7pPr lvl="6" algn="l">
+              <a:lnSpc>
+                <a:spcPct val="100000"/>
+              </a:lnSpc>
               <a:spcBef>
                 <a:spcPts val="0"/>
               </a:spcBef>
@@ -5899,6 +7031,9 @@
               <a:defRPr/>
             </a:lvl7pPr>
             <a:lvl8pPr lvl="7" algn="l">
+              <a:lnSpc>
+                <a:spcPct val="100000"/>
+              </a:lnSpc>
               <a:spcBef>
                 <a:spcPts val="0"/>
               </a:spcBef>
@@ -5910,6 +7045,9 @@
               <a:defRPr/>
             </a:lvl8pPr>
             <a:lvl9pPr lvl="8" algn="l">
+              <a:lnSpc>
+                <a:spcPct val="100000"/>
+              </a:lnSpc>
               <a:spcBef>
                 <a:spcPts val="0"/>
               </a:spcBef>
@@ -5926,7 +7064,7 @@
       </p:sp>
       <p:sp>
         <p:nvSpPr>
-          <p:cNvPr id="39" name="Google Shape;39;p8"/>
+          <p:cNvPr id="39" name="Google Shape;39;p17"/>
           <p:cNvSpPr txBox="1"/>
           <p:nvPr>
             <p:ph idx="1" type="body"/>
@@ -5951,6 +7089,9 @@
           </a:bodyPr>
           <a:lstStyle>
             <a:lvl1pPr indent="-228600" lvl="0" marL="457200" algn="l">
+              <a:lnSpc>
+                <a:spcPct val="100000"/>
+              </a:lnSpc>
               <a:spcBef>
                 <a:spcPts val="360"/>
               </a:spcBef>
@@ -5962,6 +7103,9 @@
               <a:defRPr/>
             </a:lvl1pPr>
             <a:lvl2pPr indent="-342900" lvl="1" marL="914400" algn="l">
+              <a:lnSpc>
+                <a:spcPct val="100000"/>
+              </a:lnSpc>
               <a:spcBef>
                 <a:spcPts val="360"/>
               </a:spcBef>
@@ -5973,6 +7117,9 @@
               <a:defRPr/>
             </a:lvl2pPr>
             <a:lvl3pPr indent="-342900" lvl="2" marL="1371600" algn="l">
+              <a:lnSpc>
+                <a:spcPct val="100000"/>
+              </a:lnSpc>
               <a:spcBef>
                 <a:spcPts val="360"/>
               </a:spcBef>
@@ -5984,6 +7131,9 @@
               <a:defRPr/>
             </a:lvl3pPr>
             <a:lvl4pPr indent="-342900" lvl="3" marL="1828800" algn="l">
+              <a:lnSpc>
+                <a:spcPct val="100000"/>
+              </a:lnSpc>
               <a:spcBef>
                 <a:spcPts val="360"/>
               </a:spcBef>
@@ -5995,6 +7145,9 @@
               <a:defRPr/>
             </a:lvl4pPr>
             <a:lvl5pPr indent="-342900" lvl="4" marL="2286000" algn="l">
+              <a:lnSpc>
+                <a:spcPct val="100000"/>
+              </a:lnSpc>
               <a:spcBef>
                 <a:spcPts val="360"/>
               </a:spcBef>
@@ -6006,6 +7159,9 @@
               <a:defRPr/>
             </a:lvl5pPr>
             <a:lvl6pPr indent="-342900" lvl="5" marL="2743200" algn="l">
+              <a:lnSpc>
+                <a:spcPct val="100000"/>
+              </a:lnSpc>
               <a:spcBef>
                 <a:spcPts val="360"/>
               </a:spcBef>
@@ -6020,6 +7176,9 @@
               <a:defRPr/>
             </a:lvl6pPr>
             <a:lvl7pPr indent="-342900" lvl="6" marL="3200400" algn="l">
+              <a:lnSpc>
+                <a:spcPct val="100000"/>
+              </a:lnSpc>
               <a:spcBef>
                 <a:spcPts val="360"/>
               </a:spcBef>
@@ -6034,6 +7193,9 @@
               <a:defRPr/>
             </a:lvl7pPr>
             <a:lvl8pPr indent="-342900" lvl="7" marL="3657600" algn="l">
+              <a:lnSpc>
+                <a:spcPct val="100000"/>
+              </a:lnSpc>
               <a:spcBef>
                 <a:spcPts val="360"/>
               </a:spcBef>
@@ -6048,6 +7210,9 @@
               <a:defRPr/>
             </a:lvl8pPr>
             <a:lvl9pPr indent="-342900" lvl="8" marL="4114800" algn="l">
+              <a:lnSpc>
+                <a:spcPct val="100000"/>
+              </a:lnSpc>
               <a:spcBef>
                 <a:spcPts val="360"/>
               </a:spcBef>
@@ -6067,7 +7232,7 @@
       </p:sp>
       <p:sp>
         <p:nvSpPr>
-          <p:cNvPr id="40" name="Google Shape;40;p8"/>
+          <p:cNvPr id="40" name="Google Shape;40;p17"/>
           <p:cNvSpPr txBox="1"/>
           <p:nvPr>
             <p:ph idx="2" type="body"/>
@@ -6092,6 +7257,9 @@
           </a:bodyPr>
           <a:lstStyle>
             <a:lvl1pPr indent="-228600" lvl="0" marL="457200" algn="l">
+              <a:lnSpc>
+                <a:spcPct val="100000"/>
+              </a:lnSpc>
               <a:spcBef>
                 <a:spcPts val="360"/>
               </a:spcBef>
@@ -6103,6 +7271,9 @@
               <a:defRPr/>
             </a:lvl1pPr>
             <a:lvl2pPr indent="-342900" lvl="1" marL="914400" algn="l">
+              <a:lnSpc>
+                <a:spcPct val="100000"/>
+              </a:lnSpc>
               <a:spcBef>
                 <a:spcPts val="360"/>
               </a:spcBef>
@@ -6114,6 +7285,9 @@
               <a:defRPr/>
             </a:lvl2pPr>
             <a:lvl3pPr indent="-342900" lvl="2" marL="1371600" algn="l">
+              <a:lnSpc>
+                <a:spcPct val="100000"/>
+              </a:lnSpc>
               <a:spcBef>
                 <a:spcPts val="360"/>
               </a:spcBef>
@@ -6125,6 +7299,9 @@
               <a:defRPr/>
             </a:lvl3pPr>
             <a:lvl4pPr indent="-342900" lvl="3" marL="1828800" algn="l">
+              <a:lnSpc>
+                <a:spcPct val="100000"/>
+              </a:lnSpc>
               <a:spcBef>
                 <a:spcPts val="360"/>
               </a:spcBef>
@@ -6136,6 +7313,9 @@
               <a:defRPr/>
             </a:lvl4pPr>
             <a:lvl5pPr indent="-342900" lvl="4" marL="2286000" algn="l">
+              <a:lnSpc>
+                <a:spcPct val="100000"/>
+              </a:lnSpc>
               <a:spcBef>
                 <a:spcPts val="360"/>
               </a:spcBef>
@@ -6147,6 +7327,9 @@
               <a:defRPr/>
             </a:lvl5pPr>
             <a:lvl6pPr indent="-342900" lvl="5" marL="2743200" algn="l">
+              <a:lnSpc>
+                <a:spcPct val="100000"/>
+              </a:lnSpc>
               <a:spcBef>
                 <a:spcPts val="360"/>
               </a:spcBef>
@@ -6161,6 +7344,9 @@
               <a:defRPr/>
             </a:lvl6pPr>
             <a:lvl7pPr indent="-342900" lvl="6" marL="3200400" algn="l">
+              <a:lnSpc>
+                <a:spcPct val="100000"/>
+              </a:lnSpc>
               <a:spcBef>
                 <a:spcPts val="360"/>
               </a:spcBef>
@@ -6175,6 +7361,9 @@
               <a:defRPr/>
             </a:lvl7pPr>
             <a:lvl8pPr indent="-342900" lvl="7" marL="3657600" algn="l">
+              <a:lnSpc>
+                <a:spcPct val="100000"/>
+              </a:lnSpc>
               <a:spcBef>
                 <a:spcPts val="360"/>
               </a:spcBef>
@@ -6189,6 +7378,9 @@
               <a:defRPr/>
             </a:lvl8pPr>
             <a:lvl9pPr indent="-342900" lvl="8" marL="4114800" algn="l">
+              <a:lnSpc>
+                <a:spcPct val="100000"/>
+              </a:lnSpc>
               <a:spcBef>
                 <a:spcPts val="360"/>
               </a:spcBef>
@@ -6233,7 +7425,7 @@
       </p:grpSpPr>
       <p:sp>
         <p:nvSpPr>
-          <p:cNvPr id="42" name="Google Shape;42;p9"/>
+          <p:cNvPr id="42" name="Google Shape;42;p18"/>
           <p:cNvSpPr/>
           <p:nvPr/>
         </p:nvSpPr>
@@ -6259,18 +7451,26 @@
           <a:lstStyle/>
           <a:p>
             <a:pPr indent="0" lvl="0" marL="0" marR="0" rtl="0" algn="ctr">
-              <a:spcBef>
-                <a:spcPts val="0"/>
-              </a:spcBef>
-              <a:spcAft>
-                <a:spcPts val="0"/>
-              </a:spcAft>
+              <a:lnSpc>
+                <a:spcPct val="100000"/>
+              </a:lnSpc>
+              <a:spcBef>
+                <a:spcPts val="0"/>
+              </a:spcBef>
+              <a:spcAft>
+                <a:spcPts val="0"/>
+              </a:spcAft>
+              <a:buClr>
+                <a:srgbClr val="000000"/>
+              </a:buClr>
+              <a:buSzPts val="1800"/>
+              <a:buFont typeface="Arial"/>
               <a:buNone/>
             </a:pPr>
             <a:r>
               <a:t/>
             </a:r>
-            <a:endParaRPr sz="1800">
+            <a:endParaRPr b="0" i="0" sz="1800" u="none" cap="none" strike="noStrike">
               <a:solidFill>
                 <a:schemeClr val="accent2"/>
               </a:solidFill>
@@ -6284,7 +7484,7 @@
       </p:sp>
       <p:sp>
         <p:nvSpPr>
-          <p:cNvPr id="43" name="Google Shape;43;p9"/>
+          <p:cNvPr id="43" name="Google Shape;43;p18"/>
           <p:cNvSpPr txBox="1"/>
           <p:nvPr>
             <p:ph type="title"/>
@@ -6309,6 +7509,9 @@
           </a:bodyPr>
           <a:lstStyle>
             <a:lvl1pPr lvl="0" algn="l">
+              <a:lnSpc>
+                <a:spcPct val="100000"/>
+              </a:lnSpc>
               <a:spcBef>
                 <a:spcPts val="0"/>
               </a:spcBef>
@@ -6320,6 +7523,9 @@
               <a:defRPr/>
             </a:lvl1pPr>
             <a:lvl2pPr lvl="1" algn="l">
+              <a:lnSpc>
+                <a:spcPct val="100000"/>
+              </a:lnSpc>
               <a:spcBef>
                 <a:spcPts val="0"/>
               </a:spcBef>
@@ -6331,6 +7537,9 @@
               <a:defRPr/>
             </a:lvl2pPr>
             <a:lvl3pPr lvl="2" algn="l">
+              <a:lnSpc>
+                <a:spcPct val="100000"/>
+              </a:lnSpc>
               <a:spcBef>
                 <a:spcPts val="0"/>
               </a:spcBef>
@@ -6342,6 +7551,9 @@
               <a:defRPr/>
             </a:lvl3pPr>
             <a:lvl4pPr lvl="3" algn="l">
+              <a:lnSpc>
+                <a:spcPct val="100000"/>
+              </a:lnSpc>
               <a:spcBef>
                 <a:spcPts val="0"/>
               </a:spcBef>
@@ -6353,6 +7565,9 @@
               <a:defRPr/>
             </a:lvl4pPr>
             <a:lvl5pPr lvl="4" algn="l">
+              <a:lnSpc>
+                <a:spcPct val="100000"/>
+              </a:lnSpc>
               <a:spcBef>
                 <a:spcPts val="0"/>
               </a:spcBef>
@@ -6364,6 +7579,9 @@
               <a:defRPr/>
             </a:lvl5pPr>
             <a:lvl6pPr lvl="5" algn="l">
+              <a:lnSpc>
+                <a:spcPct val="100000"/>
+              </a:lnSpc>
               <a:spcBef>
                 <a:spcPts val="0"/>
               </a:spcBef>
@@ -6375,6 +7593,9 @@
               <a:defRPr/>
             </a:lvl6pPr>
             <a:lvl7pPr lvl="6" algn="l">
+              <a:lnSpc>
+                <a:spcPct val="100000"/>
+              </a:lnSpc>
               <a:spcBef>
                 <a:spcPts val="0"/>
               </a:spcBef>
@@ -6386,6 +7607,9 @@
               <a:defRPr/>
             </a:lvl7pPr>
             <a:lvl8pPr lvl="7" algn="l">
+              <a:lnSpc>
+                <a:spcPct val="100000"/>
+              </a:lnSpc>
               <a:spcBef>
                 <a:spcPts val="0"/>
               </a:spcBef>
@@ -6397,6 +7621,9 @@
               <a:defRPr/>
             </a:lvl8pPr>
             <a:lvl9pPr lvl="8" algn="l">
+              <a:lnSpc>
+                <a:spcPct val="100000"/>
+              </a:lnSpc>
               <a:spcBef>
                 <a:spcPts val="0"/>
               </a:spcBef>
@@ -6413,7 +7640,7 @@
       </p:sp>
       <p:sp>
         <p:nvSpPr>
-          <p:cNvPr id="44" name="Google Shape;44;p9"/>
+          <p:cNvPr id="44" name="Google Shape;44;p18"/>
           <p:cNvSpPr/>
           <p:nvPr>
             <p:ph idx="2" type="chart"/>
@@ -6438,13 +7665,20 @@
           </a:bodyPr>
           <a:lstStyle>
             <a:lvl1pPr lvl="0" marR="0" rtl="0" algn="l">
+              <a:lnSpc>
+                <a:spcPct val="100000"/>
+              </a:lnSpc>
               <a:spcBef>
                 <a:spcPts val="320"/>
               </a:spcBef>
               <a:spcAft>
                 <a:spcPts val="0"/>
               </a:spcAft>
-              <a:buSzPts val="1400"/>
+              <a:buClr>
+                <a:srgbClr val="000000"/>
+              </a:buClr>
+              <a:buSzPts val="1400"/>
+              <a:buFont typeface="Arial"/>
               <a:buNone/>
               <a:defRPr b="0" i="0" sz="1600" u="none" cap="none" strike="noStrike">
                 <a:solidFill>
@@ -6457,6 +7691,9 @@
               </a:defRPr>
             </a:lvl1pPr>
             <a:lvl2pPr lvl="1" marR="0" rtl="0" algn="l">
+              <a:lnSpc>
+                <a:spcPct val="100000"/>
+              </a:lnSpc>
               <a:spcBef>
                 <a:spcPts val="320"/>
               </a:spcBef>
@@ -6480,6 +7717,9 @@
               </a:defRPr>
             </a:lvl2pPr>
             <a:lvl3pPr lvl="2" marR="0" rtl="0" algn="l">
+              <a:lnSpc>
+                <a:spcPct val="100000"/>
+              </a:lnSpc>
               <a:spcBef>
                 <a:spcPts val="320"/>
               </a:spcBef>
@@ -6503,6 +7743,9 @@
               </a:defRPr>
             </a:lvl3pPr>
             <a:lvl4pPr lvl="3" marR="0" rtl="0" algn="l">
+              <a:lnSpc>
+                <a:spcPct val="100000"/>
+              </a:lnSpc>
               <a:spcBef>
                 <a:spcPts val="320"/>
               </a:spcBef>
@@ -6526,6 +7769,9 @@
               </a:defRPr>
             </a:lvl4pPr>
             <a:lvl5pPr lvl="4" marR="0" rtl="0" algn="l">
+              <a:lnSpc>
+                <a:spcPct val="100000"/>
+              </a:lnSpc>
               <a:spcBef>
                 <a:spcPts val="320"/>
               </a:spcBef>
@@ -6549,6 +7795,9 @@
               </a:defRPr>
             </a:lvl5pPr>
             <a:lvl6pPr lvl="5" marR="0" rtl="0" algn="l">
+              <a:lnSpc>
+                <a:spcPct val="100000"/>
+              </a:lnSpc>
               <a:spcBef>
                 <a:spcPts val="320"/>
               </a:spcBef>
@@ -6572,6 +7821,9 @@
               </a:defRPr>
             </a:lvl6pPr>
             <a:lvl7pPr lvl="6" marR="0" rtl="0" algn="l">
+              <a:lnSpc>
+                <a:spcPct val="100000"/>
+              </a:lnSpc>
               <a:spcBef>
                 <a:spcPts val="320"/>
               </a:spcBef>
@@ -6595,6 +7847,9 @@
               </a:defRPr>
             </a:lvl7pPr>
             <a:lvl8pPr lvl="7" marR="0" rtl="0" algn="l">
+              <a:lnSpc>
+                <a:spcPct val="100000"/>
+              </a:lnSpc>
               <a:spcBef>
                 <a:spcPts val="320"/>
               </a:spcBef>
@@ -6618,6 +7873,9 @@
               </a:defRPr>
             </a:lvl8pPr>
             <a:lvl9pPr lvl="8" marR="0" rtl="0" algn="l">
+              <a:lnSpc>
+                <a:spcPct val="100000"/>
+              </a:lnSpc>
               <a:spcBef>
                 <a:spcPts val="320"/>
               </a:spcBef>
@@ -6671,7 +7929,7 @@
       </p:grpSpPr>
       <p:sp>
         <p:nvSpPr>
-          <p:cNvPr id="46" name="Google Shape;46;p10"/>
+          <p:cNvPr id="46" name="Google Shape;46;p19"/>
           <p:cNvSpPr/>
           <p:nvPr/>
         </p:nvSpPr>
@@ -6697,18 +7955,26 @@
           <a:lstStyle/>
           <a:p>
             <a:pPr indent="0" lvl="0" marL="0" marR="0" rtl="0" algn="ctr">
-              <a:spcBef>
-                <a:spcPts val="0"/>
-              </a:spcBef>
-              <a:spcAft>
-                <a:spcPts val="0"/>
-              </a:spcAft>
+              <a:lnSpc>
+                <a:spcPct val="100000"/>
+              </a:lnSpc>
+              <a:spcBef>
+                <a:spcPts val="0"/>
+              </a:spcBef>
+              <a:spcAft>
+                <a:spcPts val="0"/>
+              </a:spcAft>
+              <a:buClr>
+                <a:srgbClr val="000000"/>
+              </a:buClr>
+              <a:buSzPts val="1800"/>
+              <a:buFont typeface="Arial"/>
               <a:buNone/>
             </a:pPr>
             <a:r>
               <a:t/>
             </a:r>
-            <a:endParaRPr sz="1800">
+            <a:endParaRPr b="0" i="0" sz="1800" u="none" cap="none" strike="noStrike">
               <a:solidFill>
                 <a:schemeClr val="accent2"/>
               </a:solidFill>
@@ -6722,7 +7988,7 @@
       </p:sp>
       <p:sp>
         <p:nvSpPr>
-          <p:cNvPr id="47" name="Google Shape;47;p10"/>
+          <p:cNvPr id="47" name="Google Shape;47;p19"/>
           <p:cNvSpPr txBox="1"/>
           <p:nvPr>
             <p:ph type="title"/>
@@ -6747,6 +8013,9 @@
           </a:bodyPr>
           <a:lstStyle>
             <a:lvl1pPr lvl="0" algn="l">
+              <a:lnSpc>
+                <a:spcPct val="100000"/>
+              </a:lnSpc>
               <a:spcBef>
                 <a:spcPts val="0"/>
               </a:spcBef>
@@ -6762,6 +8031,9 @@
               </a:defRPr>
             </a:lvl1pPr>
             <a:lvl2pPr lvl="1" algn="l">
+              <a:lnSpc>
+                <a:spcPct val="100000"/>
+              </a:lnSpc>
               <a:spcBef>
                 <a:spcPts val="0"/>
               </a:spcBef>
@@ -6773,6 +8045,9 @@
               <a:defRPr/>
             </a:lvl2pPr>
             <a:lvl3pPr lvl="2" algn="l">
+              <a:lnSpc>
+                <a:spcPct val="100000"/>
+              </a:lnSpc>
               <a:spcBef>
                 <a:spcPts val="0"/>
               </a:spcBef>
@@ -6784,6 +8059,9 @@
               <a:defRPr/>
             </a:lvl3pPr>
             <a:lvl4pPr lvl="3" algn="l">
+              <a:lnSpc>
+                <a:spcPct val="100000"/>
+              </a:lnSpc>
               <a:spcBef>
                 <a:spcPts val="0"/>
               </a:spcBef>
@@ -6795,6 +8073,9 @@
               <a:defRPr/>
             </a:lvl4pPr>
             <a:lvl5pPr lvl="4" algn="l">
+              <a:lnSpc>
+                <a:spcPct val="100000"/>
+              </a:lnSpc>
               <a:spcBef>
                 <a:spcPts val="0"/>
               </a:spcBef>
@@ -6806,6 +8087,9 @@
               <a:defRPr/>
             </a:lvl5pPr>
             <a:lvl6pPr lvl="5" algn="l">
+              <a:lnSpc>
+                <a:spcPct val="100000"/>
+              </a:lnSpc>
               <a:spcBef>
                 <a:spcPts val="0"/>
               </a:spcBef>
@@ -6817,6 +8101,9 @@
               <a:defRPr/>
             </a:lvl6pPr>
             <a:lvl7pPr lvl="6" algn="l">
+              <a:lnSpc>
+                <a:spcPct val="100000"/>
+              </a:lnSpc>
               <a:spcBef>
                 <a:spcPts val="0"/>
               </a:spcBef>
@@ -6828,6 +8115,9 @@
               <a:defRPr/>
             </a:lvl7pPr>
             <a:lvl8pPr lvl="7" algn="l">
+              <a:lnSpc>
+                <a:spcPct val="100000"/>
+              </a:lnSpc>
               <a:spcBef>
                 <a:spcPts val="0"/>
               </a:spcBef>
@@ -6839,6 +8129,9 @@
               <a:defRPr/>
             </a:lvl8pPr>
             <a:lvl9pPr lvl="8" algn="l">
+              <a:lnSpc>
+                <a:spcPct val="100000"/>
+              </a:lnSpc>
               <a:spcBef>
                 <a:spcPts val="0"/>
               </a:spcBef>
@@ -6855,7 +8148,7 @@
       </p:sp>
       <p:sp>
         <p:nvSpPr>
-          <p:cNvPr id="48" name="Google Shape;48;p10"/>
+          <p:cNvPr id="48" name="Google Shape;48;p19"/>
           <p:cNvSpPr txBox="1"/>
           <p:nvPr>
             <p:ph idx="1" type="body"/>
@@ -6880,6 +8173,9 @@
           </a:bodyPr>
           <a:lstStyle>
             <a:lvl1pPr indent="-228600" lvl="0" marL="457200" algn="l">
+              <a:lnSpc>
+                <a:spcPct val="100000"/>
+              </a:lnSpc>
               <a:spcBef>
                 <a:spcPts val="360"/>
               </a:spcBef>
@@ -6891,6 +8187,9 @@
               <a:defRPr/>
             </a:lvl1pPr>
             <a:lvl2pPr indent="-342900" lvl="1" marL="914400" algn="l">
+              <a:lnSpc>
+                <a:spcPct val="100000"/>
+              </a:lnSpc>
               <a:spcBef>
                 <a:spcPts val="360"/>
               </a:spcBef>
@@ -6902,6 +8201,9 @@
               <a:defRPr/>
             </a:lvl2pPr>
             <a:lvl3pPr indent="-342900" lvl="2" marL="1371600" algn="l">
+              <a:lnSpc>
+                <a:spcPct val="100000"/>
+              </a:lnSpc>
               <a:spcBef>
                 <a:spcPts val="360"/>
               </a:spcBef>
@@ -6913,6 +8215,9 @@
               <a:defRPr/>
             </a:lvl3pPr>
             <a:lvl4pPr indent="-342900" lvl="3" marL="1828800" algn="l">
+              <a:lnSpc>
+                <a:spcPct val="100000"/>
+              </a:lnSpc>
               <a:spcBef>
                 <a:spcPts val="360"/>
               </a:spcBef>
@@ -6924,6 +8229,9 @@
               <a:defRPr/>
             </a:lvl4pPr>
             <a:lvl5pPr indent="-342900" lvl="4" marL="2286000" algn="l">
+              <a:lnSpc>
+                <a:spcPct val="100000"/>
+              </a:lnSpc>
               <a:spcBef>
                 <a:spcPts val="360"/>
               </a:spcBef>
@@ -6935,6 +8243,9 @@
               <a:defRPr/>
             </a:lvl5pPr>
             <a:lvl6pPr indent="-342900" lvl="5" marL="2743200" algn="l">
+              <a:lnSpc>
+                <a:spcPct val="100000"/>
+              </a:lnSpc>
               <a:spcBef>
                 <a:spcPts val="360"/>
               </a:spcBef>
@@ -6949,6 +8260,9 @@
               <a:defRPr/>
             </a:lvl6pPr>
             <a:lvl7pPr indent="-342900" lvl="6" marL="3200400" algn="l">
+              <a:lnSpc>
+                <a:spcPct val="100000"/>
+              </a:lnSpc>
               <a:spcBef>
                 <a:spcPts val="360"/>
               </a:spcBef>
@@ -6963,6 +8277,9 @@
               <a:defRPr/>
             </a:lvl7pPr>
             <a:lvl8pPr indent="-342900" lvl="7" marL="3657600" algn="l">
+              <a:lnSpc>
+                <a:spcPct val="100000"/>
+              </a:lnSpc>
               <a:spcBef>
                 <a:spcPts val="360"/>
               </a:spcBef>
@@ -6977,6 +8294,9 @@
               <a:defRPr/>
             </a:lvl8pPr>
             <a:lvl9pPr indent="-342900" lvl="8" marL="4114800" algn="l">
+              <a:lnSpc>
+                <a:spcPct val="100000"/>
+              </a:lnSpc>
               <a:spcBef>
                 <a:spcPts val="360"/>
               </a:spcBef>
@@ -7028,7 +8348,7 @@
       </p:grpSpPr>
       <p:sp>
         <p:nvSpPr>
-          <p:cNvPr id="6" name="Google Shape;6;p1"/>
+          <p:cNvPr id="6" name="Google Shape;6;p10"/>
           <p:cNvSpPr txBox="1"/>
           <p:nvPr>
             <p:ph type="title"/>
@@ -7053,13 +8373,20 @@
           </a:bodyPr>
           <a:lstStyle>
             <a:lvl1pPr lvl="0" marR="0" rtl="0" algn="l">
-              <a:spcBef>
-                <a:spcPts val="0"/>
-              </a:spcBef>
-              <a:spcAft>
-                <a:spcPts val="0"/>
-              </a:spcAft>
-              <a:buSzPts val="1400"/>
+              <a:lnSpc>
+                <a:spcPct val="100000"/>
+              </a:lnSpc>
+              <a:spcBef>
+                <a:spcPts val="0"/>
+              </a:spcBef>
+              <a:spcAft>
+                <a:spcPts val="0"/>
+              </a:spcAft>
+              <a:buClr>
+                <a:srgbClr val="000000"/>
+              </a:buClr>
+              <a:buSzPts val="1400"/>
+              <a:buFont typeface="Arial"/>
               <a:buNone/>
               <a:defRPr b="1" i="0" sz="2200" u="none" cap="none" strike="noStrike">
                 <a:solidFill>
@@ -7072,13 +8399,20 @@
               </a:defRPr>
             </a:lvl1pPr>
             <a:lvl2pPr lvl="1" marR="0" rtl="0" algn="l">
-              <a:spcBef>
-                <a:spcPts val="0"/>
-              </a:spcBef>
-              <a:spcAft>
-                <a:spcPts val="0"/>
-              </a:spcAft>
-              <a:buSzPts val="1400"/>
+              <a:lnSpc>
+                <a:spcPct val="100000"/>
+              </a:lnSpc>
+              <a:spcBef>
+                <a:spcPts val="0"/>
+              </a:spcBef>
+              <a:spcAft>
+                <a:spcPts val="0"/>
+              </a:spcAft>
+              <a:buClr>
+                <a:srgbClr val="000000"/>
+              </a:buClr>
+              <a:buSzPts val="1400"/>
+              <a:buFont typeface="Arial"/>
               <a:buNone/>
               <a:defRPr b="1" i="0" sz="2200" u="none" cap="none" strike="noStrike">
                 <a:solidFill>
@@ -7091,13 +8425,20 @@
               </a:defRPr>
             </a:lvl2pPr>
             <a:lvl3pPr lvl="2" marR="0" rtl="0" algn="l">
-              <a:spcBef>
-                <a:spcPts val="0"/>
-              </a:spcBef>
-              <a:spcAft>
-                <a:spcPts val="0"/>
-              </a:spcAft>
-              <a:buSzPts val="1400"/>
+              <a:lnSpc>
+                <a:spcPct val="100000"/>
+              </a:lnSpc>
+              <a:spcBef>
+                <a:spcPts val="0"/>
+              </a:spcBef>
+              <a:spcAft>
+                <a:spcPts val="0"/>
+              </a:spcAft>
+              <a:buClr>
+                <a:srgbClr val="000000"/>
+              </a:buClr>
+              <a:buSzPts val="1400"/>
+              <a:buFont typeface="Arial"/>
               <a:buNone/>
               <a:defRPr b="1" i="0" sz="2200" u="none" cap="none" strike="noStrike">
                 <a:solidFill>
@@ -7110,13 +8451,20 @@
               </a:defRPr>
             </a:lvl3pPr>
             <a:lvl4pPr lvl="3" marR="0" rtl="0" algn="l">
-              <a:spcBef>
-                <a:spcPts val="0"/>
-              </a:spcBef>
-              <a:spcAft>
-                <a:spcPts val="0"/>
-              </a:spcAft>
-              <a:buSzPts val="1400"/>
+              <a:lnSpc>
+                <a:spcPct val="100000"/>
+              </a:lnSpc>
+              <a:spcBef>
+                <a:spcPts val="0"/>
+              </a:spcBef>
+              <a:spcAft>
+                <a:spcPts val="0"/>
+              </a:spcAft>
+              <a:buClr>
+                <a:srgbClr val="000000"/>
+              </a:buClr>
+              <a:buSzPts val="1400"/>
+              <a:buFont typeface="Arial"/>
               <a:buNone/>
               <a:defRPr b="1" i="0" sz="2200" u="none" cap="none" strike="noStrike">
                 <a:solidFill>
@@ -7129,13 +8477,20 @@
               </a:defRPr>
             </a:lvl4pPr>
             <a:lvl5pPr lvl="4" marR="0" rtl="0" algn="l">
-              <a:spcBef>
-                <a:spcPts val="0"/>
-              </a:spcBef>
-              <a:spcAft>
-                <a:spcPts val="0"/>
-              </a:spcAft>
-              <a:buSzPts val="1400"/>
+              <a:lnSpc>
+                <a:spcPct val="100000"/>
+              </a:lnSpc>
+              <a:spcBef>
+                <a:spcPts val="0"/>
+              </a:spcBef>
+              <a:spcAft>
+                <a:spcPts val="0"/>
+              </a:spcAft>
+              <a:buClr>
+                <a:srgbClr val="000000"/>
+              </a:buClr>
+              <a:buSzPts val="1400"/>
+              <a:buFont typeface="Arial"/>
               <a:buNone/>
               <a:defRPr b="1" i="0" sz="2200" u="none" cap="none" strike="noStrike">
                 <a:solidFill>
@@ -7148,13 +8503,20 @@
               </a:defRPr>
             </a:lvl5pPr>
             <a:lvl6pPr lvl="5" marR="0" rtl="0" algn="l">
-              <a:spcBef>
-                <a:spcPts val="0"/>
-              </a:spcBef>
-              <a:spcAft>
-                <a:spcPts val="0"/>
-              </a:spcAft>
-              <a:buSzPts val="1400"/>
+              <a:lnSpc>
+                <a:spcPct val="100000"/>
+              </a:lnSpc>
+              <a:spcBef>
+                <a:spcPts val="0"/>
+              </a:spcBef>
+              <a:spcAft>
+                <a:spcPts val="0"/>
+              </a:spcAft>
+              <a:buClr>
+                <a:srgbClr val="000000"/>
+              </a:buClr>
+              <a:buSzPts val="1400"/>
+              <a:buFont typeface="Arial"/>
               <a:buNone/>
               <a:defRPr b="1" i="0" sz="2200" u="none" cap="none" strike="noStrike">
                 <a:solidFill>
@@ -7167,13 +8529,20 @@
               </a:defRPr>
             </a:lvl6pPr>
             <a:lvl7pPr lvl="6" marR="0" rtl="0" algn="l">
-              <a:spcBef>
-                <a:spcPts val="0"/>
-              </a:spcBef>
-              <a:spcAft>
-                <a:spcPts val="0"/>
-              </a:spcAft>
-              <a:buSzPts val="1400"/>
+              <a:lnSpc>
+                <a:spcPct val="100000"/>
+              </a:lnSpc>
+              <a:spcBef>
+                <a:spcPts val="0"/>
+              </a:spcBef>
+              <a:spcAft>
+                <a:spcPts val="0"/>
+              </a:spcAft>
+              <a:buClr>
+                <a:srgbClr val="000000"/>
+              </a:buClr>
+              <a:buSzPts val="1400"/>
+              <a:buFont typeface="Arial"/>
               <a:buNone/>
               <a:defRPr b="1" i="0" sz="2200" u="none" cap="none" strike="noStrike">
                 <a:solidFill>
@@ -7186,13 +8555,20 @@
               </a:defRPr>
             </a:lvl7pPr>
             <a:lvl8pPr lvl="7" marR="0" rtl="0" algn="l">
-              <a:spcBef>
-                <a:spcPts val="0"/>
-              </a:spcBef>
-              <a:spcAft>
-                <a:spcPts val="0"/>
-              </a:spcAft>
-              <a:buSzPts val="1400"/>
+              <a:lnSpc>
+                <a:spcPct val="100000"/>
+              </a:lnSpc>
+              <a:spcBef>
+                <a:spcPts val="0"/>
+              </a:spcBef>
+              <a:spcAft>
+                <a:spcPts val="0"/>
+              </a:spcAft>
+              <a:buClr>
+                <a:srgbClr val="000000"/>
+              </a:buClr>
+              <a:buSzPts val="1400"/>
+              <a:buFont typeface="Arial"/>
               <a:buNone/>
               <a:defRPr b="1" i="0" sz="2200" u="none" cap="none" strike="noStrike">
                 <a:solidFill>
@@ -7205,13 +8581,20 @@
               </a:defRPr>
             </a:lvl8pPr>
             <a:lvl9pPr lvl="8" marR="0" rtl="0" algn="l">
-              <a:spcBef>
-                <a:spcPts val="0"/>
-              </a:spcBef>
-              <a:spcAft>
-                <a:spcPts val="0"/>
-              </a:spcAft>
-              <a:buSzPts val="1400"/>
+              <a:lnSpc>
+                <a:spcPct val="100000"/>
+              </a:lnSpc>
+              <a:spcBef>
+                <a:spcPts val="0"/>
+              </a:spcBef>
+              <a:spcAft>
+                <a:spcPts val="0"/>
+              </a:spcAft>
+              <a:buClr>
+                <a:srgbClr val="000000"/>
+              </a:buClr>
+              <a:buSzPts val="1400"/>
+              <a:buFont typeface="Arial"/>
               <a:buNone/>
               <a:defRPr b="1" i="0" sz="2200" u="none" cap="none" strike="noStrike">
                 <a:solidFill>
@@ -7229,7 +8612,7 @@
       </p:sp>
       <p:sp>
         <p:nvSpPr>
-          <p:cNvPr id="7" name="Google Shape;7;p1"/>
+          <p:cNvPr id="7" name="Google Shape;7;p10"/>
           <p:cNvSpPr txBox="1"/>
           <p:nvPr>
             <p:ph idx="1" type="body"/>
@@ -7254,13 +8637,20 @@
           </a:bodyPr>
           <a:lstStyle>
             <a:lvl1pPr indent="-228600" lvl="0" marL="457200" marR="0" rtl="0" algn="l">
+              <a:lnSpc>
+                <a:spcPct val="100000"/>
+              </a:lnSpc>
               <a:spcBef>
                 <a:spcPts val="320"/>
               </a:spcBef>
               <a:spcAft>
                 <a:spcPts val="0"/>
               </a:spcAft>
-              <a:buSzPts val="1400"/>
+              <a:buClr>
+                <a:srgbClr val="000000"/>
+              </a:buClr>
+              <a:buSzPts val="1400"/>
+              <a:buFont typeface="Arial"/>
               <a:buNone/>
               <a:defRPr b="0" i="0" sz="1600" u="none" cap="none" strike="noStrike">
                 <a:solidFill>
@@ -7273,6 +8663,9 @@
               </a:defRPr>
             </a:lvl1pPr>
             <a:lvl2pPr indent="-330200" lvl="1" marL="914400" marR="0" rtl="0" algn="l">
+              <a:lnSpc>
+                <a:spcPct val="100000"/>
+              </a:lnSpc>
               <a:spcBef>
                 <a:spcPts val="320"/>
               </a:spcBef>
@@ -7296,6 +8689,9 @@
               </a:defRPr>
             </a:lvl2pPr>
             <a:lvl3pPr indent="-330200" lvl="2" marL="1371600" marR="0" rtl="0" algn="l">
+              <a:lnSpc>
+                <a:spcPct val="100000"/>
+              </a:lnSpc>
               <a:spcBef>
                 <a:spcPts val="320"/>
               </a:spcBef>
@@ -7319,6 +8715,9 @@
               </a:defRPr>
             </a:lvl3pPr>
             <a:lvl4pPr indent="-330200" lvl="3" marL="1828800" marR="0" rtl="0" algn="l">
+              <a:lnSpc>
+                <a:spcPct val="100000"/>
+              </a:lnSpc>
               <a:spcBef>
                 <a:spcPts val="320"/>
               </a:spcBef>
@@ -7342,6 +8741,9 @@
               </a:defRPr>
             </a:lvl4pPr>
             <a:lvl5pPr indent="-330200" lvl="4" marL="2286000" marR="0" rtl="0" algn="l">
+              <a:lnSpc>
+                <a:spcPct val="100000"/>
+              </a:lnSpc>
               <a:spcBef>
                 <a:spcPts val="320"/>
               </a:spcBef>
@@ -7365,6 +8767,9 @@
               </a:defRPr>
             </a:lvl5pPr>
             <a:lvl6pPr indent="-330200" lvl="5" marL="2743200" marR="0" rtl="0" algn="l">
+              <a:lnSpc>
+                <a:spcPct val="100000"/>
+              </a:lnSpc>
               <a:spcBef>
                 <a:spcPts val="320"/>
               </a:spcBef>
@@ -7388,6 +8793,9 @@
               </a:defRPr>
             </a:lvl6pPr>
             <a:lvl7pPr indent="-330200" lvl="6" marL="3200400" marR="0" rtl="0" algn="l">
+              <a:lnSpc>
+                <a:spcPct val="100000"/>
+              </a:lnSpc>
               <a:spcBef>
                 <a:spcPts val="320"/>
               </a:spcBef>
@@ -7411,6 +8819,9 @@
               </a:defRPr>
             </a:lvl7pPr>
             <a:lvl8pPr indent="-330200" lvl="7" marL="3657600" marR="0" rtl="0" algn="l">
+              <a:lnSpc>
+                <a:spcPct val="100000"/>
+              </a:lnSpc>
               <a:spcBef>
                 <a:spcPts val="320"/>
               </a:spcBef>
@@ -7434,6 +8845,9 @@
               </a:defRPr>
             </a:lvl8pPr>
             <a:lvl9pPr indent="-330200" lvl="8" marL="4114800" marR="0" rtl="0" algn="l">
+              <a:lnSpc>
+                <a:spcPct val="100000"/>
+              </a:lnSpc>
               <a:spcBef>
                 <a:spcPts val="320"/>
               </a:spcBef>
@@ -7462,7 +8876,7 @@
       </p:sp>
       <p:sp>
         <p:nvSpPr>
-          <p:cNvPr id="8" name="Google Shape;8;p1"/>
+          <p:cNvPr id="8" name="Google Shape;8;p10"/>
           <p:cNvSpPr txBox="1"/>
           <p:nvPr/>
         </p:nvSpPr>
@@ -7486,22 +8900,22 @@
           <a:lstStyle/>
           <a:p>
             <a:pPr indent="0" lvl="0" marL="0" marR="0" rtl="0" algn="l">
-              <a:spcBef>
-                <a:spcPts val="0"/>
-              </a:spcBef>
-              <a:spcAft>
-                <a:spcPts val="0"/>
-              </a:spcAft>
+              <a:lnSpc>
+                <a:spcPct val="100000"/>
+              </a:lnSpc>
+              <a:spcBef>
+                <a:spcPts val="0"/>
+              </a:spcBef>
+              <a:spcAft>
+                <a:spcPts val="0"/>
+              </a:spcAft>
+              <a:buClr>
+                <a:srgbClr val="000000"/>
+              </a:buClr>
+              <a:buSzPts val="800"/>
+              <a:buFont typeface="Arial"/>
               <a:buNone/>
             </a:pPr>
-            <a:r>
-              <a:rPr lang="de" sz="800">
-                <a:solidFill>
-                  <a:schemeClr val="dk1"/>
-                </a:solidFill>
-              </a:rPr>
-              <a:t>David Gemen und Andriyan Lapychak</a:t>
-            </a:r>
             <a:r>
               <a:rPr b="0" i="0" lang="de" sz="800" u="none" cap="none" strike="noStrike">
                 <a:solidFill>
@@ -7512,7 +8926,7 @@
                 <a:cs typeface="Arial"/>
                 <a:sym typeface="Arial"/>
               </a:rPr>
-              <a:t> | Seite </a:t>
+              <a:t>David Gemen und Andriyan Lapychak | Seite </a:t>
             </a:r>
             <a:fld id="{00000000-1234-1234-1234-123412341234}" type="slidenum">
               <a:rPr b="0" i="0" lang="de" sz="800" u="none" cap="none" strike="noStrike">
@@ -7538,12 +8952,20 @@
           </a:p>
           <a:p>
             <a:pPr indent="0" lvl="0" marL="0" marR="0" rtl="0" algn="l">
-              <a:spcBef>
-                <a:spcPts val="0"/>
-              </a:spcBef>
-              <a:spcAft>
-                <a:spcPts val="0"/>
-              </a:spcAft>
+              <a:lnSpc>
+                <a:spcPct val="100000"/>
+              </a:lnSpc>
+              <a:spcBef>
+                <a:spcPts val="0"/>
+              </a:spcBef>
+              <a:spcAft>
+                <a:spcPts val="0"/>
+              </a:spcAft>
+              <a:buClr>
+                <a:srgbClr val="000000"/>
+              </a:buClr>
+              <a:buSzPts val="800"/>
+              <a:buFont typeface="Arial"/>
               <a:buNone/>
             </a:pPr>
             <a:r>
@@ -7563,7 +8985,7 @@
       </p:sp>
       <p:cxnSp>
         <p:nvCxnSpPr>
-          <p:cNvPr id="9" name="Google Shape;9;p1"/>
+          <p:cNvPr id="9" name="Google Shape;9;p10"/>
           <p:cNvCxnSpPr/>
           <p:nvPr/>
         </p:nvCxnSpPr>
@@ -7582,14 +9004,14 @@
             </a:solidFill>
             <a:prstDash val="solid"/>
             <a:round/>
-            <a:headEnd len="med" w="med" type="none"/>
-            <a:tailEnd len="med" w="med" type="none"/>
+            <a:headEnd len="sm" w="sm" type="none"/>
+            <a:tailEnd len="sm" w="sm" type="none"/>
           </a:ln>
         </p:spPr>
       </p:cxnSp>
       <p:pic>
         <p:nvPicPr>
-          <p:cNvPr descr="TUBS_CO_70vH_150dpi" id="10" name="Google Shape;10;p1"/>
+          <p:cNvPr descr="TUBS_CO_70vH_150dpi" id="10" name="Google Shape;10;p10"/>
           <p:cNvPicPr preferRelativeResize="0"/>
           <p:nvPr/>
         </p:nvPicPr>
@@ -7616,17 +9038,16 @@
       </p:pic>
       <p:pic>
         <p:nvPicPr>
-          <p:cNvPr id="11" name="Google Shape;11;p1"/>
+          <p:cNvPr id="11" name="Google Shape;11;p10"/>
           <p:cNvPicPr preferRelativeResize="0"/>
           <p:nvPr/>
         </p:nvPicPr>
-        <p:blipFill>
+        <p:blipFill rotWithShape="1">
           <a:blip r:embed="rId2">
             <a:alphaModFix/>
           </a:blip>
-          <a:stretch>
-            <a:fillRect/>
-          </a:stretch>
+          <a:srcRect b="0" l="0" r="0" t="0"/>
+          <a:stretch/>
         </p:blipFill>
         <p:spPr>
           <a:xfrm>
@@ -7646,20 +9067,20 @@
   </p:cSld>
   <p:clrMap accent1="accent1" accent2="accent2" accent3="accent3" accent4="accent4" accent5="accent5" accent6="accent6" bg1="lt1" bg2="dk2" tx1="dk1" tx2="lt2" folHlink="folHlink" hlink="hlink"/>
   <p:sldLayoutIdLst>
-    <p:sldLayoutId id="2147483648" r:id="rId3"/>
-    <p:sldLayoutId id="2147483649" r:id="rId4"/>
-    <p:sldLayoutId id="2147483650" r:id="rId5"/>
-    <p:sldLayoutId id="2147483651" r:id="rId6"/>
-    <p:sldLayoutId id="2147483652" r:id="rId7"/>
-    <p:sldLayoutId id="2147483653" r:id="rId8"/>
-    <p:sldLayoutId id="2147483654" r:id="rId9"/>
-    <p:sldLayoutId id="2147483655" r:id="rId10"/>
-    <p:sldLayoutId id="2147483656" r:id="rId11"/>
-    <p:sldLayoutId id="2147483657" r:id="rId12"/>
-    <p:sldLayoutId id="2147483658" r:id="rId13"/>
-    <p:sldLayoutId id="2147483659" r:id="rId14"/>
-    <p:sldLayoutId id="2147483660" r:id="rId15"/>
-    <p:sldLayoutId id="2147483661" r:id="rId16"/>
+    <p:sldLayoutId id="2147483649" r:id="rId3"/>
+    <p:sldLayoutId id="2147483650" r:id="rId4"/>
+    <p:sldLayoutId id="2147483651" r:id="rId5"/>
+    <p:sldLayoutId id="2147483652" r:id="rId6"/>
+    <p:sldLayoutId id="2147483653" r:id="rId7"/>
+    <p:sldLayoutId id="2147483654" r:id="rId8"/>
+    <p:sldLayoutId id="2147483655" r:id="rId9"/>
+    <p:sldLayoutId id="2147483656" r:id="rId10"/>
+    <p:sldLayoutId id="2147483657" r:id="rId11"/>
+    <p:sldLayoutId id="2147483658" r:id="rId12"/>
+    <p:sldLayoutId id="2147483659" r:id="rId13"/>
+    <p:sldLayoutId id="2147483660" r:id="rId14"/>
+    <p:sldLayoutId id="2147483661" r:id="rId15"/>
+    <p:sldLayoutId id="2147483662" r:id="rId16"/>
   </p:sldLayoutIdLst>
   <p:hf dt="0" ftr="0" hdr="0" sldNum="0"/>
   <p:txStyles>
@@ -8373,7 +9794,7 @@
       </p:grpSpPr>
       <p:sp>
         <p:nvSpPr>
-          <p:cNvPr id="84" name="Google Shape;84;p16"/>
+          <p:cNvPr id="84" name="Google Shape;84;p1"/>
           <p:cNvSpPr txBox="1"/>
           <p:nvPr>
             <p:ph type="ctrTitle"/>
@@ -8387,6 +9808,10 @@
           <a:prstGeom prst="rect">
             <a:avLst/>
           </a:prstGeom>
+          <a:noFill/>
+          <a:ln>
+            <a:noFill/>
+          </a:ln>
         </p:spPr>
         <p:txBody>
           <a:bodyPr anchorCtr="0" anchor="b" bIns="0" lIns="0" spcFirstLastPara="1" rIns="0" wrap="square" tIns="0">
@@ -8401,6 +9826,11 @@
               <a:spcAft>
                 <a:spcPts val="0"/>
               </a:spcAft>
+              <a:buClr>
+                <a:schemeClr val="dk1"/>
+              </a:buClr>
+              <a:buSzPts val="1400"/>
+              <a:buFont typeface="Arial"/>
               <a:buNone/>
             </a:pPr>
             <a:r>
@@ -8409,11 +9839,30 @@
             </a:r>
             <a:endParaRPr/>
           </a:p>
+          <a:p>
+            <a:pPr indent="0" lvl="0" marL="0" rtl="0" algn="l">
+              <a:lnSpc>
+                <a:spcPct val="100000"/>
+              </a:lnSpc>
+              <a:spcBef>
+                <a:spcPts val="0"/>
+              </a:spcBef>
+              <a:spcAft>
+                <a:spcPts val="0"/>
+              </a:spcAft>
+              <a:buSzPts val="1400"/>
+              <a:buNone/>
+            </a:pPr>
+            <a:r>
+              <a:t/>
+            </a:r>
+            <a:endParaRPr/>
+          </a:p>
         </p:txBody>
       </p:sp>
       <p:sp>
         <p:nvSpPr>
-          <p:cNvPr id="85" name="Google Shape;85;p16"/>
+          <p:cNvPr id="85" name="Google Shape;85;p1"/>
           <p:cNvSpPr txBox="1"/>
           <p:nvPr>
             <p:ph idx="1" type="subTitle"/>
@@ -8427,6 +9876,10 @@
           <a:prstGeom prst="rect">
             <a:avLst/>
           </a:prstGeom>
+          <a:noFill/>
+          <a:ln>
+            <a:noFill/>
+          </a:ln>
         </p:spPr>
         <p:txBody>
           <a:bodyPr anchorCtr="0" anchor="t" bIns="0" lIns="0" spcFirstLastPara="1" rIns="0" wrap="square" tIns="0">
@@ -8435,17 +9888,202 @@
           <a:lstStyle/>
           <a:p>
             <a:pPr indent="0" lvl="0" marL="0" rtl="0" algn="l">
+              <a:lnSpc>
+                <a:spcPct val="100000"/>
+              </a:lnSpc>
               <a:spcBef>
                 <a:spcPts val="320"/>
               </a:spcBef>
               <a:spcAft>
                 <a:spcPts val="0"/>
               </a:spcAft>
+              <a:buSzPts val="1600"/>
               <a:buNone/>
             </a:pPr>
             <a:r>
               <a:rPr lang="de"/>
               <a:t>00 - Installation und Einführung in Java</a:t>
+            </a:r>
+            <a:endParaRPr/>
+          </a:p>
+        </p:txBody>
+      </p:sp>
+    </p:spTree>
+  </p:cSld>
+  <p:clrMapOvr>
+    <a:masterClrMapping/>
+  </p:clrMapOvr>
+</p:sld>
+</file>
+
+<file path=ppt/slides/slide10.xml><?xml version="1.0" encoding="utf-8"?>
+<p:sld xmlns:a="http://schemas.openxmlformats.org/drawingml/2006/main" xmlns:r="http://schemas.openxmlformats.org/officeDocument/2006/relationships" xmlns:mc="http://schemas.openxmlformats.org/markup-compatibility/2006" xmlns:mv="urn:schemas-microsoft-com:mac:vml" xmlns:p="http://schemas.openxmlformats.org/presentationml/2006/main" xmlns:c="http://schemas.openxmlformats.org/drawingml/2006/chart" xmlns:dgm="http://schemas.openxmlformats.org/drawingml/2006/diagram" xmlns:o="urn:schemas-microsoft-com:office:office" xmlns:v="urn:schemas-microsoft-com:vml" xmlns:pvml="urn:schemas-microsoft-com:office:powerpoint" xmlns:com="http://schemas.openxmlformats.org/drawingml/2006/compatibility" xmlns:p14="http://schemas.microsoft.com/office/powerpoint/2010/main" xmlns:p15="http://schemas.microsoft.com/office/powerpoint/2012/main" xmlns:ahyp="http://schemas.microsoft.com/office/drawing/2018/hyperlinkcolor">
+  <p:cSld>
+    <p:spTree>
+      <p:nvGrpSpPr>
+        <p:cNvPr id="140" name="Shape 140"/>
+        <p:cNvGrpSpPr/>
+        <p:nvPr/>
+      </p:nvGrpSpPr>
+      <p:grpSpPr>
+        <a:xfrm>
+          <a:off x="0" y="0"/>
+          <a:ext cx="0" cy="0"/>
+          <a:chOff x="0" y="0"/>
+          <a:chExt cx="0" cy="0"/>
+        </a:xfrm>
+      </p:grpSpPr>
+      <p:sp>
+        <p:nvSpPr>
+          <p:cNvPr id="141" name="Google Shape;141;p9"/>
+          <p:cNvSpPr txBox="1"/>
+          <p:nvPr>
+            <p:ph type="title"/>
+          </p:nvPr>
+        </p:nvSpPr>
+        <p:spPr>
+          <a:xfrm>
+            <a:off x="431800" y="83344"/>
+            <a:ext cx="8375700" cy="531000"/>
+          </a:xfrm>
+          <a:prstGeom prst="rect">
+            <a:avLst/>
+          </a:prstGeom>
+          <a:noFill/>
+          <a:ln>
+            <a:noFill/>
+          </a:ln>
+        </p:spPr>
+        <p:txBody>
+          <a:bodyPr anchorCtr="0" anchor="b" bIns="0" lIns="0" spcFirstLastPara="1" rIns="0" wrap="square" tIns="0">
+            <a:noAutofit/>
+          </a:bodyPr>
+          <a:lstStyle/>
+          <a:p>
+            <a:pPr indent="0" lvl="0" marL="0" rtl="0" algn="l">
+              <a:lnSpc>
+                <a:spcPct val="100000"/>
+              </a:lnSpc>
+              <a:spcBef>
+                <a:spcPts val="0"/>
+              </a:spcBef>
+              <a:spcAft>
+                <a:spcPts val="0"/>
+              </a:spcAft>
+              <a:buSzPts val="1400"/>
+              <a:buNone/>
+            </a:pPr>
+            <a:r>
+              <a:rPr lang="de"/>
+              <a:t>4. Installation auf euren Geräten</a:t>
+            </a:r>
+            <a:endParaRPr/>
+          </a:p>
+        </p:txBody>
+      </p:sp>
+      <p:sp>
+        <p:nvSpPr>
+          <p:cNvPr id="142" name="Google Shape;142;p9"/>
+          <p:cNvSpPr txBox="1"/>
+          <p:nvPr>
+            <p:ph idx="1" type="body"/>
+          </p:nvPr>
+        </p:nvSpPr>
+        <p:spPr>
+          <a:xfrm>
+            <a:off x="431800" y="945000"/>
+            <a:ext cx="8375700" cy="3375000"/>
+          </a:xfrm>
+          <a:prstGeom prst="rect">
+            <a:avLst/>
+          </a:prstGeom>
+          <a:noFill/>
+          <a:ln>
+            <a:noFill/>
+          </a:ln>
+        </p:spPr>
+        <p:txBody>
+          <a:bodyPr anchorCtr="0" anchor="t" bIns="0" lIns="0" spcFirstLastPara="1" rIns="0" wrap="square" tIns="0">
+            <a:noAutofit/>
+          </a:bodyPr>
+          <a:lstStyle/>
+          <a:p>
+            <a:pPr indent="0" lvl="0" marL="0" rtl="0" algn="l">
+              <a:lnSpc>
+                <a:spcPct val="100000"/>
+              </a:lnSpc>
+              <a:spcBef>
+                <a:spcPts val="320"/>
+              </a:spcBef>
+              <a:spcAft>
+                <a:spcPts val="0"/>
+              </a:spcAft>
+              <a:buSzPts val="1400"/>
+              <a:buNone/>
+            </a:pPr>
+            <a:r>
+              <a:rPr lang="de"/>
+              <a:t>Richtet eure Geräte jetzt gerne hier ein und fragt nach, wenn es Probleme gibt</a:t>
+            </a:r>
+            <a:endParaRPr/>
+          </a:p>
+          <a:p>
+            <a:pPr indent="-317500" lvl="0" marL="457200" rtl="0" algn="l">
+              <a:lnSpc>
+                <a:spcPct val="100000"/>
+              </a:lnSpc>
+              <a:spcBef>
+                <a:spcPts val="320"/>
+              </a:spcBef>
+              <a:spcAft>
+                <a:spcPts val="0"/>
+              </a:spcAft>
+              <a:buSzPts val="1400"/>
+              <a:buChar char="●"/>
+            </a:pPr>
+            <a:r>
+              <a:rPr lang="de"/>
+              <a:t>Java</a:t>
+            </a:r>
+            <a:endParaRPr/>
+          </a:p>
+          <a:p>
+            <a:pPr indent="-317500" lvl="0" marL="457200" rtl="0" algn="l">
+              <a:lnSpc>
+                <a:spcPct val="100000"/>
+              </a:lnSpc>
+              <a:spcBef>
+                <a:spcPts val="0"/>
+              </a:spcBef>
+              <a:spcAft>
+                <a:spcPts val="0"/>
+              </a:spcAft>
+              <a:buSzPts val="1400"/>
+              <a:buChar char="●"/>
+            </a:pPr>
+            <a:r>
+              <a:rPr lang="de"/>
+              <a:t>SSH</a:t>
+            </a:r>
+            <a:endParaRPr/>
+          </a:p>
+          <a:p>
+            <a:pPr indent="-317500" lvl="0" marL="457200" rtl="0" algn="l">
+              <a:lnSpc>
+                <a:spcPct val="100000"/>
+              </a:lnSpc>
+              <a:spcBef>
+                <a:spcPts val="0"/>
+              </a:spcBef>
+              <a:spcAft>
+                <a:spcPts val="0"/>
+              </a:spcAft>
+              <a:buSzPts val="1400"/>
+              <a:buChar char="●"/>
+            </a:pPr>
+            <a:r>
+              <a:rPr lang="de"/>
+              <a:t>Git</a:t>
             </a:r>
             <a:endParaRPr/>
           </a:p>
@@ -8478,7 +10116,7 @@
       </p:grpSpPr>
       <p:sp>
         <p:nvSpPr>
-          <p:cNvPr id="90" name="Google Shape;90;p17"/>
+          <p:cNvPr id="90" name="Google Shape;90;p2"/>
           <p:cNvSpPr txBox="1"/>
           <p:nvPr>
             <p:ph type="title"/>
@@ -8492,6 +10130,10 @@
           <a:prstGeom prst="rect">
             <a:avLst/>
           </a:prstGeom>
+          <a:noFill/>
+          <a:ln>
+            <a:noFill/>
+          </a:ln>
         </p:spPr>
         <p:txBody>
           <a:bodyPr anchorCtr="0" anchor="b" bIns="0" lIns="0" spcFirstLastPara="1" rIns="0" wrap="square" tIns="0">
@@ -8500,12 +10142,16 @@
           <a:lstStyle/>
           <a:p>
             <a:pPr indent="0" lvl="0" marL="0" rtl="0" algn="l">
-              <a:spcBef>
-                <a:spcPts val="0"/>
-              </a:spcBef>
-              <a:spcAft>
-                <a:spcPts val="0"/>
-              </a:spcAft>
+              <a:lnSpc>
+                <a:spcPct val="100000"/>
+              </a:lnSpc>
+              <a:spcBef>
+                <a:spcPts val="0"/>
+              </a:spcBef>
+              <a:spcAft>
+                <a:spcPts val="0"/>
+              </a:spcAft>
+              <a:buSzPts val="1400"/>
               <a:buNone/>
             </a:pPr>
             <a:r>
@@ -8518,7 +10164,7 @@
       </p:sp>
       <p:sp>
         <p:nvSpPr>
-          <p:cNvPr id="91" name="Google Shape;91;p17"/>
+          <p:cNvPr id="91" name="Google Shape;91;p2"/>
           <p:cNvSpPr txBox="1"/>
           <p:nvPr>
             <p:ph idx="1" type="body"/>
@@ -8532,6 +10178,10 @@
           <a:prstGeom prst="rect">
             <a:avLst/>
           </a:prstGeom>
+          <a:noFill/>
+          <a:ln>
+            <a:noFill/>
+          </a:ln>
         </p:spPr>
         <p:txBody>
           <a:bodyPr anchorCtr="0" anchor="t" bIns="0" lIns="0" spcFirstLastPara="1" rIns="0" wrap="square" tIns="0">
@@ -8540,6 +10190,9 @@
           <a:lstStyle/>
           <a:p>
             <a:pPr indent="-330200" lvl="0" marL="457200" rtl="0" algn="l">
+              <a:lnSpc>
+                <a:spcPct val="100000"/>
+              </a:lnSpc>
               <a:spcBef>
                 <a:spcPts val="320"/>
               </a:spcBef>
@@ -8557,6 +10210,9 @@
           </a:p>
           <a:p>
             <a:pPr indent="-330200" lvl="1" marL="914400" rtl="0" algn="l">
+              <a:lnSpc>
+                <a:spcPct val="100000"/>
+              </a:lnSpc>
               <a:spcBef>
                 <a:spcPts val="0"/>
               </a:spcBef>
@@ -8574,6 +10230,9 @@
           </a:p>
           <a:p>
             <a:pPr indent="-330200" lvl="1" marL="914400" rtl="0" algn="l">
+              <a:lnSpc>
+                <a:spcPct val="100000"/>
+              </a:lnSpc>
               <a:spcBef>
                 <a:spcPts val="0"/>
               </a:spcBef>
@@ -8591,6 +10250,9 @@
           </a:p>
           <a:p>
             <a:pPr indent="-330200" lvl="1" marL="914400" rtl="0" algn="l">
+              <a:lnSpc>
+                <a:spcPct val="100000"/>
+              </a:lnSpc>
               <a:spcBef>
                 <a:spcPts val="0"/>
               </a:spcBef>
@@ -8603,6 +10265,26 @@
             <a:r>
               <a:rPr lang="de"/>
               <a:t>Git</a:t>
+            </a:r>
+            <a:endParaRPr/>
+          </a:p>
+          <a:p>
+            <a:pPr indent="-330200" lvl="1" marL="914400" rtl="0" algn="l">
+              <a:lnSpc>
+                <a:spcPct val="100000"/>
+              </a:lnSpc>
+              <a:spcBef>
+                <a:spcPts val="0"/>
+              </a:spcBef>
+              <a:spcAft>
+                <a:spcPts val="0"/>
+              </a:spcAft>
+              <a:buSzPts val="1600"/>
+              <a:buAutoNum type="arabicPeriod"/>
+            </a:pPr>
+            <a:r>
+              <a:rPr lang="de"/>
+              <a:t>Was brauche ich sonst noch?</a:t>
             </a:r>
             <a:br>
               <a:rPr lang="de"/>
@@ -8611,6 +10293,9 @@
           </a:p>
           <a:p>
             <a:pPr indent="-330200" lvl="0" marL="457200" rtl="0" algn="l">
+              <a:lnSpc>
+                <a:spcPct val="100000"/>
+              </a:lnSpc>
               <a:spcBef>
                 <a:spcPts val="0"/>
               </a:spcBef>
@@ -8622,11 +10307,7 @@
             </a:pPr>
             <a:r>
               <a:rPr lang="de"/>
-              <a:t>Funktionsweise von</a:t>
-            </a:r>
-            <a:r>
-              <a:rPr lang="de"/>
-              <a:t> Java</a:t>
+              <a:t>Funktionsweise von Java</a:t>
             </a:r>
             <a:br>
               <a:rPr lang="de"/>
@@ -8635,6 +10316,9 @@
           </a:p>
           <a:p>
             <a:pPr indent="-330200" lvl="0" marL="457200" rtl="0" algn="l">
+              <a:lnSpc>
+                <a:spcPct val="100000"/>
+              </a:lnSpc>
               <a:spcBef>
                 <a:spcPts val="0"/>
               </a:spcBef>
@@ -8655,6 +10339,9 @@
           </a:p>
           <a:p>
             <a:pPr indent="-330200" lvl="0" marL="457200" rtl="0" algn="l">
+              <a:lnSpc>
+                <a:spcPct val="100000"/>
+              </a:lnSpc>
               <a:spcBef>
                 <a:spcPts val="0"/>
               </a:spcBef>
@@ -8699,7 +10386,7 @@
       </p:grpSpPr>
       <p:sp>
         <p:nvSpPr>
-          <p:cNvPr id="96" name="Google Shape;96;p18"/>
+          <p:cNvPr id="96" name="Google Shape;96;p3"/>
           <p:cNvSpPr txBox="1"/>
           <p:nvPr>
             <p:ph type="title"/>
@@ -8713,6 +10400,10 @@
           <a:prstGeom prst="rect">
             <a:avLst/>
           </a:prstGeom>
+          <a:noFill/>
+          <a:ln>
+            <a:noFill/>
+          </a:ln>
         </p:spPr>
         <p:txBody>
           <a:bodyPr anchorCtr="0" anchor="b" bIns="0" lIns="0" spcFirstLastPara="1" rIns="0" wrap="square" tIns="0">
@@ -8721,17 +10412,21 @@
           <a:lstStyle/>
           <a:p>
             <a:pPr indent="0" lvl="0" marL="0" rtl="0" algn="l">
-              <a:spcBef>
-                <a:spcPts val="0"/>
-              </a:spcBef>
-              <a:spcAft>
-                <a:spcPts val="0"/>
-              </a:spcAft>
+              <a:lnSpc>
+                <a:spcPct val="100000"/>
+              </a:lnSpc>
+              <a:spcBef>
+                <a:spcPts val="0"/>
+              </a:spcBef>
+              <a:spcAft>
+                <a:spcPts val="0"/>
+              </a:spcAft>
+              <a:buSzPts val="1400"/>
               <a:buNone/>
             </a:pPr>
             <a:r>
               <a:rPr lang="de"/>
-              <a:t>1.1 Installation von Java</a:t>
+              <a:t>1.1. Installation von Java</a:t>
             </a:r>
             <a:endParaRPr/>
           </a:p>
@@ -8739,7 +10434,7 @@
       </p:sp>
       <p:sp>
         <p:nvSpPr>
-          <p:cNvPr id="97" name="Google Shape;97;p18"/>
+          <p:cNvPr id="97" name="Google Shape;97;p3"/>
           <p:cNvSpPr txBox="1"/>
           <p:nvPr>
             <p:ph idx="1" type="body"/>
@@ -8753,6 +10448,10 @@
           <a:prstGeom prst="rect">
             <a:avLst/>
           </a:prstGeom>
+          <a:noFill/>
+          <a:ln>
+            <a:noFill/>
+          </a:ln>
         </p:spPr>
         <p:txBody>
           <a:bodyPr anchorCtr="0" anchor="t" bIns="0" lIns="0" spcFirstLastPara="1" rIns="0" wrap="square" tIns="0">
@@ -8761,12 +10460,16 @@
           <a:lstStyle/>
           <a:p>
             <a:pPr indent="0" lvl="0" marL="0" rtl="0" algn="l">
+              <a:lnSpc>
+                <a:spcPct val="100000"/>
+              </a:lnSpc>
               <a:spcBef>
                 <a:spcPts val="320"/>
               </a:spcBef>
               <a:spcAft>
                 <a:spcPts val="0"/>
               </a:spcAft>
+              <a:buSzPts val="1400"/>
               <a:buNone/>
             </a:pPr>
             <a:r>
@@ -8777,6 +10480,9 @@
           </a:p>
           <a:p>
             <a:pPr indent="-317500" lvl="0" marL="457200" rtl="0" algn="l">
+              <a:lnSpc>
+                <a:spcPct val="100000"/>
+              </a:lnSpc>
               <a:spcBef>
                 <a:spcPts val="320"/>
               </a:spcBef>
@@ -8794,6 +10500,9 @@
           </a:p>
           <a:p>
             <a:pPr indent="-317500" lvl="0" marL="914400" rtl="0" algn="l">
+              <a:lnSpc>
+                <a:spcPct val="100000"/>
+              </a:lnSpc>
               <a:spcBef>
                 <a:spcPts val="0"/>
               </a:spcBef>
@@ -8811,6 +10520,9 @@
           </a:p>
           <a:p>
             <a:pPr indent="-317500" lvl="0" marL="457200" rtl="0" algn="l">
+              <a:lnSpc>
+                <a:spcPct val="100000"/>
+              </a:lnSpc>
               <a:spcBef>
                 <a:spcPts val="0"/>
               </a:spcBef>
@@ -8828,6 +10540,9 @@
           </a:p>
           <a:p>
             <a:pPr indent="-317500" lvl="0" marL="914400" rtl="0" algn="l">
+              <a:lnSpc>
+                <a:spcPct val="100000"/>
+              </a:lnSpc>
               <a:spcBef>
                 <a:spcPts val="0"/>
               </a:spcBef>
@@ -8845,12 +10560,16 @@
           </a:p>
           <a:p>
             <a:pPr indent="0" lvl="0" marL="0" rtl="0" algn="l">
+              <a:lnSpc>
+                <a:spcPct val="100000"/>
+              </a:lnSpc>
               <a:spcBef>
                 <a:spcPts val="320"/>
               </a:spcBef>
               <a:spcAft>
                 <a:spcPts val="0"/>
               </a:spcAft>
+              <a:buSzPts val="1400"/>
               <a:buNone/>
             </a:pPr>
             <a:r>
@@ -8860,12 +10579,16 @@
           </a:p>
           <a:p>
             <a:pPr indent="0" lvl="0" marL="0" rtl="0" algn="l">
+              <a:lnSpc>
+                <a:spcPct val="100000"/>
+              </a:lnSpc>
               <a:spcBef>
                 <a:spcPts val="320"/>
               </a:spcBef>
               <a:spcAft>
                 <a:spcPts val="0"/>
               </a:spcAft>
+              <a:buSzPts val="1400"/>
               <a:buNone/>
             </a:pPr>
             <a:r>
@@ -8919,7 +10642,7 @@
       </p:grpSpPr>
       <p:sp>
         <p:nvSpPr>
-          <p:cNvPr id="102" name="Google Shape;102;p19"/>
+          <p:cNvPr id="102" name="Google Shape;102;p4"/>
           <p:cNvSpPr txBox="1"/>
           <p:nvPr>
             <p:ph type="title"/>
@@ -8933,6 +10656,10 @@
           <a:prstGeom prst="rect">
             <a:avLst/>
           </a:prstGeom>
+          <a:noFill/>
+          <a:ln>
+            <a:noFill/>
+          </a:ln>
         </p:spPr>
         <p:txBody>
           <a:bodyPr anchorCtr="0" anchor="b" bIns="0" lIns="0" spcFirstLastPara="1" rIns="0" wrap="square" tIns="0">
@@ -8941,17 +10668,21 @@
           <a:lstStyle/>
           <a:p>
             <a:pPr indent="0" lvl="0" marL="0" rtl="0" algn="l">
-              <a:spcBef>
-                <a:spcPts val="0"/>
-              </a:spcBef>
-              <a:spcAft>
-                <a:spcPts val="0"/>
-              </a:spcAft>
+              <a:lnSpc>
+                <a:spcPct val="100000"/>
+              </a:lnSpc>
+              <a:spcBef>
+                <a:spcPts val="0"/>
+              </a:spcBef>
+              <a:spcAft>
+                <a:spcPts val="0"/>
+              </a:spcAft>
+              <a:buSzPts val="1400"/>
               <a:buNone/>
             </a:pPr>
             <a:r>
               <a:rPr lang="de"/>
-              <a:t>1.1 Installation von Java</a:t>
+              <a:t>1.1. Installation von Java</a:t>
             </a:r>
             <a:endParaRPr/>
           </a:p>
@@ -8959,7 +10690,7 @@
       </p:sp>
       <p:sp>
         <p:nvSpPr>
-          <p:cNvPr id="103" name="Google Shape;103;p19"/>
+          <p:cNvPr id="103" name="Google Shape;103;p4"/>
           <p:cNvSpPr txBox="1"/>
           <p:nvPr>
             <p:ph idx="1" type="body"/>
@@ -8973,6 +10704,10 @@
           <a:prstGeom prst="rect">
             <a:avLst/>
           </a:prstGeom>
+          <a:noFill/>
+          <a:ln>
+            <a:noFill/>
+          </a:ln>
         </p:spPr>
         <p:txBody>
           <a:bodyPr anchorCtr="0" anchor="t" bIns="0" lIns="0" spcFirstLastPara="1" rIns="0" wrap="square" tIns="0">
@@ -8981,12 +10716,16 @@
           <a:lstStyle/>
           <a:p>
             <a:pPr indent="0" lvl="0" marL="0" rtl="0" algn="l">
+              <a:lnSpc>
+                <a:spcPct val="100000"/>
+              </a:lnSpc>
               <a:spcBef>
                 <a:spcPts val="320"/>
               </a:spcBef>
               <a:spcAft>
                 <a:spcPts val="0"/>
               </a:spcAft>
+              <a:buSzPts val="1400"/>
               <a:buNone/>
             </a:pPr>
             <a:r>
@@ -8997,12 +10736,16 @@
           </a:p>
           <a:p>
             <a:pPr indent="0" lvl="0" marL="0" rtl="0" algn="l">
+              <a:lnSpc>
+                <a:spcPct val="100000"/>
+              </a:lnSpc>
               <a:spcBef>
                 <a:spcPts val="320"/>
               </a:spcBef>
               <a:spcAft>
                 <a:spcPts val="0"/>
               </a:spcAft>
+              <a:buSzPts val="1400"/>
               <a:buNone/>
             </a:pPr>
             <a:r>
@@ -9012,6 +10755,9 @@
           </a:p>
           <a:p>
             <a:pPr indent="-298450" lvl="0" marL="457200" rtl="0" algn="l">
+              <a:lnSpc>
+                <a:spcPct val="100000"/>
+              </a:lnSpc>
               <a:spcBef>
                 <a:spcPts val="320"/>
               </a:spcBef>
@@ -9029,6 +10775,9 @@
           </a:p>
           <a:p>
             <a:pPr indent="-323850" lvl="1" marL="914400" rtl="0" algn="l">
+              <a:lnSpc>
+                <a:spcPct val="100000"/>
+              </a:lnSpc>
               <a:spcBef>
                 <a:spcPts val="0"/>
               </a:spcBef>
@@ -9058,6 +10807,9 @@
           </a:p>
           <a:p>
             <a:pPr indent="-298450" lvl="0" marL="457200" rtl="0" algn="l">
+              <a:lnSpc>
+                <a:spcPct val="100000"/>
+              </a:lnSpc>
               <a:spcBef>
                 <a:spcPts val="0"/>
               </a:spcBef>
@@ -9075,6 +10827,9 @@
           </a:p>
           <a:p>
             <a:pPr indent="-323850" lvl="1" marL="914400" rtl="0" algn="l">
+              <a:lnSpc>
+                <a:spcPct val="100000"/>
+              </a:lnSpc>
               <a:spcBef>
                 <a:spcPts val="0"/>
               </a:spcBef>
@@ -9101,6 +10856,9 @@
           </a:p>
           <a:p>
             <a:pPr indent="-323850" lvl="1" marL="914400" rtl="0" algn="l">
+              <a:lnSpc>
+                <a:spcPct val="100000"/>
+              </a:lnSpc>
               <a:spcBef>
                 <a:spcPts val="0"/>
               </a:spcBef>
@@ -9130,6 +10888,9 @@
           </a:p>
           <a:p>
             <a:pPr indent="-298450" lvl="0" marL="457200" rtl="0" algn="l">
+              <a:lnSpc>
+                <a:spcPct val="100000"/>
+              </a:lnSpc>
               <a:spcBef>
                 <a:spcPts val="0"/>
               </a:spcBef>
@@ -9147,6 +10908,9 @@
           </a:p>
           <a:p>
             <a:pPr indent="-323850" lvl="1" marL="914400" rtl="0" algn="l">
+              <a:lnSpc>
+                <a:spcPct val="100000"/>
+              </a:lnSpc>
               <a:spcBef>
                 <a:spcPts val="0"/>
               </a:spcBef>
@@ -9173,6 +10937,9 @@
           </a:p>
           <a:p>
             <a:pPr indent="-323850" lvl="1" marL="914400" rtl="0" algn="l">
+              <a:lnSpc>
+                <a:spcPct val="100000"/>
+              </a:lnSpc>
               <a:spcBef>
                 <a:spcPts val="0"/>
               </a:spcBef>
@@ -9226,7 +10993,7 @@
       </p:grpSpPr>
       <p:sp>
         <p:nvSpPr>
-          <p:cNvPr id="108" name="Google Shape;108;p20"/>
+          <p:cNvPr id="108" name="Google Shape;108;p5"/>
           <p:cNvSpPr txBox="1"/>
           <p:nvPr>
             <p:ph type="title"/>
@@ -9240,6 +11007,10 @@
           <a:prstGeom prst="rect">
             <a:avLst/>
           </a:prstGeom>
+          <a:noFill/>
+          <a:ln>
+            <a:noFill/>
+          </a:ln>
         </p:spPr>
         <p:txBody>
           <a:bodyPr anchorCtr="0" anchor="b" bIns="0" lIns="0" spcFirstLastPara="1" rIns="0" wrap="square" tIns="0">
@@ -9248,17 +11019,21 @@
           <a:lstStyle/>
           <a:p>
             <a:pPr indent="0" lvl="0" marL="0" rtl="0" algn="l">
-              <a:spcBef>
-                <a:spcPts val="0"/>
-              </a:spcBef>
-              <a:spcAft>
-                <a:spcPts val="0"/>
-              </a:spcAft>
+              <a:lnSpc>
+                <a:spcPct val="100000"/>
+              </a:lnSpc>
+              <a:spcBef>
+                <a:spcPts val="0"/>
+              </a:spcBef>
+              <a:spcAft>
+                <a:spcPts val="0"/>
+              </a:spcAft>
+              <a:buSzPts val="1400"/>
               <a:buNone/>
             </a:pPr>
             <a:r>
               <a:rPr lang="de"/>
-              <a:t>1.2 SSH Schlüsselpaar generieren</a:t>
+              <a:t>1.2. SSH Schlüsselpaar generieren</a:t>
             </a:r>
             <a:endParaRPr/>
           </a:p>
@@ -9266,7 +11041,7 @@
       </p:sp>
       <p:sp>
         <p:nvSpPr>
-          <p:cNvPr id="109" name="Google Shape;109;p20"/>
+          <p:cNvPr id="109" name="Google Shape;109;p5"/>
           <p:cNvSpPr txBox="1"/>
           <p:nvPr>
             <p:ph idx="1" type="body"/>
@@ -9280,6 +11055,10 @@
           <a:prstGeom prst="rect">
             <a:avLst/>
           </a:prstGeom>
+          <a:noFill/>
+          <a:ln>
+            <a:noFill/>
+          </a:ln>
         </p:spPr>
         <p:txBody>
           <a:bodyPr anchorCtr="0" anchor="t" bIns="0" lIns="0" spcFirstLastPara="1" rIns="0" wrap="square" tIns="0">
@@ -9288,12 +11067,16 @@
           <a:lstStyle/>
           <a:p>
             <a:pPr indent="0" lvl="0" marL="0" rtl="0" algn="l">
+              <a:lnSpc>
+                <a:spcPct val="100000"/>
+              </a:lnSpc>
               <a:spcBef>
                 <a:spcPts val="320"/>
               </a:spcBef>
               <a:spcAft>
                 <a:spcPts val="0"/>
               </a:spcAft>
+              <a:buSzPts val="1400"/>
               <a:buNone/>
             </a:pPr>
             <a:r>
@@ -9304,12 +11087,16 @@
           </a:p>
           <a:p>
             <a:pPr indent="0" lvl="0" marL="0" rtl="0" algn="l">
+              <a:lnSpc>
+                <a:spcPct val="100000"/>
+              </a:lnSpc>
               <a:spcBef>
                 <a:spcPts val="320"/>
               </a:spcBef>
               <a:spcAft>
                 <a:spcPts val="0"/>
               </a:spcAft>
+              <a:buSzPts val="1400"/>
               <a:buNone/>
             </a:pPr>
             <a:r>
@@ -9320,12 +11107,16 @@
           </a:p>
           <a:p>
             <a:pPr indent="0" lvl="0" marL="0" rtl="0" algn="l">
+              <a:lnSpc>
+                <a:spcPct val="100000"/>
+              </a:lnSpc>
               <a:spcBef>
                 <a:spcPts val="320"/>
               </a:spcBef>
               <a:spcAft>
                 <a:spcPts val="0"/>
               </a:spcAft>
+              <a:buSzPts val="1400"/>
               <a:buNone/>
             </a:pPr>
             <a:r>
@@ -9336,12 +11127,16 @@
           </a:p>
           <a:p>
             <a:pPr indent="0" lvl="0" marL="0" rtl="0" algn="l">
+              <a:lnSpc>
+                <a:spcPct val="100000"/>
+              </a:lnSpc>
               <a:spcBef>
                 <a:spcPts val="320"/>
               </a:spcBef>
               <a:spcAft>
                 <a:spcPts val="0"/>
               </a:spcAft>
+              <a:buSzPts val="1400"/>
               <a:buNone/>
             </a:pPr>
             <a:r>
@@ -9351,12 +11146,16 @@
           </a:p>
           <a:p>
             <a:pPr indent="0" lvl="0" marL="0" rtl="0" algn="l">
+              <a:lnSpc>
+                <a:spcPct val="100000"/>
+              </a:lnSpc>
               <a:spcBef>
                 <a:spcPts val="320"/>
               </a:spcBef>
               <a:spcAft>
                 <a:spcPts val="0"/>
               </a:spcAft>
+              <a:buSzPts val="1400"/>
               <a:buNone/>
             </a:pPr>
             <a:r>
@@ -9367,6 +11166,9 @@
           </a:p>
           <a:p>
             <a:pPr indent="-298450" lvl="0" marL="457200" rtl="0" algn="l">
+              <a:lnSpc>
+                <a:spcPct val="100000"/>
+              </a:lnSpc>
               <a:spcBef>
                 <a:spcPts val="320"/>
               </a:spcBef>
@@ -9416,7 +11218,7 @@
       </p:grpSpPr>
       <p:sp>
         <p:nvSpPr>
-          <p:cNvPr id="114" name="Google Shape;114;p21"/>
+          <p:cNvPr id="114" name="Google Shape;114;p6"/>
           <p:cNvSpPr txBox="1"/>
           <p:nvPr>
             <p:ph type="title"/>
@@ -9430,6 +11232,10 @@
           <a:prstGeom prst="rect">
             <a:avLst/>
           </a:prstGeom>
+          <a:noFill/>
+          <a:ln>
+            <a:noFill/>
+          </a:ln>
         </p:spPr>
         <p:txBody>
           <a:bodyPr anchorCtr="0" anchor="b" bIns="0" lIns="0" spcFirstLastPara="1" rIns="0" wrap="square" tIns="0">
@@ -9438,17 +11244,21 @@
           <a:lstStyle/>
           <a:p>
             <a:pPr indent="0" lvl="0" marL="0" rtl="0" algn="l">
-              <a:spcBef>
-                <a:spcPts val="0"/>
-              </a:spcBef>
-              <a:spcAft>
-                <a:spcPts val="0"/>
-              </a:spcAft>
+              <a:lnSpc>
+                <a:spcPct val="100000"/>
+              </a:lnSpc>
+              <a:spcBef>
+                <a:spcPts val="0"/>
+              </a:spcBef>
+              <a:spcAft>
+                <a:spcPts val="0"/>
+              </a:spcAft>
+              <a:buSzPts val="1400"/>
               <a:buNone/>
             </a:pPr>
             <a:r>
               <a:rPr lang="de"/>
-              <a:t>1.3 Installation von Git</a:t>
+              <a:t>1.3. Installation von Git</a:t>
             </a:r>
             <a:endParaRPr/>
           </a:p>
@@ -9456,7 +11266,7 @@
       </p:sp>
       <p:sp>
         <p:nvSpPr>
-          <p:cNvPr id="115" name="Google Shape;115;p21"/>
+          <p:cNvPr id="115" name="Google Shape;115;p6"/>
           <p:cNvSpPr txBox="1"/>
           <p:nvPr>
             <p:ph idx="1" type="body"/>
@@ -9470,6 +11280,10 @@
           <a:prstGeom prst="rect">
             <a:avLst/>
           </a:prstGeom>
+          <a:noFill/>
+          <a:ln>
+            <a:noFill/>
+          </a:ln>
         </p:spPr>
         <p:txBody>
           <a:bodyPr anchorCtr="0" anchor="t" bIns="0" lIns="0" spcFirstLastPara="1" rIns="0" wrap="square" tIns="0">
@@ -9478,12 +11292,16 @@
           <a:lstStyle/>
           <a:p>
             <a:pPr indent="0" lvl="0" marL="0" rtl="0" algn="l">
+              <a:lnSpc>
+                <a:spcPct val="100000"/>
+              </a:lnSpc>
               <a:spcBef>
                 <a:spcPts val="320"/>
               </a:spcBef>
               <a:spcAft>
                 <a:spcPts val="0"/>
               </a:spcAft>
+              <a:buSzPts val="1400"/>
               <a:buNone/>
             </a:pPr>
             <a:r>
@@ -9494,12 +11312,16 @@
           </a:p>
           <a:p>
             <a:pPr indent="0" lvl="0" marL="0" rtl="0" algn="l">
+              <a:lnSpc>
+                <a:spcPct val="100000"/>
+              </a:lnSpc>
               <a:spcBef>
                 <a:spcPts val="320"/>
               </a:spcBef>
               <a:spcAft>
                 <a:spcPts val="0"/>
               </a:spcAft>
+              <a:buSzPts val="1400"/>
               <a:buNone/>
             </a:pPr>
             <a:r>
@@ -9510,12 +11332,16 @@
           </a:p>
           <a:p>
             <a:pPr indent="0" lvl="0" marL="0" rtl="0" algn="l">
+              <a:lnSpc>
+                <a:spcPct val="100000"/>
+              </a:lnSpc>
               <a:spcBef>
                 <a:spcPts val="320"/>
               </a:spcBef>
               <a:spcAft>
                 <a:spcPts val="0"/>
               </a:spcAft>
+              <a:buSzPts val="1400"/>
               <a:buNone/>
             </a:pPr>
             <a:r>
@@ -9525,12 +11351,16 @@
           </a:p>
           <a:p>
             <a:pPr indent="0" lvl="0" marL="0" rtl="0" algn="l">
+              <a:lnSpc>
+                <a:spcPct val="100000"/>
+              </a:lnSpc>
               <a:spcBef>
                 <a:spcPts val="320"/>
               </a:spcBef>
               <a:spcAft>
                 <a:spcPts val="0"/>
               </a:spcAft>
+              <a:buSzPts val="1400"/>
               <a:buNone/>
             </a:pPr>
             <a:r>
@@ -9541,6 +11371,9 @@
           </a:p>
           <a:p>
             <a:pPr indent="-317500" lvl="0" marL="457200" rtl="0" algn="l">
+              <a:lnSpc>
+                <a:spcPct val="100000"/>
+              </a:lnSpc>
               <a:spcBef>
                 <a:spcPts val="320"/>
               </a:spcBef>
@@ -9558,6 +11391,9 @@
           </a:p>
           <a:p>
             <a:pPr indent="-317500" lvl="0" marL="457200" rtl="0" algn="l">
+              <a:lnSpc>
+                <a:spcPct val="100000"/>
+              </a:lnSpc>
               <a:spcBef>
                 <a:spcPts val="0"/>
               </a:spcBef>
@@ -9575,6 +11411,9 @@
           </a:p>
           <a:p>
             <a:pPr indent="-317500" lvl="0" marL="457200" rtl="0" algn="l">
+              <a:lnSpc>
+                <a:spcPct val="100000"/>
+              </a:lnSpc>
               <a:spcBef>
                 <a:spcPts val="0"/>
               </a:spcBef>
@@ -9592,12 +11431,16 @@
           </a:p>
           <a:p>
             <a:pPr indent="0" lvl="0" marL="0" rtl="0" algn="l">
+              <a:lnSpc>
+                <a:spcPct val="100000"/>
+              </a:lnSpc>
               <a:spcBef>
                 <a:spcPts val="320"/>
               </a:spcBef>
               <a:spcAft>
                 <a:spcPts val="0"/>
               </a:spcAft>
+              <a:buSzPts val="1400"/>
               <a:buNone/>
             </a:pPr>
             <a:r>
@@ -9607,12 +11450,16 @@
           </a:p>
           <a:p>
             <a:pPr indent="0" lvl="0" marL="0" rtl="0" algn="l">
+              <a:lnSpc>
+                <a:spcPct val="100000"/>
+              </a:lnSpc>
               <a:spcBef>
                 <a:spcPts val="320"/>
               </a:spcBef>
               <a:spcAft>
                 <a:spcPts val="0"/>
               </a:spcAft>
+              <a:buSzPts val="1400"/>
               <a:buNone/>
             </a:pPr>
             <a:r>
@@ -9623,6 +11470,9 @@
           </a:p>
           <a:p>
             <a:pPr indent="-317500" lvl="0" marL="457200" rtl="0" algn="l">
+              <a:lnSpc>
+                <a:spcPct val="100000"/>
+              </a:lnSpc>
               <a:spcBef>
                 <a:spcPts val="320"/>
               </a:spcBef>
@@ -9672,7 +11522,7 @@
       </p:grpSpPr>
       <p:sp>
         <p:nvSpPr>
-          <p:cNvPr id="120" name="Google Shape;120;p22"/>
+          <p:cNvPr id="120" name="Google Shape;120;gf9d0aa8325_0_0"/>
           <p:cNvSpPr txBox="1"/>
           <p:nvPr>
             <p:ph type="title"/>
@@ -9704,7 +11554,7 @@
             </a:pPr>
             <a:r>
               <a:rPr lang="de"/>
-              <a:t>2.1 Funktionsweise von Java</a:t>
+              <a:t>1.4. Was brauche ich sonst noch?</a:t>
             </a:r>
             <a:endParaRPr/>
           </a:p>
@@ -9712,7 +11562,585 @@
       </p:sp>
       <p:sp>
         <p:nvSpPr>
-          <p:cNvPr id="121" name="Google Shape;121;p22"/>
+          <p:cNvPr id="121" name="Google Shape;121;gf9d0aa8325_0_0"/>
+          <p:cNvSpPr txBox="1"/>
+          <p:nvPr>
+            <p:ph idx="1" type="body"/>
+          </p:nvPr>
+        </p:nvSpPr>
+        <p:spPr>
+          <a:xfrm>
+            <a:off x="431800" y="945000"/>
+            <a:ext cx="8375700" cy="3375000"/>
+          </a:xfrm>
+          <a:prstGeom prst="rect">
+            <a:avLst/>
+          </a:prstGeom>
+        </p:spPr>
+        <p:txBody>
+          <a:bodyPr anchorCtr="0" anchor="t" bIns="0" lIns="0" spcFirstLastPara="1" rIns="0" wrap="square" tIns="0">
+            <a:noAutofit/>
+          </a:bodyPr>
+          <a:lstStyle/>
+          <a:p>
+            <a:pPr indent="0" lvl="0" marL="0" rtl="0" algn="l">
+              <a:spcBef>
+                <a:spcPts val="320"/>
+              </a:spcBef>
+              <a:spcAft>
+                <a:spcPts val="0"/>
+              </a:spcAft>
+              <a:buNone/>
+            </a:pPr>
+            <a:r>
+              <a:rPr lang="de"/>
+              <a:t>Programmieren ist ein Tätigkeit mit nahezu keinen speziellen Erfordernissen.</a:t>
+            </a:r>
+            <a:endParaRPr/>
+          </a:p>
+          <a:p>
+            <a:pPr indent="0" lvl="0" marL="0" rtl="0" algn="l">
+              <a:spcBef>
+                <a:spcPts val="320"/>
+              </a:spcBef>
+              <a:spcAft>
+                <a:spcPts val="0"/>
+              </a:spcAft>
+              <a:buNone/>
+            </a:pPr>
+            <a:r>
+              <a:rPr lang="de"/>
+              <a:t>Du brauchst:</a:t>
+            </a:r>
+            <a:endParaRPr/>
+          </a:p>
+          <a:p>
+            <a:pPr indent="-317500" lvl="0" marL="457200" rtl="0" algn="l">
+              <a:spcBef>
+                <a:spcPts val="320"/>
+              </a:spcBef>
+              <a:spcAft>
+                <a:spcPts val="0"/>
+              </a:spcAft>
+              <a:buSzPts val="1400"/>
+              <a:buChar char="●"/>
+            </a:pPr>
+            <a:r>
+              <a:rPr lang="de"/>
+              <a:t>Deinen Laptop</a:t>
+            </a:r>
+            <a:endParaRPr/>
+          </a:p>
+          <a:p>
+            <a:pPr indent="-342900" lvl="1" marL="914400" rtl="0" algn="l">
+              <a:spcBef>
+                <a:spcPts val="0"/>
+              </a:spcBef>
+              <a:spcAft>
+                <a:spcPts val="0"/>
+              </a:spcAft>
+              <a:buSzPts val="1800"/>
+              <a:buChar char="-"/>
+            </a:pPr>
+            <a:r>
+              <a:rPr lang="de"/>
+              <a:t>Einen Texteditor oder IDE (bitte nehmt zunächst einen Texteditor)</a:t>
+            </a:r>
+            <a:endParaRPr/>
+          </a:p>
+          <a:p>
+            <a:pPr indent="-342900" lvl="1" marL="914400" rtl="0" algn="l">
+              <a:spcBef>
+                <a:spcPts val="0"/>
+              </a:spcBef>
+              <a:spcAft>
+                <a:spcPts val="0"/>
+              </a:spcAft>
+              <a:buSzPts val="1800"/>
+              <a:buChar char="-"/>
+            </a:pPr>
+            <a:r>
+              <a:rPr lang="de"/>
+              <a:t>Eine Konsole / Terminal </a:t>
+            </a:r>
+            <a:endParaRPr/>
+          </a:p>
+          <a:p>
+            <a:pPr indent="-317500" lvl="0" marL="457200" rtl="0" algn="l">
+              <a:spcBef>
+                <a:spcPts val="0"/>
+              </a:spcBef>
+              <a:spcAft>
+                <a:spcPts val="0"/>
+              </a:spcAft>
+              <a:buSzPts val="1400"/>
+              <a:buChar char="●"/>
+            </a:pPr>
+            <a:r>
+              <a:rPr lang="de"/>
+              <a:t>Deinen Kopf</a:t>
+            </a:r>
+            <a:endParaRPr/>
+          </a:p>
+        </p:txBody>
+      </p:sp>
+      <p:sp>
+        <p:nvSpPr>
+          <p:cNvPr id="122" name="Google Shape;122;gf9d0aa8325_0_0"/>
+          <p:cNvSpPr txBox="1"/>
+          <p:nvPr/>
+        </p:nvSpPr>
+        <p:spPr>
+          <a:xfrm>
+            <a:off x="5186500" y="2686975"/>
+            <a:ext cx="3621000" cy="1744500"/>
+          </a:xfrm>
+          <a:prstGeom prst="rect">
+            <a:avLst/>
+          </a:prstGeom>
+          <a:noFill/>
+          <a:ln>
+            <a:noFill/>
+          </a:ln>
+        </p:spPr>
+        <p:txBody>
+          <a:bodyPr anchorCtr="0" anchor="t" bIns="91425" lIns="91425" spcFirstLastPara="1" rIns="91425" wrap="square" tIns="91425">
+            <a:spAutoFit/>
+          </a:bodyPr>
+          <a:lstStyle/>
+          <a:p>
+            <a:pPr indent="0" lvl="0" marL="0" rtl="0" algn="l">
+              <a:spcBef>
+                <a:spcPts val="320"/>
+              </a:spcBef>
+              <a:spcAft>
+                <a:spcPts val="0"/>
+              </a:spcAft>
+              <a:buNone/>
+            </a:pPr>
+            <a:r>
+              <a:rPr lang="de" sz="1600">
+                <a:solidFill>
+                  <a:schemeClr val="dk1"/>
+                </a:solidFill>
+              </a:rPr>
+              <a:t>Gute IDEs (für später):</a:t>
+            </a:r>
+            <a:endParaRPr sz="1600">
+              <a:solidFill>
+                <a:schemeClr val="dk1"/>
+              </a:solidFill>
+            </a:endParaRPr>
+          </a:p>
+          <a:p>
+            <a:pPr indent="-330200" lvl="0" marL="457200" rtl="0" algn="l">
+              <a:spcBef>
+                <a:spcPts val="320"/>
+              </a:spcBef>
+              <a:spcAft>
+                <a:spcPts val="0"/>
+              </a:spcAft>
+              <a:buClr>
+                <a:schemeClr val="dk1"/>
+              </a:buClr>
+              <a:buSzPts val="1600"/>
+              <a:buChar char="●"/>
+            </a:pPr>
+            <a:r>
+              <a:rPr lang="de" sz="1600">
+                <a:solidFill>
+                  <a:schemeClr val="dk1"/>
+                </a:solidFill>
+              </a:rPr>
+              <a:t>Eclipse</a:t>
+            </a:r>
+            <a:endParaRPr sz="1600">
+              <a:solidFill>
+                <a:schemeClr val="dk1"/>
+              </a:solidFill>
+            </a:endParaRPr>
+          </a:p>
+          <a:p>
+            <a:pPr indent="-330200" lvl="0" marL="457200" rtl="0" algn="l">
+              <a:spcBef>
+                <a:spcPts val="0"/>
+              </a:spcBef>
+              <a:spcAft>
+                <a:spcPts val="0"/>
+              </a:spcAft>
+              <a:buClr>
+                <a:schemeClr val="dk1"/>
+              </a:buClr>
+              <a:buSzPts val="1600"/>
+              <a:buChar char="●"/>
+            </a:pPr>
+            <a:r>
+              <a:rPr lang="de" sz="1600">
+                <a:solidFill>
+                  <a:schemeClr val="dk1"/>
+                </a:solidFill>
+              </a:rPr>
+              <a:t>VS Code</a:t>
+            </a:r>
+            <a:endParaRPr sz="1600">
+              <a:solidFill>
+                <a:schemeClr val="dk1"/>
+              </a:solidFill>
+            </a:endParaRPr>
+          </a:p>
+          <a:p>
+            <a:pPr indent="-330200" lvl="0" marL="457200" rtl="0" algn="l">
+              <a:spcBef>
+                <a:spcPts val="0"/>
+              </a:spcBef>
+              <a:spcAft>
+                <a:spcPts val="0"/>
+              </a:spcAft>
+              <a:buClr>
+                <a:schemeClr val="dk1"/>
+              </a:buClr>
+              <a:buSzPts val="1600"/>
+              <a:buChar char="●"/>
+            </a:pPr>
+            <a:r>
+              <a:rPr lang="de" sz="1600">
+                <a:solidFill>
+                  <a:schemeClr val="dk1"/>
+                </a:solidFill>
+              </a:rPr>
+              <a:t>IntelliJ IDEA (Community Edition / Education Edition)</a:t>
+            </a:r>
+            <a:endParaRPr sz="1600">
+              <a:solidFill>
+                <a:schemeClr val="dk1"/>
+              </a:solidFill>
+            </a:endParaRPr>
+          </a:p>
+          <a:p>
+            <a:pPr indent="0" lvl="0" marL="457200" rtl="0" algn="l">
+              <a:spcBef>
+                <a:spcPts val="320"/>
+              </a:spcBef>
+              <a:spcAft>
+                <a:spcPts val="0"/>
+              </a:spcAft>
+              <a:buNone/>
+            </a:pPr>
+            <a:r>
+              <a:t/>
+            </a:r>
+            <a:endParaRPr sz="1600">
+              <a:solidFill>
+                <a:schemeClr val="dk1"/>
+              </a:solidFill>
+            </a:endParaRPr>
+          </a:p>
+        </p:txBody>
+      </p:sp>
+      <p:sp>
+        <p:nvSpPr>
+          <p:cNvPr id="123" name="Google Shape;123;gf9d0aa8325_0_0"/>
+          <p:cNvSpPr txBox="1"/>
+          <p:nvPr/>
+        </p:nvSpPr>
+        <p:spPr>
+          <a:xfrm>
+            <a:off x="431800" y="2686975"/>
+            <a:ext cx="3621000" cy="2277900"/>
+          </a:xfrm>
+          <a:prstGeom prst="rect">
+            <a:avLst/>
+          </a:prstGeom>
+          <a:noFill/>
+          <a:ln>
+            <a:noFill/>
+          </a:ln>
+        </p:spPr>
+        <p:txBody>
+          <a:bodyPr anchorCtr="0" anchor="t" bIns="91425" lIns="91425" spcFirstLastPara="1" rIns="91425" wrap="square" tIns="91425">
+            <a:spAutoFit/>
+          </a:bodyPr>
+          <a:lstStyle/>
+          <a:p>
+            <a:pPr indent="0" lvl="0" marL="0" rtl="0" algn="l">
+              <a:spcBef>
+                <a:spcPts val="320"/>
+              </a:spcBef>
+              <a:spcAft>
+                <a:spcPts val="0"/>
+              </a:spcAft>
+              <a:buNone/>
+            </a:pPr>
+            <a:r>
+              <a:rPr lang="de" sz="1600">
+                <a:solidFill>
+                  <a:schemeClr val="dk1"/>
+                </a:solidFill>
+              </a:rPr>
+              <a:t>Gute Texteditoren für den Anfang:</a:t>
+            </a:r>
+            <a:endParaRPr sz="1600">
+              <a:solidFill>
+                <a:schemeClr val="dk1"/>
+              </a:solidFill>
+            </a:endParaRPr>
+          </a:p>
+          <a:p>
+            <a:pPr indent="-317500" lvl="0" marL="457200" rtl="0" algn="l">
+              <a:spcBef>
+                <a:spcPts val="320"/>
+              </a:spcBef>
+              <a:spcAft>
+                <a:spcPts val="0"/>
+              </a:spcAft>
+              <a:buClr>
+                <a:schemeClr val="dk1"/>
+              </a:buClr>
+              <a:buSzPts val="1400"/>
+              <a:buChar char="●"/>
+            </a:pPr>
+            <a:r>
+              <a:rPr lang="de" sz="1600">
+                <a:solidFill>
+                  <a:schemeClr val="dk1"/>
+                </a:solidFill>
+              </a:rPr>
+              <a:t>Sublime Text</a:t>
+            </a:r>
+            <a:endParaRPr sz="1600">
+              <a:solidFill>
+                <a:schemeClr val="dk1"/>
+              </a:solidFill>
+            </a:endParaRPr>
+          </a:p>
+          <a:p>
+            <a:pPr indent="-317500" lvl="0" marL="457200" rtl="0" algn="l">
+              <a:spcBef>
+                <a:spcPts val="0"/>
+              </a:spcBef>
+              <a:spcAft>
+                <a:spcPts val="0"/>
+              </a:spcAft>
+              <a:buClr>
+                <a:schemeClr val="dk1"/>
+              </a:buClr>
+              <a:buSzPts val="1400"/>
+              <a:buChar char="●"/>
+            </a:pPr>
+            <a:r>
+              <a:rPr lang="de" sz="1600">
+                <a:solidFill>
+                  <a:schemeClr val="dk1"/>
+                </a:solidFill>
+              </a:rPr>
+              <a:t>Atom</a:t>
+            </a:r>
+            <a:endParaRPr sz="1600">
+              <a:solidFill>
+                <a:schemeClr val="dk1"/>
+              </a:solidFill>
+            </a:endParaRPr>
+          </a:p>
+          <a:p>
+            <a:pPr indent="-317500" lvl="0" marL="457200" rtl="0" algn="l">
+              <a:spcBef>
+                <a:spcPts val="0"/>
+              </a:spcBef>
+              <a:spcAft>
+                <a:spcPts val="0"/>
+              </a:spcAft>
+              <a:buClr>
+                <a:schemeClr val="dk1"/>
+              </a:buClr>
+              <a:buSzPts val="1400"/>
+              <a:buChar char="●"/>
+            </a:pPr>
+            <a:r>
+              <a:rPr lang="de" sz="1600">
+                <a:solidFill>
+                  <a:schemeClr val="dk1"/>
+                </a:solidFill>
+              </a:rPr>
+              <a:t>Notepad++</a:t>
+            </a:r>
+            <a:endParaRPr sz="1600">
+              <a:solidFill>
+                <a:schemeClr val="dk1"/>
+              </a:solidFill>
+            </a:endParaRPr>
+          </a:p>
+          <a:p>
+            <a:pPr indent="-317500" lvl="0" marL="457200" rtl="0" algn="l">
+              <a:spcBef>
+                <a:spcPts val="0"/>
+              </a:spcBef>
+              <a:spcAft>
+                <a:spcPts val="0"/>
+              </a:spcAft>
+              <a:buClr>
+                <a:schemeClr val="dk1"/>
+              </a:buClr>
+              <a:buSzPts val="1400"/>
+              <a:buChar char="●"/>
+            </a:pPr>
+            <a:r>
+              <a:rPr lang="de" sz="1600">
+                <a:solidFill>
+                  <a:schemeClr val="dk1"/>
+                </a:solidFill>
+              </a:rPr>
+              <a:t>gedit (Linux)</a:t>
+            </a:r>
+            <a:endParaRPr sz="1600">
+              <a:solidFill>
+                <a:schemeClr val="dk1"/>
+              </a:solidFill>
+            </a:endParaRPr>
+          </a:p>
+          <a:p>
+            <a:pPr indent="-317500" lvl="0" marL="457200" rtl="0" algn="l">
+              <a:spcBef>
+                <a:spcPts val="0"/>
+              </a:spcBef>
+              <a:spcAft>
+                <a:spcPts val="0"/>
+              </a:spcAft>
+              <a:buClr>
+                <a:schemeClr val="dk1"/>
+              </a:buClr>
+              <a:buSzPts val="1400"/>
+              <a:buChar char="●"/>
+            </a:pPr>
+            <a:r>
+              <a:rPr lang="de" sz="1600">
+                <a:solidFill>
+                  <a:schemeClr val="dk1"/>
+                </a:solidFill>
+              </a:rPr>
+              <a:t>Editor (Windows)</a:t>
+            </a:r>
+            <a:endParaRPr sz="1600">
+              <a:solidFill>
+                <a:schemeClr val="dk1"/>
+              </a:solidFill>
+            </a:endParaRPr>
+          </a:p>
+          <a:p>
+            <a:pPr indent="0" lvl="0" marL="457200" rtl="0" algn="l">
+              <a:spcBef>
+                <a:spcPts val="320"/>
+              </a:spcBef>
+              <a:spcAft>
+                <a:spcPts val="0"/>
+              </a:spcAft>
+              <a:buNone/>
+            </a:pPr>
+            <a:r>
+              <a:t/>
+            </a:r>
+            <a:endParaRPr sz="1600">
+              <a:solidFill>
+                <a:schemeClr val="dk1"/>
+              </a:solidFill>
+            </a:endParaRPr>
+          </a:p>
+          <a:p>
+            <a:pPr indent="0" lvl="0" marL="0" rtl="0" algn="l">
+              <a:spcBef>
+                <a:spcPts val="320"/>
+              </a:spcBef>
+              <a:spcAft>
+                <a:spcPts val="0"/>
+              </a:spcAft>
+              <a:buNone/>
+            </a:pPr>
+            <a:r>
+              <a:t/>
+            </a:r>
+            <a:endParaRPr sz="1600">
+              <a:solidFill>
+                <a:schemeClr val="dk1"/>
+              </a:solidFill>
+            </a:endParaRPr>
+          </a:p>
+        </p:txBody>
+      </p:sp>
+    </p:spTree>
+  </p:cSld>
+  <p:clrMapOvr>
+    <a:masterClrMapping/>
+  </p:clrMapOvr>
+</p:sld>
+</file>
+
+<file path=ppt/slides/slide8.xml><?xml version="1.0" encoding="utf-8"?>
+<p:sld xmlns:a="http://schemas.openxmlformats.org/drawingml/2006/main" xmlns:r="http://schemas.openxmlformats.org/officeDocument/2006/relationships" xmlns:mc="http://schemas.openxmlformats.org/markup-compatibility/2006" xmlns:mv="urn:schemas-microsoft-com:mac:vml" xmlns:p="http://schemas.openxmlformats.org/presentationml/2006/main" xmlns:c="http://schemas.openxmlformats.org/drawingml/2006/chart" xmlns:dgm="http://schemas.openxmlformats.org/drawingml/2006/diagram" xmlns:o="urn:schemas-microsoft-com:office:office" xmlns:v="urn:schemas-microsoft-com:vml" xmlns:pvml="urn:schemas-microsoft-com:office:powerpoint" xmlns:com="http://schemas.openxmlformats.org/drawingml/2006/compatibility" xmlns:p14="http://schemas.microsoft.com/office/powerpoint/2010/main" xmlns:p15="http://schemas.microsoft.com/office/powerpoint/2012/main" xmlns:ahyp="http://schemas.microsoft.com/office/drawing/2018/hyperlinkcolor">
+  <p:cSld>
+    <p:spTree>
+      <p:nvGrpSpPr>
+        <p:cNvPr id="127" name="Shape 127"/>
+        <p:cNvGrpSpPr/>
+        <p:nvPr/>
+      </p:nvGrpSpPr>
+      <p:grpSpPr>
+        <a:xfrm>
+          <a:off x="0" y="0"/>
+          <a:ext cx="0" cy="0"/>
+          <a:chOff x="0" y="0"/>
+          <a:chExt cx="0" cy="0"/>
+        </a:xfrm>
+      </p:grpSpPr>
+      <p:sp>
+        <p:nvSpPr>
+          <p:cNvPr id="128" name="Google Shape;128;p7"/>
+          <p:cNvSpPr txBox="1"/>
+          <p:nvPr>
+            <p:ph type="title"/>
+          </p:nvPr>
+        </p:nvSpPr>
+        <p:spPr>
+          <a:xfrm>
+            <a:off x="431800" y="83344"/>
+            <a:ext cx="8375700" cy="531000"/>
+          </a:xfrm>
+          <a:prstGeom prst="rect">
+            <a:avLst/>
+          </a:prstGeom>
+          <a:noFill/>
+          <a:ln>
+            <a:noFill/>
+          </a:ln>
+        </p:spPr>
+        <p:txBody>
+          <a:bodyPr anchorCtr="0" anchor="b" bIns="0" lIns="0" spcFirstLastPara="1" rIns="0" wrap="square" tIns="0">
+            <a:noAutofit/>
+          </a:bodyPr>
+          <a:lstStyle/>
+          <a:p>
+            <a:pPr indent="0" lvl="0" marL="0" rtl="0" algn="l">
+              <a:lnSpc>
+                <a:spcPct val="100000"/>
+              </a:lnSpc>
+              <a:spcBef>
+                <a:spcPts val="0"/>
+              </a:spcBef>
+              <a:spcAft>
+                <a:spcPts val="0"/>
+              </a:spcAft>
+              <a:buSzPts val="1400"/>
+              <a:buNone/>
+            </a:pPr>
+            <a:r>
+              <a:rPr lang="de"/>
+              <a:t>2.1. Funktionsweise von Java</a:t>
+            </a:r>
+            <a:endParaRPr/>
+          </a:p>
+        </p:txBody>
+      </p:sp>
+      <p:sp>
+        <p:nvSpPr>
+          <p:cNvPr id="129" name="Google Shape;129;p7"/>
           <p:cNvSpPr txBox="1"/>
           <p:nvPr>
             <p:ph idx="1" type="body"/>
@@ -9726,6 +12154,10 @@
           <a:prstGeom prst="rect">
             <a:avLst/>
           </a:prstGeom>
+          <a:noFill/>
+          <a:ln>
+            <a:noFill/>
+          </a:ln>
         </p:spPr>
         <p:txBody>
           <a:bodyPr anchorCtr="0" anchor="t" bIns="0" lIns="0" spcFirstLastPara="1" rIns="0" wrap="square" tIns="0">
@@ -9734,12 +12166,16 @@
           <a:lstStyle/>
           <a:p>
             <a:pPr indent="0" lvl="0" marL="0" rtl="0" algn="l">
+              <a:lnSpc>
+                <a:spcPct val="100000"/>
+              </a:lnSpc>
               <a:spcBef>
                 <a:spcPts val="320"/>
               </a:spcBef>
               <a:spcAft>
                 <a:spcPts val="0"/>
               </a:spcAft>
+              <a:buSzPts val="1400"/>
               <a:buNone/>
             </a:pPr>
             <a:r>
@@ -9750,6 +12186,9 @@
           </a:p>
           <a:p>
             <a:pPr indent="-317500" lvl="0" marL="457200" rtl="0" algn="l">
+              <a:lnSpc>
+                <a:spcPct val="100000"/>
+              </a:lnSpc>
               <a:spcBef>
                 <a:spcPts val="320"/>
               </a:spcBef>
@@ -9767,12 +12206,16 @@
           </a:p>
           <a:p>
             <a:pPr indent="0" lvl="0" marL="0" rtl="0" algn="l">
+              <a:lnSpc>
+                <a:spcPct val="100000"/>
+              </a:lnSpc>
               <a:spcBef>
                 <a:spcPts val="320"/>
               </a:spcBef>
               <a:spcAft>
                 <a:spcPts val="0"/>
               </a:spcAft>
+              <a:buSzPts val="1400"/>
               <a:buNone/>
             </a:pPr>
             <a:r>
@@ -9782,12 +12225,16 @@
           </a:p>
           <a:p>
             <a:pPr indent="0" lvl="0" marL="0" rtl="0" algn="l">
+              <a:lnSpc>
+                <a:spcPct val="100000"/>
+              </a:lnSpc>
               <a:spcBef>
                 <a:spcPts val="320"/>
               </a:spcBef>
               <a:spcAft>
                 <a:spcPts val="0"/>
               </a:spcAft>
+              <a:buSzPts val="1400"/>
               <a:buNone/>
             </a:pPr>
             <a:r>
@@ -9799,17 +12246,16 @@
       </p:sp>
       <p:pic>
         <p:nvPicPr>
-          <p:cNvPr id="122" name="Google Shape;122;p22"/>
+          <p:cNvPr id="130" name="Google Shape;130;p7"/>
           <p:cNvPicPr preferRelativeResize="0"/>
           <p:nvPr/>
         </p:nvPicPr>
-        <p:blipFill>
+        <p:blipFill rotWithShape="1">
           <a:blip r:embed="rId3">
             <a:alphaModFix/>
           </a:blip>
-          <a:stretch>
-            <a:fillRect/>
-          </a:stretch>
+          <a:srcRect b="0" l="0" r="0" t="0"/>
+          <a:stretch/>
         </p:blipFill>
         <p:spPr>
           <a:xfrm>
@@ -9833,12 +12279,12 @@
 </p:sld>
 </file>
 
-<file path=ppt/slides/slide8.xml><?xml version="1.0" encoding="utf-8"?>
+<file path=ppt/slides/slide9.xml><?xml version="1.0" encoding="utf-8"?>
 <p:sld xmlns:a="http://schemas.openxmlformats.org/drawingml/2006/main" xmlns:r="http://schemas.openxmlformats.org/officeDocument/2006/relationships" xmlns:mc="http://schemas.openxmlformats.org/markup-compatibility/2006" xmlns:mv="urn:schemas-microsoft-com:mac:vml" xmlns:p="http://schemas.openxmlformats.org/presentationml/2006/main" xmlns:c="http://schemas.openxmlformats.org/drawingml/2006/chart" xmlns:dgm="http://schemas.openxmlformats.org/drawingml/2006/diagram" xmlns:o="urn:schemas-microsoft-com:office:office" xmlns:v="urn:schemas-microsoft-com:vml" xmlns:pvml="urn:schemas-microsoft-com:office:powerpoint" xmlns:com="http://schemas.openxmlformats.org/drawingml/2006/compatibility" xmlns:p14="http://schemas.microsoft.com/office/powerpoint/2010/main" xmlns:p15="http://schemas.microsoft.com/office/powerpoint/2012/main" xmlns:ahyp="http://schemas.microsoft.com/office/drawing/2018/hyperlinkcolor">
   <p:cSld>
     <p:spTree>
       <p:nvGrpSpPr>
-        <p:cNvPr id="126" name="Shape 126"/>
+        <p:cNvPr id="134" name="Shape 134"/>
         <p:cNvGrpSpPr/>
         <p:nvPr/>
       </p:nvGrpSpPr>
@@ -9852,7 +12298,7 @@
       </p:grpSpPr>
       <p:sp>
         <p:nvSpPr>
-          <p:cNvPr id="127" name="Google Shape;127;p23"/>
+          <p:cNvPr id="135" name="Google Shape;135;p8"/>
           <p:cNvSpPr txBox="1"/>
           <p:nvPr>
             <p:ph type="title"/>
@@ -9866,6 +12312,10 @@
           <a:prstGeom prst="rect">
             <a:avLst/>
           </a:prstGeom>
+          <a:noFill/>
+          <a:ln>
+            <a:noFill/>
+          </a:ln>
         </p:spPr>
         <p:txBody>
           <a:bodyPr anchorCtr="0" anchor="b" bIns="0" lIns="0" spcFirstLastPara="1" rIns="0" wrap="square" tIns="0">
@@ -9874,17 +12324,21 @@
           <a:lstStyle/>
           <a:p>
             <a:pPr indent="0" lvl="0" marL="0" rtl="0" algn="l">
-              <a:spcBef>
-                <a:spcPts val="0"/>
-              </a:spcBef>
-              <a:spcAft>
-                <a:spcPts val="0"/>
-              </a:spcAft>
+              <a:lnSpc>
+                <a:spcPct val="100000"/>
+              </a:lnSpc>
+              <a:spcBef>
+                <a:spcPts val="0"/>
+              </a:spcBef>
+              <a:spcAft>
+                <a:spcPts val="0"/>
+              </a:spcAft>
+              <a:buSzPts val="1400"/>
               <a:buNone/>
             </a:pPr>
             <a:r>
               <a:rPr lang="de"/>
-              <a:t>Fragen</a:t>
+              <a:t>3. Fragen</a:t>
             </a:r>
             <a:endParaRPr/>
           </a:p>
@@ -9892,7 +12346,7 @@
       </p:sp>
       <p:sp>
         <p:nvSpPr>
-          <p:cNvPr id="128" name="Google Shape;128;p23"/>
+          <p:cNvPr id="136" name="Google Shape;136;p8"/>
           <p:cNvSpPr txBox="1"/>
           <p:nvPr>
             <p:ph idx="1" type="body"/>
@@ -9906,6 +12360,10 @@
           <a:prstGeom prst="rect">
             <a:avLst/>
           </a:prstGeom>
+          <a:noFill/>
+          <a:ln>
+            <a:noFill/>
+          </a:ln>
         </p:spPr>
         <p:txBody>
           <a:bodyPr anchorCtr="0" anchor="t" bIns="0" lIns="0" spcFirstLastPara="1" rIns="0" wrap="square" tIns="0">
@@ -9914,6 +12372,9 @@
           <a:lstStyle/>
           <a:p>
             <a:pPr indent="-317500" lvl="0" marL="457200" rtl="0" algn="l">
+              <a:lnSpc>
+                <a:spcPct val="100000"/>
+              </a:lnSpc>
               <a:spcBef>
                 <a:spcPts val="320"/>
               </a:spcBef>
@@ -9934,6 +12395,9 @@
           </a:p>
           <a:p>
             <a:pPr indent="-317500" lvl="0" marL="457200" rtl="0" algn="l">
+              <a:lnSpc>
+                <a:spcPct val="100000"/>
+              </a:lnSpc>
               <a:spcBef>
                 <a:spcPts val="0"/>
               </a:spcBef>
@@ -9954,6 +12418,9 @@
           </a:p>
           <a:p>
             <a:pPr indent="-317500" lvl="0" marL="457200" rtl="0" algn="l">
+              <a:lnSpc>
+                <a:spcPct val="100000"/>
+              </a:lnSpc>
               <a:spcBef>
                 <a:spcPts val="0"/>
               </a:spcBef>
@@ -9971,6 +12438,9 @@
           </a:p>
           <a:p>
             <a:pPr indent="-342900" lvl="1" marL="914400" rtl="0" algn="l">
+              <a:lnSpc>
+                <a:spcPct val="100000"/>
+              </a:lnSpc>
               <a:spcBef>
                 <a:spcPts val="0"/>
               </a:spcBef>
@@ -9988,6 +12458,9 @@
           </a:p>
           <a:p>
             <a:pPr indent="-342900" lvl="1" marL="914400" rtl="0" algn="l">
+              <a:lnSpc>
+                <a:spcPct val="100000"/>
+              </a:lnSpc>
               <a:spcBef>
                 <a:spcPts val="0"/>
               </a:spcBef>
@@ -10005,6 +12478,9 @@
           </a:p>
           <a:p>
             <a:pPr indent="-342900" lvl="1" marL="914400" rtl="0" algn="l">
+              <a:lnSpc>
+                <a:spcPct val="100000"/>
+              </a:lnSpc>
               <a:spcBef>
                 <a:spcPts val="0"/>
               </a:spcBef>
@@ -10022,172 +12498,20 @@
           </a:p>
           <a:p>
             <a:pPr indent="0" lvl="0" marL="0" rtl="0" algn="l">
+              <a:lnSpc>
+                <a:spcPct val="100000"/>
+              </a:lnSpc>
               <a:spcBef>
                 <a:spcPts val="320"/>
               </a:spcBef>
               <a:spcAft>
                 <a:spcPts val="0"/>
               </a:spcAft>
+              <a:buSzPts val="1400"/>
               <a:buNone/>
             </a:pPr>
             <a:r>
               <a:t/>
-            </a:r>
-            <a:endParaRPr/>
-          </a:p>
-        </p:txBody>
-      </p:sp>
-    </p:spTree>
-  </p:cSld>
-  <p:clrMapOvr>
-    <a:masterClrMapping/>
-  </p:clrMapOvr>
-</p:sld>
-</file>
-
-<file path=ppt/slides/slide9.xml><?xml version="1.0" encoding="utf-8"?>
-<p:sld xmlns:a="http://schemas.openxmlformats.org/drawingml/2006/main" xmlns:r="http://schemas.openxmlformats.org/officeDocument/2006/relationships" xmlns:mc="http://schemas.openxmlformats.org/markup-compatibility/2006" xmlns:mv="urn:schemas-microsoft-com:mac:vml" xmlns:p="http://schemas.openxmlformats.org/presentationml/2006/main" xmlns:c="http://schemas.openxmlformats.org/drawingml/2006/chart" xmlns:dgm="http://schemas.openxmlformats.org/drawingml/2006/diagram" xmlns:o="urn:schemas-microsoft-com:office:office" xmlns:v="urn:schemas-microsoft-com:vml" xmlns:pvml="urn:schemas-microsoft-com:office:powerpoint" xmlns:com="http://schemas.openxmlformats.org/drawingml/2006/compatibility" xmlns:p14="http://schemas.microsoft.com/office/powerpoint/2010/main" xmlns:p15="http://schemas.microsoft.com/office/powerpoint/2012/main" xmlns:ahyp="http://schemas.microsoft.com/office/drawing/2018/hyperlinkcolor">
-  <p:cSld>
-    <p:spTree>
-      <p:nvGrpSpPr>
-        <p:cNvPr id="132" name="Shape 132"/>
-        <p:cNvGrpSpPr/>
-        <p:nvPr/>
-      </p:nvGrpSpPr>
-      <p:grpSpPr>
-        <a:xfrm>
-          <a:off x="0" y="0"/>
-          <a:ext cx="0" cy="0"/>
-          <a:chOff x="0" y="0"/>
-          <a:chExt cx="0" cy="0"/>
-        </a:xfrm>
-      </p:grpSpPr>
-      <p:sp>
-        <p:nvSpPr>
-          <p:cNvPr id="133" name="Google Shape;133;p24"/>
-          <p:cNvSpPr txBox="1"/>
-          <p:nvPr>
-            <p:ph type="title"/>
-          </p:nvPr>
-        </p:nvSpPr>
-        <p:spPr>
-          <a:xfrm>
-            <a:off x="431800" y="83344"/>
-            <a:ext cx="8375700" cy="531000"/>
-          </a:xfrm>
-          <a:prstGeom prst="rect">
-            <a:avLst/>
-          </a:prstGeom>
-        </p:spPr>
-        <p:txBody>
-          <a:bodyPr anchorCtr="0" anchor="b" bIns="0" lIns="0" spcFirstLastPara="1" rIns="0" wrap="square" tIns="0">
-            <a:noAutofit/>
-          </a:bodyPr>
-          <a:lstStyle/>
-          <a:p>
-            <a:pPr indent="0" lvl="0" marL="0" rtl="0" algn="l">
-              <a:spcBef>
-                <a:spcPts val="0"/>
-              </a:spcBef>
-              <a:spcAft>
-                <a:spcPts val="0"/>
-              </a:spcAft>
-              <a:buNone/>
-            </a:pPr>
-            <a:r>
-              <a:rPr lang="de"/>
-              <a:t>Installation auf euren Geräten</a:t>
-            </a:r>
-            <a:endParaRPr/>
-          </a:p>
-        </p:txBody>
-      </p:sp>
-      <p:sp>
-        <p:nvSpPr>
-          <p:cNvPr id="134" name="Google Shape;134;p24"/>
-          <p:cNvSpPr txBox="1"/>
-          <p:nvPr>
-            <p:ph idx="1" type="body"/>
-          </p:nvPr>
-        </p:nvSpPr>
-        <p:spPr>
-          <a:xfrm>
-            <a:off x="431800" y="945000"/>
-            <a:ext cx="8375700" cy="3375000"/>
-          </a:xfrm>
-          <a:prstGeom prst="rect">
-            <a:avLst/>
-          </a:prstGeom>
-        </p:spPr>
-        <p:txBody>
-          <a:bodyPr anchorCtr="0" anchor="t" bIns="0" lIns="0" spcFirstLastPara="1" rIns="0" wrap="square" tIns="0">
-            <a:noAutofit/>
-          </a:bodyPr>
-          <a:lstStyle/>
-          <a:p>
-            <a:pPr indent="0" lvl="0" marL="0" rtl="0" algn="l">
-              <a:spcBef>
-                <a:spcPts val="320"/>
-              </a:spcBef>
-              <a:spcAft>
-                <a:spcPts val="0"/>
-              </a:spcAft>
-              <a:buNone/>
-            </a:pPr>
-            <a:r>
-              <a:rPr lang="de"/>
-              <a:t>Richtet eure Geräte jetzt gerne hier ein und fragt nach, wenn es Probleme gibt</a:t>
-            </a:r>
-            <a:endParaRPr/>
-          </a:p>
-          <a:p>
-            <a:pPr indent="-317500" lvl="0" marL="457200" rtl="0" algn="l">
-              <a:spcBef>
-                <a:spcPts val="320"/>
-              </a:spcBef>
-              <a:spcAft>
-                <a:spcPts val="0"/>
-              </a:spcAft>
-              <a:buSzPts val="1400"/>
-              <a:buChar char="●"/>
-            </a:pPr>
-            <a:r>
-              <a:rPr lang="de"/>
-              <a:t>Java</a:t>
-            </a:r>
-            <a:endParaRPr/>
-          </a:p>
-          <a:p>
-            <a:pPr indent="-317500" lvl="0" marL="457200" rtl="0" algn="l">
-              <a:spcBef>
-                <a:spcPts val="0"/>
-              </a:spcBef>
-              <a:spcAft>
-                <a:spcPts val="0"/>
-              </a:spcAft>
-              <a:buSzPts val="1400"/>
-              <a:buChar char="●"/>
-            </a:pPr>
-            <a:r>
-              <a:rPr lang="de"/>
-              <a:t>SSH</a:t>
-            </a:r>
-            <a:endParaRPr/>
-          </a:p>
-          <a:p>
-            <a:pPr indent="-317500" lvl="0" marL="457200" rtl="0" algn="l">
-              <a:spcBef>
-                <a:spcPts val="0"/>
-              </a:spcBef>
-              <a:spcAft>
-                <a:spcPts val="0"/>
-              </a:spcAft>
-              <a:buSzPts val="1400"/>
-              <a:buChar char="●"/>
-            </a:pPr>
-            <a:r>
-              <a:rPr lang="de"/>
-              <a:t>Git</a:t>
             </a:r>
             <a:endParaRPr/>
           </a:p>
